--- a/COURSE 10 - Applied Data Science Capstone/Week 5 Present Your Data-Driven Insights/Data Science Journey.pptx
+++ b/COURSE 10 - Applied Data Science Capstone/Week 5 Present Your Data-Driven Insights/Data Science Journey.pptx
@@ -2,7 +2,7 @@
 <file path=ppt/presentation.xml><?xml version="1.0" encoding="utf-8"?>
 <p:presentation xmlns:a="http://schemas.openxmlformats.org/drawingml/2006/main" xmlns:r="http://schemas.openxmlformats.org/officeDocument/2006/relationships" xmlns:p="http://schemas.openxmlformats.org/presentationml/2006/main">
   <p:sldMasterIdLst>
-    <p:sldMasterId id="2147483648" r:id="rId1"/>
+    <p:sldMasterId id="2147483726" r:id="rId1"/>
   </p:sldMasterIdLst>
   <p:sldIdLst>
     <p:sldId id="256" r:id="rId2"/>
@@ -152,7 +152,7 @@
   </p:defaultTextStyle>
   <p:extLst>
     <p:ext uri="{EFAFB233-063F-42B5-8137-9DF3F51BA10A}">
-      <p15:sldGuideLst xmlns:p15="http://schemas.microsoft.com/office/powerpoint/2012/main">
+      <p15:sldGuideLst xmlns:p15="http://schemas.microsoft.com/office/powerpoint/2012/main" xmlns="">
         <p15:guide id="1" orient="horz" pos="2880">
           <p15:clr>
             <a:srgbClr val="A4A3A4"/>
@@ -170,7 +170,7 @@
 </file>
 
 <file path=ppt/slideLayouts/slideLayout1.xml><?xml version="1.0" encoding="utf-8"?>
-<p:sldLayout xmlns:a="http://schemas.openxmlformats.org/drawingml/2006/main" xmlns:r="http://schemas.openxmlformats.org/officeDocument/2006/relationships" xmlns:p="http://schemas.openxmlformats.org/presentationml/2006/main" type="obj" preserve="1">
+<p:sldLayout xmlns:a="http://schemas.openxmlformats.org/drawingml/2006/main" xmlns:r="http://schemas.openxmlformats.org/officeDocument/2006/relationships" xmlns:p="http://schemas.openxmlformats.org/presentationml/2006/main" type="title" preserve="1">
   <p:cSld name="Title Slide">
     <p:spTree>
       <p:nvGrpSpPr>
@@ -188,7 +188,7 @@
       </p:grpSpPr>
       <p:sp>
         <p:nvSpPr>
-          <p:cNvPr id="2" name="Holder 2"/>
+          <p:cNvPr id="2" name="Title 1"/>
           <p:cNvSpPr>
             <a:spLocks noGrp="1"/>
           </p:cNvSpPr>
@@ -198,146 +198,204 @@
         </p:nvSpPr>
         <p:spPr>
           <a:xfrm>
-            <a:off x="914400" y="2125980"/>
-            <a:ext cx="10363200" cy="1440180"/>
+            <a:off x="914400" y="1371601"/>
+            <a:ext cx="10464800" cy="1927225"/>
           </a:xfrm>
-          <a:prstGeom prst="rect">
-            <a:avLst/>
-          </a:prstGeom>
         </p:spPr>
         <p:txBody>
-          <a:bodyPr wrap="square" lIns="0" tIns="0" rIns="0" bIns="0">
-            <a:spAutoFit/>
+          <a:bodyPr anchor="b">
+            <a:noAutofit/>
           </a:bodyPr>
           <a:lstStyle>
             <a:lvl1pPr>
-              <a:defRPr/>
+              <a:defRPr sz="5400" cap="all" baseline="0"/>
             </a:lvl1pPr>
           </a:lstStyle>
           <a:p>
-            <a:endParaRPr/>
+            <a:r>
+              <a:rPr lang="en-US" smtClean="0"/>
+              <a:t>Click to edit Master title style</a:t>
+            </a:r>
+            <a:endParaRPr lang="en-US" dirty="0"/>
           </a:p>
         </p:txBody>
       </p:sp>
       <p:sp>
         <p:nvSpPr>
-          <p:cNvPr id="3" name="Holder 3"/>
+          <p:cNvPr id="3" name="Subtitle 2"/>
           <p:cNvSpPr>
             <a:spLocks noGrp="1"/>
           </p:cNvSpPr>
           <p:nvPr>
-            <p:ph type="subTitle" idx="4"/>
+            <p:ph type="subTitle" idx="1"/>
           </p:nvPr>
         </p:nvSpPr>
         <p:spPr>
           <a:xfrm>
-            <a:off x="1828800" y="3840480"/>
-            <a:ext cx="8534400" cy="1714500"/>
+            <a:off x="914400" y="3505200"/>
+            <a:ext cx="8534400" cy="1752600"/>
           </a:xfrm>
-          <a:prstGeom prst="rect">
-            <a:avLst/>
-          </a:prstGeom>
         </p:spPr>
         <p:txBody>
-          <a:bodyPr wrap="square" lIns="0" tIns="0" rIns="0" bIns="0">
-            <a:spAutoFit/>
-          </a:bodyPr>
+          <a:bodyPr/>
           <a:lstStyle>
-            <a:lvl1pPr>
-              <a:defRPr/>
+            <a:lvl1pPr marL="0" indent="0" algn="l">
+              <a:buNone/>
+              <a:defRPr>
+                <a:solidFill>
+                  <a:schemeClr val="tx1">
+                    <a:lumMod val="75000"/>
+                    <a:lumOff val="25000"/>
+                  </a:schemeClr>
+                </a:solidFill>
+              </a:defRPr>
             </a:lvl1pPr>
+            <a:lvl2pPr marL="457200" indent="0" algn="ctr">
+              <a:buNone/>
+              <a:defRPr>
+                <a:solidFill>
+                  <a:schemeClr val="tx1">
+                    <a:tint val="75000"/>
+                  </a:schemeClr>
+                </a:solidFill>
+              </a:defRPr>
+            </a:lvl2pPr>
+            <a:lvl3pPr marL="914400" indent="0" algn="ctr">
+              <a:buNone/>
+              <a:defRPr>
+                <a:solidFill>
+                  <a:schemeClr val="tx1">
+                    <a:tint val="75000"/>
+                  </a:schemeClr>
+                </a:solidFill>
+              </a:defRPr>
+            </a:lvl3pPr>
+            <a:lvl4pPr marL="1371600" indent="0" algn="ctr">
+              <a:buNone/>
+              <a:defRPr>
+                <a:solidFill>
+                  <a:schemeClr val="tx1">
+                    <a:tint val="75000"/>
+                  </a:schemeClr>
+                </a:solidFill>
+              </a:defRPr>
+            </a:lvl4pPr>
+            <a:lvl5pPr marL="1828800" indent="0" algn="ctr">
+              <a:buNone/>
+              <a:defRPr>
+                <a:solidFill>
+                  <a:schemeClr val="tx1">
+                    <a:tint val="75000"/>
+                  </a:schemeClr>
+                </a:solidFill>
+              </a:defRPr>
+            </a:lvl5pPr>
+            <a:lvl6pPr marL="2286000" indent="0" algn="ctr">
+              <a:buNone/>
+              <a:defRPr>
+                <a:solidFill>
+                  <a:schemeClr val="tx1">
+                    <a:tint val="75000"/>
+                  </a:schemeClr>
+                </a:solidFill>
+              </a:defRPr>
+            </a:lvl6pPr>
+            <a:lvl7pPr marL="2743200" indent="0" algn="ctr">
+              <a:buNone/>
+              <a:defRPr>
+                <a:solidFill>
+                  <a:schemeClr val="tx1">
+                    <a:tint val="75000"/>
+                  </a:schemeClr>
+                </a:solidFill>
+              </a:defRPr>
+            </a:lvl7pPr>
+            <a:lvl8pPr marL="3200400" indent="0" algn="ctr">
+              <a:buNone/>
+              <a:defRPr>
+                <a:solidFill>
+                  <a:schemeClr val="tx1">
+                    <a:tint val="75000"/>
+                  </a:schemeClr>
+                </a:solidFill>
+              </a:defRPr>
+            </a:lvl8pPr>
+            <a:lvl9pPr marL="3657600" indent="0" algn="ctr">
+              <a:buNone/>
+              <a:defRPr>
+                <a:solidFill>
+                  <a:schemeClr val="tx1">
+                    <a:tint val="75000"/>
+                  </a:schemeClr>
+                </a:solidFill>
+              </a:defRPr>
+            </a:lvl9pPr>
           </a:lstStyle>
           <a:p>
-            <a:endParaRPr/>
+            <a:r>
+              <a:rPr lang="en-US" smtClean="0"/>
+              <a:t>Click to edit Master subtitle style</a:t>
+            </a:r>
+            <a:endParaRPr lang="en-US" dirty="0"/>
           </a:p>
         </p:txBody>
       </p:sp>
       <p:sp>
         <p:nvSpPr>
-          <p:cNvPr id="4" name="Holder 4"/>
+          <p:cNvPr id="4" name="Date Placeholder 3"/>
           <p:cNvSpPr>
             <a:spLocks noGrp="1"/>
           </p:cNvSpPr>
           <p:nvPr>
-            <p:ph type="ftr" sz="quarter" idx="5"/>
+            <p:ph type="dt" sz="half" idx="10"/>
           </p:nvPr>
         </p:nvSpPr>
         <p:spPr/>
         <p:txBody>
-          <a:bodyPr lIns="0" tIns="0" rIns="0" bIns="0"/>
-          <a:lstStyle>
-            <a:lvl1pPr algn="ctr">
-              <a:defRPr>
-                <a:solidFill>
-                  <a:schemeClr val="tx1">
-                    <a:tint val="75000"/>
-                  </a:schemeClr>
-                </a:solidFill>
-              </a:defRPr>
-            </a:lvl1pPr>
-          </a:lstStyle>
-          <a:p>
-            <a:endParaRPr/>
+          <a:bodyPr/>
+          <a:lstStyle/>
+          <a:p>
+            <a:fld id="{1D8BD707-D9CF-40AE-B4C6-C98DA3205C09}" type="datetimeFigureOut">
+              <a:rPr lang="en-US" smtClean="0"/>
+              <a:t>9/15/2021</a:t>
+            </a:fld>
+            <a:endParaRPr lang="en-US"/>
           </a:p>
         </p:txBody>
       </p:sp>
       <p:sp>
         <p:nvSpPr>
-          <p:cNvPr id="5" name="Holder 5"/>
+          <p:cNvPr id="5" name="Footer Placeholder 4"/>
           <p:cNvSpPr>
             <a:spLocks noGrp="1"/>
           </p:cNvSpPr>
           <p:nvPr>
-            <p:ph type="dt" sz="half" idx="6"/>
+            <p:ph type="ftr" sz="quarter" idx="11"/>
           </p:nvPr>
         </p:nvSpPr>
         <p:spPr/>
         <p:txBody>
-          <a:bodyPr lIns="0" tIns="0" rIns="0" bIns="0"/>
-          <a:lstStyle>
-            <a:lvl1pPr algn="l">
-              <a:defRPr>
-                <a:solidFill>
-                  <a:schemeClr val="tx1">
-                    <a:tint val="75000"/>
-                  </a:schemeClr>
-                </a:solidFill>
-              </a:defRPr>
-            </a:lvl1pPr>
-          </a:lstStyle>
-          <a:p>
-            <a:fld id="{1D8BD707-D9CF-40AE-B4C6-C98DA3205C09}" type="datetimeFigureOut">
-              <a:rPr lang="en-US"/>
-              <a:t>8/26/2021</a:t>
-            </a:fld>
+          <a:bodyPr/>
+          <a:lstStyle/>
+          <a:p>
             <a:endParaRPr lang="en-US"/>
           </a:p>
         </p:txBody>
       </p:sp>
       <p:sp>
         <p:nvSpPr>
-          <p:cNvPr id="6" name="Holder 6"/>
+          <p:cNvPr id="6" name="Slide Number Placeholder 5"/>
           <p:cNvSpPr>
             <a:spLocks noGrp="1"/>
           </p:cNvSpPr>
           <p:nvPr>
-            <p:ph type="sldNum" sz="quarter" idx="7"/>
+            <p:ph type="sldNum" sz="quarter" idx="12"/>
           </p:nvPr>
         </p:nvSpPr>
         <p:spPr/>
         <p:txBody>
-          <a:bodyPr lIns="0" tIns="0" rIns="0" bIns="0"/>
-          <a:lstStyle>
-            <a:lvl1pPr>
-              <a:defRPr sz="1050" b="0" i="0">
-                <a:solidFill>
-                  <a:schemeClr val="bg1"/>
-                </a:solidFill>
-                <a:latin typeface="Carlito"/>
-                <a:cs typeface="Carlito"/>
-              </a:defRPr>
-            </a:lvl1pPr>
-          </a:lstStyle>
+          <a:bodyPr/>
+          <a:lstStyle/>
           <a:p>
             <a:pPr marL="38100">
               <a:lnSpc>
@@ -345,10 +403,395 @@
               </a:lnSpc>
             </a:pPr>
             <a:fld id="{81D60167-4931-47E6-BA6A-407CBD079E47}" type="slidenum">
-              <a:rPr dirty="0"/>
+              <a:rPr lang="en-US" smtClean="0"/>
               <a:t>‹#›</a:t>
             </a:fld>
-            <a:endParaRPr dirty="0"/>
+            <a:endParaRPr lang="en-US" dirty="0"/>
+          </a:p>
+        </p:txBody>
+      </p:sp>
+      <p:cxnSp>
+        <p:nvCxnSpPr>
+          <p:cNvPr id="8" name="Straight Connector 7"/>
+          <p:cNvCxnSpPr/>
+          <p:nvPr/>
+        </p:nvCxnSpPr>
+        <p:spPr>
+          <a:xfrm>
+            <a:off x="914400" y="3398520"/>
+            <a:ext cx="10464800" cy="1588"/>
+          </a:xfrm>
+          <a:prstGeom prst="line">
+            <a:avLst/>
+          </a:prstGeom>
+          <a:ln w="19050">
+            <a:solidFill>
+              <a:schemeClr val="tx2"/>
+            </a:solidFill>
+          </a:ln>
+        </p:spPr>
+        <p:style>
+          <a:lnRef idx="1">
+            <a:schemeClr val="accent1"/>
+          </a:lnRef>
+          <a:fillRef idx="0">
+            <a:schemeClr val="accent1"/>
+          </a:fillRef>
+          <a:effectRef idx="0">
+            <a:schemeClr val="accent1"/>
+          </a:effectRef>
+          <a:fontRef idx="minor">
+            <a:schemeClr val="tx1"/>
+          </a:fontRef>
+        </p:style>
+      </p:cxnSp>
+    </p:spTree>
+  </p:cSld>
+  <p:clrMapOvr>
+    <a:masterClrMapping/>
+  </p:clrMapOvr>
+</p:sldLayout>
+</file>
+
+<file path=ppt/slideLayouts/slideLayout10.xml><?xml version="1.0" encoding="utf-8"?>
+<p:sldLayout xmlns:a="http://schemas.openxmlformats.org/drawingml/2006/main" xmlns:r="http://schemas.openxmlformats.org/officeDocument/2006/relationships" xmlns:p="http://schemas.openxmlformats.org/presentationml/2006/main" type="vertTx" preserve="1">
+  <p:cSld name="Title and Vertical Text">
+    <p:spTree>
+      <p:nvGrpSpPr>
+        <p:cNvPr id="1" name=""/>
+        <p:cNvGrpSpPr/>
+        <p:nvPr/>
+      </p:nvGrpSpPr>
+      <p:grpSpPr>
+        <a:xfrm>
+          <a:off x="0" y="0"/>
+          <a:ext cx="0" cy="0"/>
+          <a:chOff x="0" y="0"/>
+          <a:chExt cx="0" cy="0"/>
+        </a:xfrm>
+      </p:grpSpPr>
+      <p:sp>
+        <p:nvSpPr>
+          <p:cNvPr id="2" name="Title 1"/>
+          <p:cNvSpPr>
+            <a:spLocks noGrp="1"/>
+          </p:cNvSpPr>
+          <p:nvPr>
+            <p:ph type="title"/>
+          </p:nvPr>
+        </p:nvSpPr>
+        <p:spPr/>
+        <p:txBody>
+          <a:bodyPr/>
+          <a:lstStyle/>
+          <a:p>
+            <a:r>
+              <a:rPr lang="en-US" smtClean="0"/>
+              <a:t>Click to edit Master title style</a:t>
+            </a:r>
+            <a:endParaRPr lang="en-US"/>
+          </a:p>
+        </p:txBody>
+      </p:sp>
+      <p:sp>
+        <p:nvSpPr>
+          <p:cNvPr id="3" name="Vertical Text Placeholder 2"/>
+          <p:cNvSpPr>
+            <a:spLocks noGrp="1"/>
+          </p:cNvSpPr>
+          <p:nvPr>
+            <p:ph type="body" orient="vert" idx="1"/>
+          </p:nvPr>
+        </p:nvSpPr>
+        <p:spPr/>
+        <p:txBody>
+          <a:bodyPr vert="eaVert"/>
+          <a:lstStyle/>
+          <a:p>
+            <a:pPr lvl="0"/>
+            <a:r>
+              <a:rPr lang="en-US" smtClean="0"/>
+              <a:t>Click to edit Master text styles</a:t>
+            </a:r>
+          </a:p>
+          <a:p>
+            <a:pPr lvl="1"/>
+            <a:r>
+              <a:rPr lang="en-US" smtClean="0"/>
+              <a:t>Second level</a:t>
+            </a:r>
+          </a:p>
+          <a:p>
+            <a:pPr lvl="2"/>
+            <a:r>
+              <a:rPr lang="en-US" smtClean="0"/>
+              <a:t>Third level</a:t>
+            </a:r>
+          </a:p>
+          <a:p>
+            <a:pPr lvl="3"/>
+            <a:r>
+              <a:rPr lang="en-US" smtClean="0"/>
+              <a:t>Fourth level</a:t>
+            </a:r>
+          </a:p>
+          <a:p>
+            <a:pPr lvl="4"/>
+            <a:r>
+              <a:rPr lang="en-US" smtClean="0"/>
+              <a:t>Fifth level</a:t>
+            </a:r>
+            <a:endParaRPr lang="en-US"/>
+          </a:p>
+        </p:txBody>
+      </p:sp>
+      <p:sp>
+        <p:nvSpPr>
+          <p:cNvPr id="4" name="Date Placeholder 3"/>
+          <p:cNvSpPr>
+            <a:spLocks noGrp="1"/>
+          </p:cNvSpPr>
+          <p:nvPr>
+            <p:ph type="dt" sz="half" idx="10"/>
+          </p:nvPr>
+        </p:nvSpPr>
+        <p:spPr/>
+        <p:txBody>
+          <a:bodyPr/>
+          <a:lstStyle/>
+          <a:p>
+            <a:fld id="{1D8BD707-D9CF-40AE-B4C6-C98DA3205C09}" type="datetimeFigureOut">
+              <a:rPr lang="en-US" smtClean="0"/>
+              <a:t>9/15/2021</a:t>
+            </a:fld>
+            <a:endParaRPr lang="en-US"/>
+          </a:p>
+        </p:txBody>
+      </p:sp>
+      <p:sp>
+        <p:nvSpPr>
+          <p:cNvPr id="5" name="Footer Placeholder 4"/>
+          <p:cNvSpPr>
+            <a:spLocks noGrp="1"/>
+          </p:cNvSpPr>
+          <p:nvPr>
+            <p:ph type="ftr" sz="quarter" idx="11"/>
+          </p:nvPr>
+        </p:nvSpPr>
+        <p:spPr/>
+        <p:txBody>
+          <a:bodyPr/>
+          <a:lstStyle/>
+          <a:p>
+            <a:endParaRPr lang="en-US"/>
+          </a:p>
+        </p:txBody>
+      </p:sp>
+      <p:sp>
+        <p:nvSpPr>
+          <p:cNvPr id="6" name="Slide Number Placeholder 5"/>
+          <p:cNvSpPr>
+            <a:spLocks noGrp="1"/>
+          </p:cNvSpPr>
+          <p:nvPr>
+            <p:ph type="sldNum" sz="quarter" idx="12"/>
+          </p:nvPr>
+        </p:nvSpPr>
+        <p:spPr/>
+        <p:txBody>
+          <a:bodyPr/>
+          <a:lstStyle/>
+          <a:p>
+            <a:pPr marL="38100">
+              <a:lnSpc>
+                <a:spcPts val="1100"/>
+              </a:lnSpc>
+            </a:pPr>
+            <a:fld id="{81D60167-4931-47E6-BA6A-407CBD079E47}" type="slidenum">
+              <a:rPr lang="en-US" smtClean="0"/>
+              <a:t>‹#›</a:t>
+            </a:fld>
+            <a:endParaRPr lang="en-US" dirty="0"/>
+          </a:p>
+        </p:txBody>
+      </p:sp>
+    </p:spTree>
+  </p:cSld>
+  <p:clrMapOvr>
+    <a:masterClrMapping/>
+  </p:clrMapOvr>
+</p:sldLayout>
+</file>
+
+<file path=ppt/slideLayouts/slideLayout11.xml><?xml version="1.0" encoding="utf-8"?>
+<p:sldLayout xmlns:a="http://schemas.openxmlformats.org/drawingml/2006/main" xmlns:r="http://schemas.openxmlformats.org/officeDocument/2006/relationships" xmlns:p="http://schemas.openxmlformats.org/presentationml/2006/main" type="vertTitleAndTx" preserve="1">
+  <p:cSld name="Vertical Title and Text">
+    <p:spTree>
+      <p:nvGrpSpPr>
+        <p:cNvPr id="1" name=""/>
+        <p:cNvGrpSpPr/>
+        <p:nvPr/>
+      </p:nvGrpSpPr>
+      <p:grpSpPr>
+        <a:xfrm>
+          <a:off x="0" y="0"/>
+          <a:ext cx="0" cy="0"/>
+          <a:chOff x="0" y="0"/>
+          <a:chExt cx="0" cy="0"/>
+        </a:xfrm>
+      </p:grpSpPr>
+      <p:sp>
+        <p:nvSpPr>
+          <p:cNvPr id="2" name="Vertical Title 1"/>
+          <p:cNvSpPr>
+            <a:spLocks noGrp="1"/>
+          </p:cNvSpPr>
+          <p:nvPr>
+            <p:ph type="title" orient="vert"/>
+          </p:nvPr>
+        </p:nvSpPr>
+        <p:spPr>
+          <a:xfrm>
+            <a:off x="8839200" y="609600"/>
+            <a:ext cx="2743200" cy="5867400"/>
+          </a:xfrm>
+        </p:spPr>
+        <p:txBody>
+          <a:bodyPr vert="eaVert" anchor="b"/>
+          <a:lstStyle/>
+          <a:p>
+            <a:r>
+              <a:rPr lang="en-US" smtClean="0"/>
+              <a:t>Click to edit Master title style</a:t>
+            </a:r>
+            <a:endParaRPr lang="en-US" dirty="0"/>
+          </a:p>
+        </p:txBody>
+      </p:sp>
+      <p:sp>
+        <p:nvSpPr>
+          <p:cNvPr id="3" name="Vertical Text Placeholder 2"/>
+          <p:cNvSpPr>
+            <a:spLocks noGrp="1"/>
+          </p:cNvSpPr>
+          <p:nvPr>
+            <p:ph type="body" orient="vert" idx="1"/>
+          </p:nvPr>
+        </p:nvSpPr>
+        <p:spPr>
+          <a:xfrm>
+            <a:off x="609600" y="609600"/>
+            <a:ext cx="8026400" cy="5867400"/>
+          </a:xfrm>
+        </p:spPr>
+        <p:txBody>
+          <a:bodyPr vert="eaVert"/>
+          <a:lstStyle/>
+          <a:p>
+            <a:pPr lvl="0"/>
+            <a:r>
+              <a:rPr lang="en-US" smtClean="0"/>
+              <a:t>Click to edit Master text styles</a:t>
+            </a:r>
+          </a:p>
+          <a:p>
+            <a:pPr lvl="1"/>
+            <a:r>
+              <a:rPr lang="en-US" smtClean="0"/>
+              <a:t>Second level</a:t>
+            </a:r>
+          </a:p>
+          <a:p>
+            <a:pPr lvl="2"/>
+            <a:r>
+              <a:rPr lang="en-US" smtClean="0"/>
+              <a:t>Third level</a:t>
+            </a:r>
+          </a:p>
+          <a:p>
+            <a:pPr lvl="3"/>
+            <a:r>
+              <a:rPr lang="en-US" smtClean="0"/>
+              <a:t>Fourth level</a:t>
+            </a:r>
+          </a:p>
+          <a:p>
+            <a:pPr lvl="4"/>
+            <a:r>
+              <a:rPr lang="en-US" smtClean="0"/>
+              <a:t>Fifth level</a:t>
+            </a:r>
+            <a:endParaRPr lang="en-US" dirty="0"/>
+          </a:p>
+        </p:txBody>
+      </p:sp>
+      <p:sp>
+        <p:nvSpPr>
+          <p:cNvPr id="4" name="Date Placeholder 3"/>
+          <p:cNvSpPr>
+            <a:spLocks noGrp="1"/>
+          </p:cNvSpPr>
+          <p:nvPr>
+            <p:ph type="dt" sz="half" idx="10"/>
+          </p:nvPr>
+        </p:nvSpPr>
+        <p:spPr/>
+        <p:txBody>
+          <a:bodyPr/>
+          <a:lstStyle/>
+          <a:p>
+            <a:fld id="{1D8BD707-D9CF-40AE-B4C6-C98DA3205C09}" type="datetimeFigureOut">
+              <a:rPr lang="en-US" smtClean="0"/>
+              <a:t>9/15/2021</a:t>
+            </a:fld>
+            <a:endParaRPr lang="en-US"/>
+          </a:p>
+        </p:txBody>
+      </p:sp>
+      <p:sp>
+        <p:nvSpPr>
+          <p:cNvPr id="5" name="Footer Placeholder 4"/>
+          <p:cNvSpPr>
+            <a:spLocks noGrp="1"/>
+          </p:cNvSpPr>
+          <p:nvPr>
+            <p:ph type="ftr" sz="quarter" idx="11"/>
+          </p:nvPr>
+        </p:nvSpPr>
+        <p:spPr/>
+        <p:txBody>
+          <a:bodyPr/>
+          <a:lstStyle/>
+          <a:p>
+            <a:endParaRPr lang="en-US"/>
+          </a:p>
+        </p:txBody>
+      </p:sp>
+      <p:sp>
+        <p:nvSpPr>
+          <p:cNvPr id="6" name="Slide Number Placeholder 5"/>
+          <p:cNvSpPr>
+            <a:spLocks noGrp="1"/>
+          </p:cNvSpPr>
+          <p:nvPr>
+            <p:ph type="sldNum" sz="quarter" idx="12"/>
+          </p:nvPr>
+        </p:nvSpPr>
+        <p:spPr/>
+        <p:txBody>
+          <a:bodyPr/>
+          <a:lstStyle/>
+          <a:p>
+            <a:pPr marL="38100">
+              <a:lnSpc>
+                <a:spcPts val="1100"/>
+              </a:lnSpc>
+            </a:pPr>
+            <a:fld id="{81D60167-4931-47E6-BA6A-407CBD079E47}" type="slidenum">
+              <a:rPr lang="en-US" smtClean="0"/>
+              <a:t>‹#›</a:t>
+            </a:fld>
+            <a:endParaRPr lang="en-US" dirty="0"/>
           </a:p>
         </p:txBody>
       </p:sp>
@@ -379,7 +822,7 @@
       </p:grpSpPr>
       <p:sp>
         <p:nvSpPr>
-          <p:cNvPr id="2" name="Holder 2"/>
+          <p:cNvPr id="2" name="Title 1"/>
           <p:cNvSpPr>
             <a:spLocks noGrp="1"/>
           </p:cNvSpPr>
@@ -389,138 +832,125 @@
         </p:nvSpPr>
         <p:spPr/>
         <p:txBody>
-          <a:bodyPr lIns="0" tIns="0" rIns="0" bIns="0"/>
-          <a:lstStyle>
-            <a:lvl1pPr>
-              <a:defRPr sz="4800" b="0" i="0">
-                <a:solidFill>
-                  <a:srgbClr val="404040"/>
-                </a:solidFill>
-                <a:latin typeface="Arial"/>
-                <a:cs typeface="Arial"/>
-              </a:defRPr>
-            </a:lvl1pPr>
-          </a:lstStyle>
-          <a:p>
-            <a:endParaRPr/>
+          <a:bodyPr/>
+          <a:lstStyle/>
+          <a:p>
+            <a:r>
+              <a:rPr lang="en-US" smtClean="0"/>
+              <a:t>Click to edit Master title style</a:t>
+            </a:r>
+            <a:endParaRPr lang="en-US"/>
           </a:p>
         </p:txBody>
       </p:sp>
       <p:sp>
         <p:nvSpPr>
-          <p:cNvPr id="3" name="Holder 3"/>
+          <p:cNvPr id="3" name="Content Placeholder 2"/>
           <p:cNvSpPr>
             <a:spLocks noGrp="1"/>
           </p:cNvSpPr>
           <p:nvPr>
-            <p:ph type="body" idx="1"/>
+            <p:ph idx="1"/>
           </p:nvPr>
         </p:nvSpPr>
         <p:spPr/>
         <p:txBody>
-          <a:bodyPr lIns="0" tIns="0" rIns="0" bIns="0"/>
-          <a:lstStyle>
-            <a:lvl1pPr>
-              <a:defRPr sz="8000" b="0" i="0">
-                <a:solidFill>
-                  <a:srgbClr val="242424"/>
-                </a:solidFill>
-                <a:latin typeface="Arial"/>
-                <a:cs typeface="Arial"/>
-              </a:defRPr>
-            </a:lvl1pPr>
-          </a:lstStyle>
-          <a:p>
-            <a:endParaRPr/>
+          <a:bodyPr/>
+          <a:lstStyle/>
+          <a:p>
+            <a:pPr lvl="0"/>
+            <a:r>
+              <a:rPr lang="en-US" smtClean="0"/>
+              <a:t>Click to edit Master text styles</a:t>
+            </a:r>
+          </a:p>
+          <a:p>
+            <a:pPr lvl="1"/>
+            <a:r>
+              <a:rPr lang="en-US" smtClean="0"/>
+              <a:t>Second level</a:t>
+            </a:r>
+          </a:p>
+          <a:p>
+            <a:pPr lvl="2"/>
+            <a:r>
+              <a:rPr lang="en-US" smtClean="0"/>
+              <a:t>Third level</a:t>
+            </a:r>
+          </a:p>
+          <a:p>
+            <a:pPr lvl="3"/>
+            <a:r>
+              <a:rPr lang="en-US" smtClean="0"/>
+              <a:t>Fourth level</a:t>
+            </a:r>
+          </a:p>
+          <a:p>
+            <a:pPr lvl="4"/>
+            <a:r>
+              <a:rPr lang="en-US" smtClean="0"/>
+              <a:t>Fifth level</a:t>
+            </a:r>
+            <a:endParaRPr lang="en-US"/>
           </a:p>
         </p:txBody>
       </p:sp>
       <p:sp>
         <p:nvSpPr>
-          <p:cNvPr id="4" name="Holder 4"/>
+          <p:cNvPr id="4" name="Date Placeholder 3"/>
           <p:cNvSpPr>
             <a:spLocks noGrp="1"/>
           </p:cNvSpPr>
           <p:nvPr>
-            <p:ph type="ftr" sz="quarter" idx="5"/>
+            <p:ph type="dt" sz="half" idx="10"/>
           </p:nvPr>
         </p:nvSpPr>
         <p:spPr/>
         <p:txBody>
-          <a:bodyPr lIns="0" tIns="0" rIns="0" bIns="0"/>
-          <a:lstStyle>
-            <a:lvl1pPr algn="ctr">
-              <a:defRPr>
-                <a:solidFill>
-                  <a:schemeClr val="tx1">
-                    <a:tint val="75000"/>
-                  </a:schemeClr>
-                </a:solidFill>
-              </a:defRPr>
-            </a:lvl1pPr>
-          </a:lstStyle>
-          <a:p>
-            <a:endParaRPr/>
+          <a:bodyPr/>
+          <a:lstStyle/>
+          <a:p>
+            <a:fld id="{1D8BD707-D9CF-40AE-B4C6-C98DA3205C09}" type="datetimeFigureOut">
+              <a:rPr lang="en-US" smtClean="0"/>
+              <a:t>9/15/2021</a:t>
+            </a:fld>
+            <a:endParaRPr lang="en-US"/>
           </a:p>
         </p:txBody>
       </p:sp>
       <p:sp>
         <p:nvSpPr>
-          <p:cNvPr id="5" name="Holder 5"/>
+          <p:cNvPr id="5" name="Footer Placeholder 4"/>
           <p:cNvSpPr>
             <a:spLocks noGrp="1"/>
           </p:cNvSpPr>
           <p:nvPr>
-            <p:ph type="dt" sz="half" idx="6"/>
+            <p:ph type="ftr" sz="quarter" idx="11"/>
           </p:nvPr>
         </p:nvSpPr>
         <p:spPr/>
         <p:txBody>
-          <a:bodyPr lIns="0" tIns="0" rIns="0" bIns="0"/>
-          <a:lstStyle>
-            <a:lvl1pPr algn="l">
-              <a:defRPr>
-                <a:solidFill>
-                  <a:schemeClr val="tx1">
-                    <a:tint val="75000"/>
-                  </a:schemeClr>
-                </a:solidFill>
-              </a:defRPr>
-            </a:lvl1pPr>
-          </a:lstStyle>
-          <a:p>
-            <a:fld id="{1D8BD707-D9CF-40AE-B4C6-C98DA3205C09}" type="datetimeFigureOut">
-              <a:rPr lang="en-US"/>
-              <a:t>8/26/2021</a:t>
-            </a:fld>
+          <a:bodyPr/>
+          <a:lstStyle/>
+          <a:p>
             <a:endParaRPr lang="en-US"/>
           </a:p>
         </p:txBody>
       </p:sp>
       <p:sp>
         <p:nvSpPr>
-          <p:cNvPr id="6" name="Holder 6"/>
+          <p:cNvPr id="6" name="Slide Number Placeholder 5"/>
           <p:cNvSpPr>
             <a:spLocks noGrp="1"/>
           </p:cNvSpPr>
           <p:nvPr>
-            <p:ph type="sldNum" sz="quarter" idx="7"/>
+            <p:ph type="sldNum" sz="quarter" idx="12"/>
           </p:nvPr>
         </p:nvSpPr>
         <p:spPr/>
         <p:txBody>
-          <a:bodyPr lIns="0" tIns="0" rIns="0" bIns="0"/>
-          <a:lstStyle>
-            <a:lvl1pPr>
-              <a:defRPr sz="1050" b="0" i="0">
-                <a:solidFill>
-                  <a:schemeClr val="bg1"/>
-                </a:solidFill>
-                <a:latin typeface="Carlito"/>
-                <a:cs typeface="Carlito"/>
-              </a:defRPr>
-            </a:lvl1pPr>
-          </a:lstStyle>
+          <a:bodyPr/>
+          <a:lstStyle/>
           <a:p>
             <a:pPr marL="38100">
               <a:lnSpc>
@@ -528,10 +958,10 @@
               </a:lnSpc>
             </a:pPr>
             <a:fld id="{81D60167-4931-47E6-BA6A-407CBD079E47}" type="slidenum">
-              <a:rPr dirty="0"/>
+              <a:rPr lang="en-US" smtClean="0"/>
               <a:t>‹#›</a:t>
             </a:fld>
-            <a:endParaRPr dirty="0"/>
+            <a:endParaRPr lang="en-US" dirty="0"/>
           </a:p>
         </p:txBody>
       </p:sp>
@@ -544,7 +974,295 @@
 </file>
 
 <file path=ppt/slideLayouts/slideLayout3.xml><?xml version="1.0" encoding="utf-8"?>
-<p:sldLayout xmlns:a="http://schemas.openxmlformats.org/drawingml/2006/main" xmlns:r="http://schemas.openxmlformats.org/officeDocument/2006/relationships" xmlns:p="http://schemas.openxmlformats.org/presentationml/2006/main" type="obj" preserve="1">
+<p:sldLayout xmlns:a="http://schemas.openxmlformats.org/drawingml/2006/main" xmlns:r="http://schemas.openxmlformats.org/officeDocument/2006/relationships" xmlns:p="http://schemas.openxmlformats.org/presentationml/2006/main" type="secHead" preserve="1">
+  <p:cSld name="Section Header">
+    <p:bg>
+      <p:bgRef idx="1001">
+        <a:schemeClr val="bg2"/>
+      </p:bgRef>
+    </p:bg>
+    <p:spTree>
+      <p:nvGrpSpPr>
+        <p:cNvPr id="1" name=""/>
+        <p:cNvGrpSpPr/>
+        <p:nvPr/>
+      </p:nvGrpSpPr>
+      <p:grpSpPr>
+        <a:xfrm>
+          <a:off x="0" y="0"/>
+          <a:ext cx="0" cy="0"/>
+          <a:chOff x="0" y="0"/>
+          <a:chExt cx="0" cy="0"/>
+        </a:xfrm>
+      </p:grpSpPr>
+      <p:sp>
+        <p:nvSpPr>
+          <p:cNvPr id="2" name="Title 1"/>
+          <p:cNvSpPr>
+            <a:spLocks noGrp="1"/>
+          </p:cNvSpPr>
+          <p:nvPr>
+            <p:ph type="title"/>
+          </p:nvPr>
+        </p:nvSpPr>
+        <p:spPr>
+          <a:xfrm>
+            <a:off x="963084" y="2362201"/>
+            <a:ext cx="10363200" cy="2200275"/>
+          </a:xfrm>
+        </p:spPr>
+        <p:txBody>
+          <a:bodyPr anchor="b">
+            <a:normAutofit/>
+          </a:bodyPr>
+          <a:lstStyle>
+            <a:lvl1pPr algn="l">
+              <a:defRPr sz="4800" b="0" cap="all"/>
+            </a:lvl1pPr>
+          </a:lstStyle>
+          <a:p>
+            <a:r>
+              <a:rPr lang="en-US" smtClean="0"/>
+              <a:t>Click to edit Master title style</a:t>
+            </a:r>
+            <a:endParaRPr lang="en-US" dirty="0"/>
+          </a:p>
+        </p:txBody>
+      </p:sp>
+      <p:sp>
+        <p:nvSpPr>
+          <p:cNvPr id="3" name="Text Placeholder 2"/>
+          <p:cNvSpPr>
+            <a:spLocks noGrp="1"/>
+          </p:cNvSpPr>
+          <p:nvPr>
+            <p:ph type="body" idx="1"/>
+          </p:nvPr>
+        </p:nvSpPr>
+        <p:spPr>
+          <a:xfrm>
+            <a:off x="963084" y="4626865"/>
+            <a:ext cx="10363200" cy="1500187"/>
+          </a:xfrm>
+        </p:spPr>
+        <p:txBody>
+          <a:bodyPr anchor="t">
+            <a:normAutofit/>
+          </a:bodyPr>
+          <a:lstStyle>
+            <a:lvl1pPr marL="0" indent="0">
+              <a:buNone/>
+              <a:defRPr sz="2400">
+                <a:solidFill>
+                  <a:schemeClr val="tx2"/>
+                </a:solidFill>
+              </a:defRPr>
+            </a:lvl1pPr>
+            <a:lvl2pPr marL="457200" indent="0">
+              <a:buNone/>
+              <a:defRPr sz="1800">
+                <a:solidFill>
+                  <a:schemeClr val="tx1">
+                    <a:tint val="75000"/>
+                  </a:schemeClr>
+                </a:solidFill>
+              </a:defRPr>
+            </a:lvl2pPr>
+            <a:lvl3pPr marL="914400" indent="0">
+              <a:buNone/>
+              <a:defRPr sz="1600">
+                <a:solidFill>
+                  <a:schemeClr val="tx1">
+                    <a:tint val="75000"/>
+                  </a:schemeClr>
+                </a:solidFill>
+              </a:defRPr>
+            </a:lvl3pPr>
+            <a:lvl4pPr marL="1371600" indent="0">
+              <a:buNone/>
+              <a:defRPr sz="1400">
+                <a:solidFill>
+                  <a:schemeClr val="tx1">
+                    <a:tint val="75000"/>
+                  </a:schemeClr>
+                </a:solidFill>
+              </a:defRPr>
+            </a:lvl4pPr>
+            <a:lvl5pPr marL="1828800" indent="0">
+              <a:buNone/>
+              <a:defRPr sz="1400">
+                <a:solidFill>
+                  <a:schemeClr val="tx1">
+                    <a:tint val="75000"/>
+                  </a:schemeClr>
+                </a:solidFill>
+              </a:defRPr>
+            </a:lvl5pPr>
+            <a:lvl6pPr marL="2286000" indent="0">
+              <a:buNone/>
+              <a:defRPr sz="1400">
+                <a:solidFill>
+                  <a:schemeClr val="tx1">
+                    <a:tint val="75000"/>
+                  </a:schemeClr>
+                </a:solidFill>
+              </a:defRPr>
+            </a:lvl6pPr>
+            <a:lvl7pPr marL="2743200" indent="0">
+              <a:buNone/>
+              <a:defRPr sz="1400">
+                <a:solidFill>
+                  <a:schemeClr val="tx1">
+                    <a:tint val="75000"/>
+                  </a:schemeClr>
+                </a:solidFill>
+              </a:defRPr>
+            </a:lvl7pPr>
+            <a:lvl8pPr marL="3200400" indent="0">
+              <a:buNone/>
+              <a:defRPr sz="1400">
+                <a:solidFill>
+                  <a:schemeClr val="tx1">
+                    <a:tint val="75000"/>
+                  </a:schemeClr>
+                </a:solidFill>
+              </a:defRPr>
+            </a:lvl8pPr>
+            <a:lvl9pPr marL="3657600" indent="0">
+              <a:buNone/>
+              <a:defRPr sz="1400">
+                <a:solidFill>
+                  <a:schemeClr val="tx1">
+                    <a:tint val="75000"/>
+                  </a:schemeClr>
+                </a:solidFill>
+              </a:defRPr>
+            </a:lvl9pPr>
+          </a:lstStyle>
+          <a:p>
+            <a:pPr lvl="0"/>
+            <a:r>
+              <a:rPr lang="en-US" smtClean="0"/>
+              <a:t>Click to edit Master text styles</a:t>
+            </a:r>
+          </a:p>
+        </p:txBody>
+      </p:sp>
+      <p:sp>
+        <p:nvSpPr>
+          <p:cNvPr id="4" name="Date Placeholder 3"/>
+          <p:cNvSpPr>
+            <a:spLocks noGrp="1"/>
+          </p:cNvSpPr>
+          <p:nvPr>
+            <p:ph type="dt" sz="half" idx="10"/>
+          </p:nvPr>
+        </p:nvSpPr>
+        <p:spPr/>
+        <p:txBody>
+          <a:bodyPr/>
+          <a:lstStyle/>
+          <a:p>
+            <a:fld id="{1D8BD707-D9CF-40AE-B4C6-C98DA3205C09}" type="datetimeFigureOut">
+              <a:rPr lang="en-US" smtClean="0"/>
+              <a:t>9/15/2021</a:t>
+            </a:fld>
+            <a:endParaRPr lang="en-US"/>
+          </a:p>
+        </p:txBody>
+      </p:sp>
+      <p:sp>
+        <p:nvSpPr>
+          <p:cNvPr id="5" name="Footer Placeholder 4"/>
+          <p:cNvSpPr>
+            <a:spLocks noGrp="1"/>
+          </p:cNvSpPr>
+          <p:nvPr>
+            <p:ph type="ftr" sz="quarter" idx="11"/>
+          </p:nvPr>
+        </p:nvSpPr>
+        <p:spPr/>
+        <p:txBody>
+          <a:bodyPr/>
+          <a:lstStyle/>
+          <a:p>
+            <a:endParaRPr lang="en-US"/>
+          </a:p>
+        </p:txBody>
+      </p:sp>
+      <p:sp>
+        <p:nvSpPr>
+          <p:cNvPr id="6" name="Slide Number Placeholder 5"/>
+          <p:cNvSpPr>
+            <a:spLocks noGrp="1"/>
+          </p:cNvSpPr>
+          <p:nvPr>
+            <p:ph type="sldNum" sz="quarter" idx="12"/>
+          </p:nvPr>
+        </p:nvSpPr>
+        <p:spPr/>
+        <p:txBody>
+          <a:bodyPr/>
+          <a:lstStyle/>
+          <a:p>
+            <a:pPr marL="38100">
+              <a:lnSpc>
+                <a:spcPts val="1100"/>
+              </a:lnSpc>
+            </a:pPr>
+            <a:fld id="{81D60167-4931-47E6-BA6A-407CBD079E47}" type="slidenum">
+              <a:rPr lang="en-US" smtClean="0"/>
+              <a:t>‹#›</a:t>
+            </a:fld>
+            <a:endParaRPr lang="en-US" dirty="0"/>
+          </a:p>
+        </p:txBody>
+      </p:sp>
+      <p:cxnSp>
+        <p:nvCxnSpPr>
+          <p:cNvPr id="7" name="Straight Connector 6"/>
+          <p:cNvCxnSpPr/>
+          <p:nvPr/>
+        </p:nvCxnSpPr>
+        <p:spPr>
+          <a:xfrm>
+            <a:off x="975360" y="4599432"/>
+            <a:ext cx="10464800" cy="1588"/>
+          </a:xfrm>
+          <a:prstGeom prst="line">
+            <a:avLst/>
+          </a:prstGeom>
+          <a:ln w="19050">
+            <a:solidFill>
+              <a:schemeClr val="tx2"/>
+            </a:solidFill>
+          </a:ln>
+        </p:spPr>
+        <p:style>
+          <a:lnRef idx="1">
+            <a:schemeClr val="accent1"/>
+          </a:lnRef>
+          <a:fillRef idx="0">
+            <a:schemeClr val="accent1"/>
+          </a:fillRef>
+          <a:effectRef idx="0">
+            <a:schemeClr val="accent1"/>
+          </a:effectRef>
+          <a:fontRef idx="minor">
+            <a:schemeClr val="tx1"/>
+          </a:fontRef>
+        </p:style>
+      </p:cxnSp>
+    </p:spTree>
+  </p:cSld>
+  <p:clrMapOvr>
+    <a:overrideClrMapping bg1="dk1" tx1="lt1" bg2="dk2" tx2="lt2" accent1="accent1" accent2="accent2" accent3="accent3" accent4="accent4" accent5="accent5" accent6="accent6" hlink="hlink" folHlink="folHlink"/>
+  </p:clrMapOvr>
+</p:sldLayout>
+</file>
+
+<file path=ppt/slideLayouts/slideLayout4.xml><?xml version="1.0" encoding="utf-8"?>
+<p:sldLayout xmlns:a="http://schemas.openxmlformats.org/drawingml/2006/main" xmlns:r="http://schemas.openxmlformats.org/officeDocument/2006/relationships" xmlns:p="http://schemas.openxmlformats.org/presentationml/2006/main" type="twoObj" preserve="1">
   <p:cSld name="Two Content">
     <p:spTree>
       <p:nvGrpSpPr>
@@ -562,7 +1280,7 @@
       </p:grpSpPr>
       <p:sp>
         <p:nvSpPr>
-          <p:cNvPr id="2" name="Holder 2"/>
+          <p:cNvPr id="2" name="Title 1"/>
           <p:cNvSpPr>
             <a:spLocks noGrp="1"/>
           </p:cNvSpPr>
@@ -572,26 +1290,105 @@
         </p:nvSpPr>
         <p:spPr/>
         <p:txBody>
-          <a:bodyPr lIns="0" tIns="0" rIns="0" bIns="0"/>
-          <a:lstStyle>
-            <a:lvl1pPr>
-              <a:defRPr sz="4800" b="0" i="0">
-                <a:solidFill>
-                  <a:srgbClr val="404040"/>
-                </a:solidFill>
-                <a:latin typeface="Arial"/>
-                <a:cs typeface="Arial"/>
-              </a:defRPr>
-            </a:lvl1pPr>
-          </a:lstStyle>
-          <a:p>
-            <a:endParaRPr/>
+          <a:bodyPr/>
+          <a:lstStyle/>
+          <a:p>
+            <a:r>
+              <a:rPr lang="en-US" smtClean="0"/>
+              <a:t>Click to edit Master title style</a:t>
+            </a:r>
+            <a:endParaRPr lang="en-US"/>
           </a:p>
         </p:txBody>
       </p:sp>
       <p:sp>
         <p:nvSpPr>
-          <p:cNvPr id="3" name="Holder 3"/>
+          <p:cNvPr id="3" name="Content Placeholder 2"/>
+          <p:cNvSpPr>
+            <a:spLocks noGrp="1"/>
+          </p:cNvSpPr>
+          <p:nvPr>
+            <p:ph sz="half" idx="1"/>
+          </p:nvPr>
+        </p:nvSpPr>
+        <p:spPr>
+          <a:xfrm>
+            <a:off x="609600" y="1673352"/>
+            <a:ext cx="5384800" cy="4718304"/>
+          </a:xfrm>
+        </p:spPr>
+        <p:txBody>
+          <a:bodyPr/>
+          <a:lstStyle>
+            <a:lvl1pPr>
+              <a:defRPr sz="2800"/>
+            </a:lvl1pPr>
+            <a:lvl2pPr>
+              <a:defRPr sz="2400"/>
+            </a:lvl2pPr>
+            <a:lvl3pPr>
+              <a:defRPr sz="2000"/>
+            </a:lvl3pPr>
+            <a:lvl4pPr>
+              <a:defRPr sz="1800"/>
+            </a:lvl4pPr>
+            <a:lvl5pPr>
+              <a:defRPr sz="1800"/>
+            </a:lvl5pPr>
+            <a:lvl6pPr>
+              <a:defRPr sz="1800"/>
+            </a:lvl6pPr>
+            <a:lvl7pPr>
+              <a:defRPr sz="1800"/>
+            </a:lvl7pPr>
+            <a:lvl8pPr>
+              <a:defRPr sz="1800"/>
+            </a:lvl8pPr>
+            <a:lvl9pPr>
+              <a:defRPr sz="1800"/>
+            </a:lvl9pPr>
+          </a:lstStyle>
+          <a:p>
+            <a:pPr lvl="0"/>
+            <a:r>
+              <a:rPr lang="en-US" smtClean="0"/>
+              <a:t>Click to edit Master text styles</a:t>
+            </a:r>
+          </a:p>
+          <a:p>
+            <a:pPr lvl="1"/>
+            <a:r>
+              <a:rPr lang="en-US" smtClean="0"/>
+              <a:t>Second level</a:t>
+            </a:r>
+          </a:p>
+          <a:p>
+            <a:pPr lvl="2"/>
+            <a:r>
+              <a:rPr lang="en-US" smtClean="0"/>
+              <a:t>Third level</a:t>
+            </a:r>
+          </a:p>
+          <a:p>
+            <a:pPr lvl="3"/>
+            <a:r>
+              <a:rPr lang="en-US" smtClean="0"/>
+              <a:t>Fourth level</a:t>
+            </a:r>
+          </a:p>
+          <a:p>
+            <a:pPr lvl="4"/>
+            <a:r>
+              <a:rPr lang="en-US" smtClean="0"/>
+              <a:t>Fifth level</a:t>
+            </a:r>
+            <a:endParaRPr lang="en-US" dirty="0"/>
+          </a:p>
+        </p:txBody>
+      </p:sp>
+      <p:sp>
+        <p:nvSpPr>
+          <p:cNvPr id="4" name="Content Placeholder 3"/>
           <p:cNvSpPr>
             <a:spLocks noGrp="1"/>
           </p:cNvSpPr>
@@ -601,146 +1398,135 @@
         </p:nvSpPr>
         <p:spPr>
           <a:xfrm>
-            <a:off x="609600" y="1577340"/>
-            <a:ext cx="5303520" cy="4526280"/>
+            <a:off x="6197600" y="1673352"/>
+            <a:ext cx="5384800" cy="4718304"/>
           </a:xfrm>
-          <a:prstGeom prst="rect">
-            <a:avLst/>
-          </a:prstGeom>
         </p:spPr>
         <p:txBody>
-          <a:bodyPr wrap="square" lIns="0" tIns="0" rIns="0" bIns="0">
-            <a:spAutoFit/>
-          </a:bodyPr>
+          <a:bodyPr/>
           <a:lstStyle>
             <a:lvl1pPr>
-              <a:defRPr/>
+              <a:defRPr sz="2800"/>
             </a:lvl1pPr>
+            <a:lvl2pPr>
+              <a:defRPr sz="2400"/>
+            </a:lvl2pPr>
+            <a:lvl3pPr>
+              <a:defRPr sz="2000"/>
+            </a:lvl3pPr>
+            <a:lvl4pPr>
+              <a:defRPr sz="1800"/>
+            </a:lvl4pPr>
+            <a:lvl5pPr>
+              <a:defRPr sz="1800"/>
+            </a:lvl5pPr>
+            <a:lvl6pPr>
+              <a:defRPr sz="1800"/>
+            </a:lvl6pPr>
+            <a:lvl7pPr>
+              <a:defRPr sz="1800"/>
+            </a:lvl7pPr>
+            <a:lvl8pPr>
+              <a:defRPr sz="1800"/>
+            </a:lvl8pPr>
+            <a:lvl9pPr>
+              <a:defRPr sz="1800"/>
+            </a:lvl9pPr>
           </a:lstStyle>
           <a:p>
-            <a:endParaRPr/>
+            <a:pPr lvl="0"/>
+            <a:r>
+              <a:rPr lang="en-US" smtClean="0"/>
+              <a:t>Click to edit Master text styles</a:t>
+            </a:r>
+          </a:p>
+          <a:p>
+            <a:pPr lvl="1"/>
+            <a:r>
+              <a:rPr lang="en-US" smtClean="0"/>
+              <a:t>Second level</a:t>
+            </a:r>
+          </a:p>
+          <a:p>
+            <a:pPr lvl="2"/>
+            <a:r>
+              <a:rPr lang="en-US" smtClean="0"/>
+              <a:t>Third level</a:t>
+            </a:r>
+          </a:p>
+          <a:p>
+            <a:pPr lvl="3"/>
+            <a:r>
+              <a:rPr lang="en-US" smtClean="0"/>
+              <a:t>Fourth level</a:t>
+            </a:r>
+          </a:p>
+          <a:p>
+            <a:pPr lvl="4"/>
+            <a:r>
+              <a:rPr lang="en-US" smtClean="0"/>
+              <a:t>Fifth level</a:t>
+            </a:r>
+            <a:endParaRPr lang="en-US" dirty="0"/>
           </a:p>
         </p:txBody>
       </p:sp>
       <p:sp>
         <p:nvSpPr>
-          <p:cNvPr id="4" name="Holder 4"/>
+          <p:cNvPr id="5" name="Date Placeholder 4"/>
           <p:cNvSpPr>
             <a:spLocks noGrp="1"/>
           </p:cNvSpPr>
           <p:nvPr>
-            <p:ph sz="half" idx="3"/>
+            <p:ph type="dt" sz="half" idx="10"/>
           </p:nvPr>
         </p:nvSpPr>
-        <p:spPr>
-          <a:xfrm>
-            <a:off x="6278880" y="1577340"/>
-            <a:ext cx="5303520" cy="4526280"/>
-          </a:xfrm>
-          <a:prstGeom prst="rect">
-            <a:avLst/>
-          </a:prstGeom>
-        </p:spPr>
+        <p:spPr/>
         <p:txBody>
-          <a:bodyPr wrap="square" lIns="0" tIns="0" rIns="0" bIns="0">
-            <a:spAutoFit/>
-          </a:bodyPr>
-          <a:lstStyle>
-            <a:lvl1pPr>
-              <a:defRPr/>
-            </a:lvl1pPr>
-          </a:lstStyle>
-          <a:p>
-            <a:endParaRPr/>
+          <a:bodyPr/>
+          <a:lstStyle/>
+          <a:p>
+            <a:fld id="{1D8BD707-D9CF-40AE-B4C6-C98DA3205C09}" type="datetimeFigureOut">
+              <a:rPr lang="en-US" smtClean="0"/>
+              <a:t>9/15/2021</a:t>
+            </a:fld>
+            <a:endParaRPr lang="en-US"/>
           </a:p>
         </p:txBody>
       </p:sp>
       <p:sp>
         <p:nvSpPr>
-          <p:cNvPr id="5" name="Holder 5"/>
+          <p:cNvPr id="6" name="Footer Placeholder 5"/>
           <p:cNvSpPr>
             <a:spLocks noGrp="1"/>
           </p:cNvSpPr>
           <p:nvPr>
-            <p:ph type="ftr" sz="quarter" idx="5"/>
+            <p:ph type="ftr" sz="quarter" idx="11"/>
           </p:nvPr>
         </p:nvSpPr>
         <p:spPr/>
         <p:txBody>
-          <a:bodyPr lIns="0" tIns="0" rIns="0" bIns="0"/>
-          <a:lstStyle>
-            <a:lvl1pPr algn="ctr">
-              <a:defRPr>
-                <a:solidFill>
-                  <a:schemeClr val="tx1">
-                    <a:tint val="75000"/>
-                  </a:schemeClr>
-                </a:solidFill>
-              </a:defRPr>
-            </a:lvl1pPr>
-          </a:lstStyle>
-          <a:p>
-            <a:endParaRPr/>
+          <a:bodyPr/>
+          <a:lstStyle/>
+          <a:p>
+            <a:endParaRPr lang="en-US"/>
           </a:p>
         </p:txBody>
       </p:sp>
       <p:sp>
         <p:nvSpPr>
-          <p:cNvPr id="6" name="Holder 6"/>
+          <p:cNvPr id="7" name="Slide Number Placeholder 6"/>
           <p:cNvSpPr>
             <a:spLocks noGrp="1"/>
           </p:cNvSpPr>
           <p:nvPr>
-            <p:ph type="dt" sz="half" idx="6"/>
+            <p:ph type="sldNum" sz="quarter" idx="12"/>
           </p:nvPr>
         </p:nvSpPr>
         <p:spPr/>
         <p:txBody>
-          <a:bodyPr lIns="0" tIns="0" rIns="0" bIns="0"/>
-          <a:lstStyle>
-            <a:lvl1pPr algn="l">
-              <a:defRPr>
-                <a:solidFill>
-                  <a:schemeClr val="tx1">
-                    <a:tint val="75000"/>
-                  </a:schemeClr>
-                </a:solidFill>
-              </a:defRPr>
-            </a:lvl1pPr>
-          </a:lstStyle>
-          <a:p>
-            <a:fld id="{1D8BD707-D9CF-40AE-B4C6-C98DA3205C09}" type="datetimeFigureOut">
-              <a:rPr lang="en-US"/>
-              <a:t>8/26/2021</a:t>
-            </a:fld>
-            <a:endParaRPr lang="en-US"/>
-          </a:p>
-        </p:txBody>
-      </p:sp>
-      <p:sp>
-        <p:nvSpPr>
-          <p:cNvPr id="7" name="Holder 7"/>
-          <p:cNvSpPr>
-            <a:spLocks noGrp="1"/>
-          </p:cNvSpPr>
-          <p:nvPr>
-            <p:ph type="sldNum" sz="quarter" idx="7"/>
-          </p:nvPr>
-        </p:nvSpPr>
-        <p:spPr/>
-        <p:txBody>
-          <a:bodyPr lIns="0" tIns="0" rIns="0" bIns="0"/>
-          <a:lstStyle>
-            <a:lvl1pPr>
-              <a:defRPr sz="1050" b="0" i="0">
-                <a:solidFill>
-                  <a:schemeClr val="bg1"/>
-                </a:solidFill>
-                <a:latin typeface="Carlito"/>
-                <a:cs typeface="Carlito"/>
-              </a:defRPr>
-            </a:lvl1pPr>
-          </a:lstStyle>
+          <a:bodyPr/>
+          <a:lstStyle/>
           <a:p>
             <a:pPr marL="38100">
               <a:lnSpc>
@@ -748,10 +1534,10 @@
               </a:lnSpc>
             </a:pPr>
             <a:fld id="{81D60167-4931-47E6-BA6A-407CBD079E47}" type="slidenum">
-              <a:rPr dirty="0"/>
+              <a:rPr lang="en-US" smtClean="0"/>
               <a:t>‹#›</a:t>
             </a:fld>
-            <a:endParaRPr dirty="0"/>
+            <a:endParaRPr lang="en-US" dirty="0"/>
           </a:p>
         </p:txBody>
       </p:sp>
@@ -763,16 +1549,1321 @@
 </p:sldLayout>
 </file>
 
-<file path=ppt/slideLayouts/slideLayout4.xml><?xml version="1.0" encoding="utf-8"?>
-<p:sldLayout xmlns:a="http://schemas.openxmlformats.org/drawingml/2006/main" xmlns:r="http://schemas.openxmlformats.org/officeDocument/2006/relationships" xmlns:p="http://schemas.openxmlformats.org/presentationml/2006/main" showMasterSp="0" type="obj" preserve="1">
+<file path=ppt/slideLayouts/slideLayout5.xml><?xml version="1.0" encoding="utf-8"?>
+<p:sldLayout xmlns:a="http://schemas.openxmlformats.org/drawingml/2006/main" xmlns:r="http://schemas.openxmlformats.org/officeDocument/2006/relationships" xmlns:p="http://schemas.openxmlformats.org/presentationml/2006/main" type="twoTxTwoObj" preserve="1">
+  <p:cSld name="Comparison">
+    <p:spTree>
+      <p:nvGrpSpPr>
+        <p:cNvPr id="1" name=""/>
+        <p:cNvGrpSpPr/>
+        <p:nvPr/>
+      </p:nvGrpSpPr>
+      <p:grpSpPr>
+        <a:xfrm>
+          <a:off x="0" y="0"/>
+          <a:ext cx="0" cy="0"/>
+          <a:chOff x="0" y="0"/>
+          <a:chExt cx="0" cy="0"/>
+        </a:xfrm>
+      </p:grpSpPr>
+      <p:sp>
+        <p:nvSpPr>
+          <p:cNvPr id="2" name="Title 1"/>
+          <p:cNvSpPr>
+            <a:spLocks noGrp="1"/>
+          </p:cNvSpPr>
+          <p:nvPr>
+            <p:ph type="title"/>
+          </p:nvPr>
+        </p:nvSpPr>
+        <p:spPr/>
+        <p:txBody>
+          <a:bodyPr/>
+          <a:lstStyle>
+            <a:lvl1pPr>
+              <a:defRPr/>
+            </a:lvl1pPr>
+          </a:lstStyle>
+          <a:p>
+            <a:r>
+              <a:rPr lang="en-US" smtClean="0"/>
+              <a:t>Click to edit Master title style</a:t>
+            </a:r>
+            <a:endParaRPr lang="en-US" dirty="0"/>
+          </a:p>
+        </p:txBody>
+      </p:sp>
+      <p:sp>
+        <p:nvSpPr>
+          <p:cNvPr id="3" name="Text Placeholder 2"/>
+          <p:cNvSpPr>
+            <a:spLocks noGrp="1"/>
+          </p:cNvSpPr>
+          <p:nvPr>
+            <p:ph type="body" idx="1"/>
+          </p:nvPr>
+        </p:nvSpPr>
+        <p:spPr>
+          <a:xfrm>
+            <a:off x="609600" y="1676400"/>
+            <a:ext cx="5242560" cy="639762"/>
+          </a:xfrm>
+          <a:noFill/>
+          <a:ln>
+            <a:noFill/>
+          </a:ln>
+          <a:effectLst/>
+        </p:spPr>
+        <p:style>
+          <a:lnRef idx="3">
+            <a:schemeClr val="lt1"/>
+          </a:lnRef>
+          <a:fillRef idx="1">
+            <a:schemeClr val="accent2"/>
+          </a:fillRef>
+          <a:effectRef idx="1">
+            <a:schemeClr val="accent2"/>
+          </a:effectRef>
+          <a:fontRef idx="none"/>
+        </p:style>
+        <p:txBody>
+          <a:bodyPr anchor="ctr">
+            <a:normAutofit/>
+          </a:bodyPr>
+          <a:lstStyle>
+            <a:lvl1pPr marL="0" indent="0" algn="ctr">
+              <a:buNone/>
+              <a:defRPr sz="2000" b="0">
+                <a:solidFill>
+                  <a:schemeClr val="tx2"/>
+                </a:solidFill>
+              </a:defRPr>
+            </a:lvl1pPr>
+            <a:lvl2pPr marL="457200" indent="0">
+              <a:buNone/>
+              <a:defRPr sz="2000" b="1"/>
+            </a:lvl2pPr>
+            <a:lvl3pPr marL="914400" indent="0">
+              <a:buNone/>
+              <a:defRPr sz="1800" b="1"/>
+            </a:lvl3pPr>
+            <a:lvl4pPr marL="1371600" indent="0">
+              <a:buNone/>
+              <a:defRPr sz="1600" b="1"/>
+            </a:lvl4pPr>
+            <a:lvl5pPr marL="1828800" indent="0">
+              <a:buNone/>
+              <a:defRPr sz="1600" b="1"/>
+            </a:lvl5pPr>
+            <a:lvl6pPr marL="2286000" indent="0">
+              <a:buNone/>
+              <a:defRPr sz="1600" b="1"/>
+            </a:lvl6pPr>
+            <a:lvl7pPr marL="2743200" indent="0">
+              <a:buNone/>
+              <a:defRPr sz="1600" b="1"/>
+            </a:lvl7pPr>
+            <a:lvl8pPr marL="3200400" indent="0">
+              <a:buNone/>
+              <a:defRPr sz="1600" b="1"/>
+            </a:lvl8pPr>
+            <a:lvl9pPr marL="3657600" indent="0">
+              <a:buNone/>
+              <a:defRPr sz="1600" b="1"/>
+            </a:lvl9pPr>
+          </a:lstStyle>
+          <a:p>
+            <a:pPr lvl="0"/>
+            <a:r>
+              <a:rPr lang="en-US" smtClean="0"/>
+              <a:t>Click to edit Master text styles</a:t>
+            </a:r>
+          </a:p>
+        </p:txBody>
+      </p:sp>
+      <p:sp>
+        <p:nvSpPr>
+          <p:cNvPr id="4" name="Content Placeholder 3"/>
+          <p:cNvSpPr>
+            <a:spLocks noGrp="1"/>
+          </p:cNvSpPr>
+          <p:nvPr>
+            <p:ph sz="half" idx="2"/>
+          </p:nvPr>
+        </p:nvSpPr>
+        <p:spPr>
+          <a:xfrm>
+            <a:off x="609600" y="2438400"/>
+            <a:ext cx="5242560" cy="3951288"/>
+          </a:xfrm>
+        </p:spPr>
+        <p:txBody>
+          <a:bodyPr/>
+          <a:lstStyle>
+            <a:lvl1pPr>
+              <a:defRPr sz="2400"/>
+            </a:lvl1pPr>
+            <a:lvl2pPr>
+              <a:defRPr sz="2000"/>
+            </a:lvl2pPr>
+            <a:lvl3pPr>
+              <a:defRPr sz="1800"/>
+            </a:lvl3pPr>
+            <a:lvl4pPr>
+              <a:defRPr sz="1600"/>
+            </a:lvl4pPr>
+            <a:lvl5pPr>
+              <a:defRPr sz="1600"/>
+            </a:lvl5pPr>
+            <a:lvl6pPr>
+              <a:defRPr sz="1600"/>
+            </a:lvl6pPr>
+            <a:lvl7pPr>
+              <a:defRPr sz="1600"/>
+            </a:lvl7pPr>
+            <a:lvl8pPr>
+              <a:defRPr sz="1600"/>
+            </a:lvl8pPr>
+            <a:lvl9pPr>
+              <a:defRPr sz="1600"/>
+            </a:lvl9pPr>
+          </a:lstStyle>
+          <a:p>
+            <a:pPr lvl="0"/>
+            <a:r>
+              <a:rPr lang="en-US" smtClean="0"/>
+              <a:t>Click to edit Master text styles</a:t>
+            </a:r>
+          </a:p>
+          <a:p>
+            <a:pPr lvl="1"/>
+            <a:r>
+              <a:rPr lang="en-US" smtClean="0"/>
+              <a:t>Second level</a:t>
+            </a:r>
+          </a:p>
+          <a:p>
+            <a:pPr lvl="2"/>
+            <a:r>
+              <a:rPr lang="en-US" smtClean="0"/>
+              <a:t>Third level</a:t>
+            </a:r>
+          </a:p>
+          <a:p>
+            <a:pPr lvl="3"/>
+            <a:r>
+              <a:rPr lang="en-US" smtClean="0"/>
+              <a:t>Fourth level</a:t>
+            </a:r>
+          </a:p>
+          <a:p>
+            <a:pPr lvl="4"/>
+            <a:r>
+              <a:rPr lang="en-US" smtClean="0"/>
+              <a:t>Fifth level</a:t>
+            </a:r>
+            <a:endParaRPr lang="en-US" dirty="0"/>
+          </a:p>
+        </p:txBody>
+      </p:sp>
+      <p:sp>
+        <p:nvSpPr>
+          <p:cNvPr id="5" name="Text Placeholder 4"/>
+          <p:cNvSpPr>
+            <a:spLocks noGrp="1"/>
+          </p:cNvSpPr>
+          <p:nvPr>
+            <p:ph type="body" sz="quarter" idx="3"/>
+          </p:nvPr>
+        </p:nvSpPr>
+        <p:spPr>
+          <a:xfrm>
+            <a:off x="6339840" y="1676400"/>
+            <a:ext cx="5242560" cy="639762"/>
+          </a:xfrm>
+          <a:noFill/>
+          <a:ln>
+            <a:noFill/>
+          </a:ln>
+          <a:effectLst/>
+        </p:spPr>
+        <p:style>
+          <a:lnRef idx="3">
+            <a:schemeClr val="lt1"/>
+          </a:lnRef>
+          <a:fillRef idx="1">
+            <a:schemeClr val="accent2"/>
+          </a:fillRef>
+          <a:effectRef idx="1">
+            <a:schemeClr val="accent2"/>
+          </a:effectRef>
+          <a:fontRef idx="none"/>
+        </p:style>
+        <p:txBody>
+          <a:bodyPr anchor="ctr">
+            <a:normAutofit/>
+          </a:bodyPr>
+          <a:lstStyle>
+            <a:lvl1pPr marL="0" indent="0" algn="ctr">
+              <a:buNone/>
+              <a:defRPr lang="en-US" sz="2000" b="0" kern="1200" dirty="0" smtClean="0">
+                <a:solidFill>
+                  <a:schemeClr val="tx2"/>
+                </a:solidFill>
+                <a:latin typeface="+mn-lt"/>
+                <a:ea typeface="+mn-ea"/>
+                <a:cs typeface="+mn-cs"/>
+              </a:defRPr>
+            </a:lvl1pPr>
+            <a:lvl2pPr marL="457200" indent="0">
+              <a:buNone/>
+              <a:defRPr sz="2000" b="1"/>
+            </a:lvl2pPr>
+            <a:lvl3pPr marL="914400" indent="0">
+              <a:buNone/>
+              <a:defRPr sz="1800" b="1"/>
+            </a:lvl3pPr>
+            <a:lvl4pPr marL="1371600" indent="0">
+              <a:buNone/>
+              <a:defRPr sz="1600" b="1"/>
+            </a:lvl4pPr>
+            <a:lvl5pPr marL="1828800" indent="0">
+              <a:buNone/>
+              <a:defRPr sz="1600" b="1"/>
+            </a:lvl5pPr>
+            <a:lvl6pPr marL="2286000" indent="0">
+              <a:buNone/>
+              <a:defRPr sz="1600" b="1"/>
+            </a:lvl6pPr>
+            <a:lvl7pPr marL="2743200" indent="0">
+              <a:buNone/>
+              <a:defRPr sz="1600" b="1"/>
+            </a:lvl7pPr>
+            <a:lvl8pPr marL="3200400" indent="0">
+              <a:buNone/>
+              <a:defRPr sz="1600" b="1"/>
+            </a:lvl8pPr>
+            <a:lvl9pPr marL="3657600" indent="0">
+              <a:buNone/>
+              <a:defRPr sz="1600" b="1"/>
+            </a:lvl9pPr>
+          </a:lstStyle>
+          <a:p>
+            <a:pPr lvl="0"/>
+            <a:r>
+              <a:rPr lang="en-US" smtClean="0"/>
+              <a:t>Click to edit Master text styles</a:t>
+            </a:r>
+          </a:p>
+        </p:txBody>
+      </p:sp>
+      <p:sp>
+        <p:nvSpPr>
+          <p:cNvPr id="6" name="Content Placeholder 5"/>
+          <p:cNvSpPr>
+            <a:spLocks noGrp="1"/>
+          </p:cNvSpPr>
+          <p:nvPr>
+            <p:ph sz="quarter" idx="4"/>
+          </p:nvPr>
+        </p:nvSpPr>
+        <p:spPr>
+          <a:xfrm>
+            <a:off x="6339840" y="2438400"/>
+            <a:ext cx="5242560" cy="3951288"/>
+          </a:xfrm>
+        </p:spPr>
+        <p:txBody>
+          <a:bodyPr/>
+          <a:lstStyle>
+            <a:lvl1pPr>
+              <a:defRPr sz="2400"/>
+            </a:lvl1pPr>
+            <a:lvl2pPr>
+              <a:defRPr sz="2000"/>
+            </a:lvl2pPr>
+            <a:lvl3pPr>
+              <a:defRPr sz="1800"/>
+            </a:lvl3pPr>
+            <a:lvl4pPr>
+              <a:defRPr sz="1600"/>
+            </a:lvl4pPr>
+            <a:lvl5pPr>
+              <a:defRPr sz="1600"/>
+            </a:lvl5pPr>
+            <a:lvl6pPr>
+              <a:defRPr sz="1600"/>
+            </a:lvl6pPr>
+            <a:lvl7pPr>
+              <a:defRPr sz="1600"/>
+            </a:lvl7pPr>
+            <a:lvl8pPr>
+              <a:defRPr sz="1600"/>
+            </a:lvl8pPr>
+            <a:lvl9pPr>
+              <a:defRPr sz="1600"/>
+            </a:lvl9pPr>
+          </a:lstStyle>
+          <a:p>
+            <a:pPr lvl="0"/>
+            <a:r>
+              <a:rPr lang="en-US" smtClean="0"/>
+              <a:t>Click to edit Master text styles</a:t>
+            </a:r>
+          </a:p>
+          <a:p>
+            <a:pPr lvl="1"/>
+            <a:r>
+              <a:rPr lang="en-US" smtClean="0"/>
+              <a:t>Second level</a:t>
+            </a:r>
+          </a:p>
+          <a:p>
+            <a:pPr lvl="2"/>
+            <a:r>
+              <a:rPr lang="en-US" smtClean="0"/>
+              <a:t>Third level</a:t>
+            </a:r>
+          </a:p>
+          <a:p>
+            <a:pPr lvl="3"/>
+            <a:r>
+              <a:rPr lang="en-US" smtClean="0"/>
+              <a:t>Fourth level</a:t>
+            </a:r>
+          </a:p>
+          <a:p>
+            <a:pPr lvl="4"/>
+            <a:r>
+              <a:rPr lang="en-US" smtClean="0"/>
+              <a:t>Fifth level</a:t>
+            </a:r>
+            <a:endParaRPr lang="en-US" dirty="0"/>
+          </a:p>
+        </p:txBody>
+      </p:sp>
+      <p:sp>
+        <p:nvSpPr>
+          <p:cNvPr id="7" name="Date Placeholder 6"/>
+          <p:cNvSpPr>
+            <a:spLocks noGrp="1"/>
+          </p:cNvSpPr>
+          <p:nvPr>
+            <p:ph type="dt" sz="half" idx="10"/>
+          </p:nvPr>
+        </p:nvSpPr>
+        <p:spPr/>
+        <p:txBody>
+          <a:bodyPr/>
+          <a:lstStyle/>
+          <a:p>
+            <a:fld id="{1D8BD707-D9CF-40AE-B4C6-C98DA3205C09}" type="datetimeFigureOut">
+              <a:rPr lang="en-US" smtClean="0"/>
+              <a:t>9/15/2021</a:t>
+            </a:fld>
+            <a:endParaRPr lang="en-US"/>
+          </a:p>
+        </p:txBody>
+      </p:sp>
+      <p:sp>
+        <p:nvSpPr>
+          <p:cNvPr id="8" name="Footer Placeholder 7"/>
+          <p:cNvSpPr>
+            <a:spLocks noGrp="1"/>
+          </p:cNvSpPr>
+          <p:nvPr>
+            <p:ph type="ftr" sz="quarter" idx="11"/>
+          </p:nvPr>
+        </p:nvSpPr>
+        <p:spPr/>
+        <p:txBody>
+          <a:bodyPr/>
+          <a:lstStyle/>
+          <a:p>
+            <a:endParaRPr lang="en-US"/>
+          </a:p>
+        </p:txBody>
+      </p:sp>
+      <p:sp>
+        <p:nvSpPr>
+          <p:cNvPr id="9" name="Slide Number Placeholder 8"/>
+          <p:cNvSpPr>
+            <a:spLocks noGrp="1"/>
+          </p:cNvSpPr>
+          <p:nvPr>
+            <p:ph type="sldNum" sz="quarter" idx="12"/>
+          </p:nvPr>
+        </p:nvSpPr>
+        <p:spPr/>
+        <p:txBody>
+          <a:bodyPr/>
+          <a:lstStyle/>
+          <a:p>
+            <a:pPr marL="38100">
+              <a:lnSpc>
+                <a:spcPts val="1100"/>
+              </a:lnSpc>
+            </a:pPr>
+            <a:fld id="{81D60167-4931-47E6-BA6A-407CBD079E47}" type="slidenum">
+              <a:rPr lang="en-US" smtClean="0"/>
+              <a:t>‹#›</a:t>
+            </a:fld>
+            <a:endParaRPr lang="en-US" dirty="0"/>
+          </a:p>
+        </p:txBody>
+      </p:sp>
+      <p:cxnSp>
+        <p:nvCxnSpPr>
+          <p:cNvPr id="11" name="Straight Connector 10"/>
+          <p:cNvCxnSpPr/>
+          <p:nvPr/>
+        </p:nvCxnSpPr>
+        <p:spPr>
+          <a:xfrm rot="5400000">
+            <a:off x="3741949" y="4045691"/>
+            <a:ext cx="4709160" cy="1059"/>
+          </a:xfrm>
+          <a:prstGeom prst="line">
+            <a:avLst/>
+          </a:prstGeom>
+          <a:ln w="19050">
+            <a:solidFill>
+              <a:schemeClr val="tx2"/>
+            </a:solidFill>
+          </a:ln>
+        </p:spPr>
+        <p:style>
+          <a:lnRef idx="1">
+            <a:schemeClr val="accent1"/>
+          </a:lnRef>
+          <a:fillRef idx="0">
+            <a:schemeClr val="accent1"/>
+          </a:fillRef>
+          <a:effectRef idx="0">
+            <a:schemeClr val="accent1"/>
+          </a:effectRef>
+          <a:fontRef idx="minor">
+            <a:schemeClr val="tx1"/>
+          </a:fontRef>
+        </p:style>
+      </p:cxnSp>
+    </p:spTree>
+  </p:cSld>
+  <p:clrMapOvr>
+    <a:masterClrMapping/>
+  </p:clrMapOvr>
+</p:sldLayout>
+</file>
+
+<file path=ppt/slideLayouts/slideLayout6.xml><?xml version="1.0" encoding="utf-8"?>
+<p:sldLayout xmlns:a="http://schemas.openxmlformats.org/drawingml/2006/main" xmlns:r="http://schemas.openxmlformats.org/officeDocument/2006/relationships" xmlns:p="http://schemas.openxmlformats.org/presentationml/2006/main" type="titleOnly" preserve="1">
   <p:cSld name="Title Only">
+    <p:spTree>
+      <p:nvGrpSpPr>
+        <p:cNvPr id="1" name=""/>
+        <p:cNvGrpSpPr/>
+        <p:nvPr/>
+      </p:nvGrpSpPr>
+      <p:grpSpPr>
+        <a:xfrm>
+          <a:off x="0" y="0"/>
+          <a:ext cx="0" cy="0"/>
+          <a:chOff x="0" y="0"/>
+          <a:chExt cx="0" cy="0"/>
+        </a:xfrm>
+      </p:grpSpPr>
+      <p:sp>
+        <p:nvSpPr>
+          <p:cNvPr id="2" name="Title 1"/>
+          <p:cNvSpPr>
+            <a:spLocks noGrp="1"/>
+          </p:cNvSpPr>
+          <p:nvPr>
+            <p:ph type="title"/>
+          </p:nvPr>
+        </p:nvSpPr>
+        <p:spPr/>
+        <p:txBody>
+          <a:bodyPr/>
+          <a:lstStyle/>
+          <a:p>
+            <a:r>
+              <a:rPr lang="en-US" smtClean="0"/>
+              <a:t>Click to edit Master title style</a:t>
+            </a:r>
+            <a:endParaRPr lang="en-US"/>
+          </a:p>
+        </p:txBody>
+      </p:sp>
+      <p:sp>
+        <p:nvSpPr>
+          <p:cNvPr id="3" name="Date Placeholder 2"/>
+          <p:cNvSpPr>
+            <a:spLocks noGrp="1"/>
+          </p:cNvSpPr>
+          <p:nvPr>
+            <p:ph type="dt" sz="half" idx="10"/>
+          </p:nvPr>
+        </p:nvSpPr>
+        <p:spPr/>
+        <p:txBody>
+          <a:bodyPr/>
+          <a:lstStyle/>
+          <a:p>
+            <a:fld id="{1D8BD707-D9CF-40AE-B4C6-C98DA3205C09}" type="datetimeFigureOut">
+              <a:rPr lang="en-US" smtClean="0"/>
+              <a:t>9/15/2021</a:t>
+            </a:fld>
+            <a:endParaRPr lang="en-US"/>
+          </a:p>
+        </p:txBody>
+      </p:sp>
+      <p:sp>
+        <p:nvSpPr>
+          <p:cNvPr id="4" name="Footer Placeholder 3"/>
+          <p:cNvSpPr>
+            <a:spLocks noGrp="1"/>
+          </p:cNvSpPr>
+          <p:nvPr>
+            <p:ph type="ftr" sz="quarter" idx="11"/>
+          </p:nvPr>
+        </p:nvSpPr>
+        <p:spPr/>
+        <p:txBody>
+          <a:bodyPr/>
+          <a:lstStyle/>
+          <a:p>
+            <a:endParaRPr lang="en-US"/>
+          </a:p>
+        </p:txBody>
+      </p:sp>
+      <p:sp>
+        <p:nvSpPr>
+          <p:cNvPr id="5" name="Slide Number Placeholder 4"/>
+          <p:cNvSpPr>
+            <a:spLocks noGrp="1"/>
+          </p:cNvSpPr>
+          <p:nvPr>
+            <p:ph type="sldNum" sz="quarter" idx="12"/>
+          </p:nvPr>
+        </p:nvSpPr>
+        <p:spPr/>
+        <p:txBody>
+          <a:bodyPr/>
+          <a:lstStyle/>
+          <a:p>
+            <a:pPr marL="38100">
+              <a:lnSpc>
+                <a:spcPts val="1100"/>
+              </a:lnSpc>
+            </a:pPr>
+            <a:fld id="{81D60167-4931-47E6-BA6A-407CBD079E47}" type="slidenum">
+              <a:rPr lang="en-US" smtClean="0"/>
+              <a:t>‹#›</a:t>
+            </a:fld>
+            <a:endParaRPr lang="en-US" dirty="0"/>
+          </a:p>
+        </p:txBody>
+      </p:sp>
+    </p:spTree>
+  </p:cSld>
+  <p:clrMapOvr>
+    <a:masterClrMapping/>
+  </p:clrMapOvr>
+</p:sldLayout>
+</file>
+
+<file path=ppt/slideLayouts/slideLayout7.xml><?xml version="1.0" encoding="utf-8"?>
+<p:sldLayout xmlns:a="http://schemas.openxmlformats.org/drawingml/2006/main" xmlns:r="http://schemas.openxmlformats.org/officeDocument/2006/relationships" xmlns:p="http://schemas.openxmlformats.org/presentationml/2006/main" type="blank" preserve="1">
+  <p:cSld name="Blank">
+    <p:spTree>
+      <p:nvGrpSpPr>
+        <p:cNvPr id="1" name=""/>
+        <p:cNvGrpSpPr/>
+        <p:nvPr/>
+      </p:nvGrpSpPr>
+      <p:grpSpPr>
+        <a:xfrm>
+          <a:off x="0" y="0"/>
+          <a:ext cx="0" cy="0"/>
+          <a:chOff x="0" y="0"/>
+          <a:chExt cx="0" cy="0"/>
+        </a:xfrm>
+      </p:grpSpPr>
+      <p:sp>
+        <p:nvSpPr>
+          <p:cNvPr id="2" name="Date Placeholder 1"/>
+          <p:cNvSpPr>
+            <a:spLocks noGrp="1"/>
+          </p:cNvSpPr>
+          <p:nvPr>
+            <p:ph type="dt" sz="half" idx="10"/>
+          </p:nvPr>
+        </p:nvSpPr>
+        <p:spPr/>
+        <p:txBody>
+          <a:bodyPr/>
+          <a:lstStyle/>
+          <a:p>
+            <a:fld id="{1D8BD707-D9CF-40AE-B4C6-C98DA3205C09}" type="datetimeFigureOut">
+              <a:rPr lang="en-US" smtClean="0"/>
+              <a:t>9/15/2021</a:t>
+            </a:fld>
+            <a:endParaRPr lang="en-US"/>
+          </a:p>
+        </p:txBody>
+      </p:sp>
+      <p:sp>
+        <p:nvSpPr>
+          <p:cNvPr id="3" name="Footer Placeholder 2"/>
+          <p:cNvSpPr>
+            <a:spLocks noGrp="1"/>
+          </p:cNvSpPr>
+          <p:nvPr>
+            <p:ph type="ftr" sz="quarter" idx="11"/>
+          </p:nvPr>
+        </p:nvSpPr>
+        <p:spPr/>
+        <p:txBody>
+          <a:bodyPr/>
+          <a:lstStyle/>
+          <a:p>
+            <a:endParaRPr lang="en-US"/>
+          </a:p>
+        </p:txBody>
+      </p:sp>
+      <p:sp>
+        <p:nvSpPr>
+          <p:cNvPr id="4" name="Slide Number Placeholder 3"/>
+          <p:cNvSpPr>
+            <a:spLocks noGrp="1"/>
+          </p:cNvSpPr>
+          <p:nvPr>
+            <p:ph type="sldNum" sz="quarter" idx="12"/>
+          </p:nvPr>
+        </p:nvSpPr>
+        <p:spPr/>
+        <p:txBody>
+          <a:bodyPr/>
+          <a:lstStyle/>
+          <a:p>
+            <a:pPr marL="38100">
+              <a:lnSpc>
+                <a:spcPts val="1100"/>
+              </a:lnSpc>
+            </a:pPr>
+            <a:fld id="{81D60167-4931-47E6-BA6A-407CBD079E47}" type="slidenum">
+              <a:rPr lang="en-US" smtClean="0"/>
+              <a:t>‹#›</a:t>
+            </a:fld>
+            <a:endParaRPr lang="en-US" dirty="0"/>
+          </a:p>
+        </p:txBody>
+      </p:sp>
+    </p:spTree>
+  </p:cSld>
+  <p:clrMapOvr>
+    <a:masterClrMapping/>
+  </p:clrMapOvr>
+</p:sldLayout>
+</file>
+
+<file path=ppt/slideLayouts/slideLayout8.xml><?xml version="1.0" encoding="utf-8"?>
+<p:sldLayout xmlns:a="http://schemas.openxmlformats.org/drawingml/2006/main" xmlns:r="http://schemas.openxmlformats.org/officeDocument/2006/relationships" xmlns:p="http://schemas.openxmlformats.org/presentationml/2006/main" type="objTx" preserve="1">
+  <p:cSld name="Content with Caption">
+    <p:spTree>
+      <p:nvGrpSpPr>
+        <p:cNvPr id="1" name=""/>
+        <p:cNvGrpSpPr/>
+        <p:nvPr/>
+      </p:nvGrpSpPr>
+      <p:grpSpPr>
+        <a:xfrm>
+          <a:off x="0" y="0"/>
+          <a:ext cx="0" cy="0"/>
+          <a:chOff x="0" y="0"/>
+          <a:chExt cx="0" cy="0"/>
+        </a:xfrm>
+      </p:grpSpPr>
+      <p:sp>
+        <p:nvSpPr>
+          <p:cNvPr id="2" name="Title 1"/>
+          <p:cNvSpPr>
+            <a:spLocks noGrp="1"/>
+          </p:cNvSpPr>
+          <p:nvPr>
+            <p:ph type="title"/>
+          </p:nvPr>
+        </p:nvSpPr>
+        <p:spPr>
+          <a:xfrm>
+            <a:off x="609600" y="792080"/>
+            <a:ext cx="2852928" cy="1261872"/>
+          </a:xfrm>
+        </p:spPr>
+        <p:txBody>
+          <a:bodyPr anchor="b">
+            <a:noAutofit/>
+          </a:bodyPr>
+          <a:lstStyle>
+            <a:lvl1pPr algn="l">
+              <a:defRPr sz="2400" b="0"/>
+            </a:lvl1pPr>
+          </a:lstStyle>
+          <a:p>
+            <a:r>
+              <a:rPr lang="en-US" smtClean="0"/>
+              <a:t>Click to edit Master title style</a:t>
+            </a:r>
+            <a:endParaRPr lang="en-US" dirty="0"/>
+          </a:p>
+        </p:txBody>
+      </p:sp>
+      <p:sp>
+        <p:nvSpPr>
+          <p:cNvPr id="3" name="Content Placeholder 2"/>
+          <p:cNvSpPr>
+            <a:spLocks noGrp="1"/>
+          </p:cNvSpPr>
+          <p:nvPr>
+            <p:ph idx="1"/>
+          </p:nvPr>
+        </p:nvSpPr>
+        <p:spPr>
+          <a:xfrm>
+            <a:off x="3962400" y="792080"/>
+            <a:ext cx="7620000" cy="5577840"/>
+          </a:xfrm>
+        </p:spPr>
+        <p:txBody>
+          <a:bodyPr/>
+          <a:lstStyle>
+            <a:lvl1pPr>
+              <a:defRPr sz="3200"/>
+            </a:lvl1pPr>
+            <a:lvl2pPr>
+              <a:defRPr sz="2800"/>
+            </a:lvl2pPr>
+            <a:lvl3pPr>
+              <a:defRPr sz="2400"/>
+            </a:lvl3pPr>
+            <a:lvl4pPr>
+              <a:defRPr sz="2000"/>
+            </a:lvl4pPr>
+            <a:lvl5pPr>
+              <a:defRPr sz="2000"/>
+            </a:lvl5pPr>
+            <a:lvl6pPr>
+              <a:defRPr sz="2000"/>
+            </a:lvl6pPr>
+            <a:lvl7pPr>
+              <a:defRPr sz="2000"/>
+            </a:lvl7pPr>
+            <a:lvl8pPr>
+              <a:defRPr sz="2000"/>
+            </a:lvl8pPr>
+            <a:lvl9pPr>
+              <a:defRPr sz="2000"/>
+            </a:lvl9pPr>
+          </a:lstStyle>
+          <a:p>
+            <a:pPr lvl="0"/>
+            <a:r>
+              <a:rPr lang="en-US" smtClean="0"/>
+              <a:t>Click to edit Master text styles</a:t>
+            </a:r>
+          </a:p>
+          <a:p>
+            <a:pPr lvl="1"/>
+            <a:r>
+              <a:rPr lang="en-US" smtClean="0"/>
+              <a:t>Second level</a:t>
+            </a:r>
+          </a:p>
+          <a:p>
+            <a:pPr lvl="2"/>
+            <a:r>
+              <a:rPr lang="en-US" smtClean="0"/>
+              <a:t>Third level</a:t>
+            </a:r>
+          </a:p>
+          <a:p>
+            <a:pPr lvl="3"/>
+            <a:r>
+              <a:rPr lang="en-US" smtClean="0"/>
+              <a:t>Fourth level</a:t>
+            </a:r>
+          </a:p>
+          <a:p>
+            <a:pPr lvl="4"/>
+            <a:r>
+              <a:rPr lang="en-US" smtClean="0"/>
+              <a:t>Fifth level</a:t>
+            </a:r>
+            <a:endParaRPr lang="en-US" dirty="0"/>
+          </a:p>
+        </p:txBody>
+      </p:sp>
+      <p:sp>
+        <p:nvSpPr>
+          <p:cNvPr id="4" name="Text Placeholder 3"/>
+          <p:cNvSpPr>
+            <a:spLocks noGrp="1"/>
+          </p:cNvSpPr>
+          <p:nvPr>
+            <p:ph type="body" sz="half" idx="2"/>
+          </p:nvPr>
+        </p:nvSpPr>
+        <p:spPr>
+          <a:xfrm>
+            <a:off x="609601" y="2130553"/>
+            <a:ext cx="2852928" cy="4243615"/>
+          </a:xfrm>
+        </p:spPr>
+        <p:txBody>
+          <a:bodyPr/>
+          <a:lstStyle>
+            <a:lvl1pPr marL="0" indent="0">
+              <a:buNone/>
+              <a:defRPr sz="1400"/>
+            </a:lvl1pPr>
+            <a:lvl2pPr marL="457200" indent="0">
+              <a:buNone/>
+              <a:defRPr sz="1200"/>
+            </a:lvl2pPr>
+            <a:lvl3pPr marL="914400" indent="0">
+              <a:buNone/>
+              <a:defRPr sz="1000"/>
+            </a:lvl3pPr>
+            <a:lvl4pPr marL="1371600" indent="0">
+              <a:buNone/>
+              <a:defRPr sz="900"/>
+            </a:lvl4pPr>
+            <a:lvl5pPr marL="1828800" indent="0">
+              <a:buNone/>
+              <a:defRPr sz="900"/>
+            </a:lvl5pPr>
+            <a:lvl6pPr marL="2286000" indent="0">
+              <a:buNone/>
+              <a:defRPr sz="900"/>
+            </a:lvl6pPr>
+            <a:lvl7pPr marL="2743200" indent="0">
+              <a:buNone/>
+              <a:defRPr sz="900"/>
+            </a:lvl7pPr>
+            <a:lvl8pPr marL="3200400" indent="0">
+              <a:buNone/>
+              <a:defRPr sz="900"/>
+            </a:lvl8pPr>
+            <a:lvl9pPr marL="3657600" indent="0">
+              <a:buNone/>
+              <a:defRPr sz="900"/>
+            </a:lvl9pPr>
+          </a:lstStyle>
+          <a:p>
+            <a:pPr lvl="0"/>
+            <a:r>
+              <a:rPr lang="en-US" smtClean="0"/>
+              <a:t>Click to edit Master text styles</a:t>
+            </a:r>
+          </a:p>
+        </p:txBody>
+      </p:sp>
+      <p:sp>
+        <p:nvSpPr>
+          <p:cNvPr id="5" name="Date Placeholder 4"/>
+          <p:cNvSpPr>
+            <a:spLocks noGrp="1"/>
+          </p:cNvSpPr>
+          <p:nvPr>
+            <p:ph type="dt" sz="half" idx="10"/>
+          </p:nvPr>
+        </p:nvSpPr>
+        <p:spPr/>
+        <p:txBody>
+          <a:bodyPr/>
+          <a:lstStyle/>
+          <a:p>
+            <a:fld id="{1D8BD707-D9CF-40AE-B4C6-C98DA3205C09}" type="datetimeFigureOut">
+              <a:rPr lang="en-US" smtClean="0"/>
+              <a:t>9/15/2021</a:t>
+            </a:fld>
+            <a:endParaRPr lang="en-US"/>
+          </a:p>
+        </p:txBody>
+      </p:sp>
+      <p:sp>
+        <p:nvSpPr>
+          <p:cNvPr id="6" name="Footer Placeholder 5"/>
+          <p:cNvSpPr>
+            <a:spLocks noGrp="1"/>
+          </p:cNvSpPr>
+          <p:nvPr>
+            <p:ph type="ftr" sz="quarter" idx="11"/>
+          </p:nvPr>
+        </p:nvSpPr>
+        <p:spPr/>
+        <p:txBody>
+          <a:bodyPr/>
+          <a:lstStyle/>
+          <a:p>
+            <a:endParaRPr lang="en-US"/>
+          </a:p>
+        </p:txBody>
+      </p:sp>
+      <p:sp>
+        <p:nvSpPr>
+          <p:cNvPr id="7" name="Slide Number Placeholder 6"/>
+          <p:cNvSpPr>
+            <a:spLocks noGrp="1"/>
+          </p:cNvSpPr>
+          <p:nvPr>
+            <p:ph type="sldNum" sz="quarter" idx="12"/>
+          </p:nvPr>
+        </p:nvSpPr>
+        <p:spPr/>
+        <p:txBody>
+          <a:bodyPr/>
+          <a:lstStyle/>
+          <a:p>
+            <a:pPr marL="38100">
+              <a:lnSpc>
+                <a:spcPts val="1100"/>
+              </a:lnSpc>
+            </a:pPr>
+            <a:fld id="{81D60167-4931-47E6-BA6A-407CBD079E47}" type="slidenum">
+              <a:rPr lang="en-US" smtClean="0"/>
+              <a:t>‹#›</a:t>
+            </a:fld>
+            <a:endParaRPr lang="en-US" dirty="0"/>
+          </a:p>
+        </p:txBody>
+      </p:sp>
+      <p:cxnSp>
+        <p:nvCxnSpPr>
+          <p:cNvPr id="9" name="Straight Connector 8"/>
+          <p:cNvCxnSpPr/>
+          <p:nvPr/>
+        </p:nvCxnSpPr>
+        <p:spPr>
+          <a:xfrm rot="5400000">
+            <a:off x="912152" y="3579942"/>
+            <a:ext cx="5577840" cy="2117"/>
+          </a:xfrm>
+          <a:prstGeom prst="line">
+            <a:avLst/>
+          </a:prstGeom>
+          <a:ln w="19050">
+            <a:solidFill>
+              <a:schemeClr val="tx2"/>
+            </a:solidFill>
+          </a:ln>
+        </p:spPr>
+        <p:style>
+          <a:lnRef idx="1">
+            <a:schemeClr val="accent1"/>
+          </a:lnRef>
+          <a:fillRef idx="0">
+            <a:schemeClr val="accent1"/>
+          </a:fillRef>
+          <a:effectRef idx="0">
+            <a:schemeClr val="accent1"/>
+          </a:effectRef>
+          <a:fontRef idx="minor">
+            <a:schemeClr val="tx1"/>
+          </a:fontRef>
+        </p:style>
+      </p:cxnSp>
+    </p:spTree>
+  </p:cSld>
+  <p:clrMapOvr>
+    <a:masterClrMapping/>
+  </p:clrMapOvr>
+</p:sldLayout>
+</file>
+
+<file path=ppt/slideLayouts/slideLayout9.xml><?xml version="1.0" encoding="utf-8"?>
+<p:sldLayout xmlns:a="http://schemas.openxmlformats.org/drawingml/2006/main" xmlns:r="http://schemas.openxmlformats.org/officeDocument/2006/relationships" xmlns:p="http://schemas.openxmlformats.org/presentationml/2006/main" type="picTx" preserve="1">
+  <p:cSld name="Picture with Caption">
+    <p:spTree>
+      <p:nvGrpSpPr>
+        <p:cNvPr id="1" name=""/>
+        <p:cNvGrpSpPr/>
+        <p:nvPr/>
+      </p:nvGrpSpPr>
+      <p:grpSpPr>
+        <a:xfrm>
+          <a:off x="0" y="0"/>
+          <a:ext cx="0" cy="0"/>
+          <a:chOff x="0" y="0"/>
+          <a:chExt cx="0" cy="0"/>
+        </a:xfrm>
+      </p:grpSpPr>
+      <p:sp>
+        <p:nvSpPr>
+          <p:cNvPr id="2" name="Title 1"/>
+          <p:cNvSpPr>
+            <a:spLocks noGrp="1"/>
+          </p:cNvSpPr>
+          <p:nvPr>
+            <p:ph type="title"/>
+          </p:nvPr>
+        </p:nvSpPr>
+        <p:spPr>
+          <a:xfrm>
+            <a:off x="609600" y="792480"/>
+            <a:ext cx="2856907" cy="1264920"/>
+          </a:xfrm>
+        </p:spPr>
+        <p:txBody>
+          <a:bodyPr anchor="b">
+            <a:normAutofit/>
+          </a:bodyPr>
+          <a:lstStyle>
+            <a:lvl1pPr algn="l">
+              <a:defRPr sz="2400" b="0"/>
+            </a:lvl1pPr>
+          </a:lstStyle>
+          <a:p>
+            <a:r>
+              <a:rPr lang="en-US" smtClean="0"/>
+              <a:t>Click to edit Master title style</a:t>
+            </a:r>
+            <a:endParaRPr lang="en-US" dirty="0"/>
+          </a:p>
+        </p:txBody>
+      </p:sp>
+      <p:sp>
+        <p:nvSpPr>
+          <p:cNvPr id="3" name="Picture Placeholder 2"/>
+          <p:cNvSpPr>
+            <a:spLocks noGrp="1"/>
+          </p:cNvSpPr>
+          <p:nvPr>
+            <p:ph type="pic" idx="1"/>
+          </p:nvPr>
+        </p:nvSpPr>
+        <p:spPr>
+          <a:xfrm>
+            <a:off x="3811480" y="838201"/>
+            <a:ext cx="7872520" cy="5500456"/>
+          </a:xfrm>
+          <a:solidFill>
+            <a:schemeClr val="bg2"/>
+          </a:solidFill>
+          <a:ln w="76200">
+            <a:solidFill>
+              <a:srgbClr val="FFFFFF"/>
+            </a:solidFill>
+            <a:miter lim="800000"/>
+          </a:ln>
+          <a:effectLst>
+            <a:outerShdw blurRad="50800" dist="12700" dir="5400000" algn="t" rotWithShape="0">
+              <a:prstClr val="black">
+                <a:alpha val="59000"/>
+              </a:prstClr>
+            </a:outerShdw>
+          </a:effectLst>
+        </p:spPr>
+        <p:txBody>
+          <a:bodyPr/>
+          <a:lstStyle>
+            <a:lvl1pPr marL="0" indent="0">
+              <a:buNone/>
+              <a:defRPr sz="3200"/>
+            </a:lvl1pPr>
+            <a:lvl2pPr marL="457200" indent="0">
+              <a:buNone/>
+              <a:defRPr sz="2800"/>
+            </a:lvl2pPr>
+            <a:lvl3pPr marL="914400" indent="0">
+              <a:buNone/>
+              <a:defRPr sz="2400"/>
+            </a:lvl3pPr>
+            <a:lvl4pPr marL="1371600" indent="0">
+              <a:buNone/>
+              <a:defRPr sz="2000"/>
+            </a:lvl4pPr>
+            <a:lvl5pPr marL="1828800" indent="0">
+              <a:buNone/>
+              <a:defRPr sz="2000"/>
+            </a:lvl5pPr>
+            <a:lvl6pPr marL="2286000" indent="0">
+              <a:buNone/>
+              <a:defRPr sz="2000"/>
+            </a:lvl6pPr>
+            <a:lvl7pPr marL="2743200" indent="0">
+              <a:buNone/>
+              <a:defRPr sz="2000"/>
+            </a:lvl7pPr>
+            <a:lvl8pPr marL="3200400" indent="0">
+              <a:buNone/>
+              <a:defRPr sz="2000"/>
+            </a:lvl8pPr>
+            <a:lvl9pPr marL="3657600" indent="0">
+              <a:buNone/>
+              <a:defRPr sz="2000"/>
+            </a:lvl9pPr>
+          </a:lstStyle>
+          <a:p>
+            <a:r>
+              <a:rPr lang="en-US" smtClean="0"/>
+              <a:t>Click icon to add picture</a:t>
+            </a:r>
+            <a:endParaRPr lang="en-US" dirty="0"/>
+          </a:p>
+        </p:txBody>
+      </p:sp>
+      <p:sp>
+        <p:nvSpPr>
+          <p:cNvPr id="4" name="Text Placeholder 3"/>
+          <p:cNvSpPr>
+            <a:spLocks noGrp="1"/>
+          </p:cNvSpPr>
+          <p:nvPr>
+            <p:ph type="body" sz="half" idx="2"/>
+          </p:nvPr>
+        </p:nvSpPr>
+        <p:spPr>
+          <a:xfrm>
+            <a:off x="609600" y="2133600"/>
+            <a:ext cx="2852928" cy="4242816"/>
+          </a:xfrm>
+        </p:spPr>
+        <p:txBody>
+          <a:bodyPr/>
+          <a:lstStyle>
+            <a:lvl1pPr marL="0" indent="0">
+              <a:buNone/>
+              <a:defRPr sz="1400"/>
+            </a:lvl1pPr>
+            <a:lvl2pPr marL="457200" indent="0">
+              <a:buNone/>
+              <a:defRPr sz="1200"/>
+            </a:lvl2pPr>
+            <a:lvl3pPr marL="914400" indent="0">
+              <a:buNone/>
+              <a:defRPr sz="1000"/>
+            </a:lvl3pPr>
+            <a:lvl4pPr marL="1371600" indent="0">
+              <a:buNone/>
+              <a:defRPr sz="900"/>
+            </a:lvl4pPr>
+            <a:lvl5pPr marL="1828800" indent="0">
+              <a:buNone/>
+              <a:defRPr sz="900"/>
+            </a:lvl5pPr>
+            <a:lvl6pPr marL="2286000" indent="0">
+              <a:buNone/>
+              <a:defRPr sz="900"/>
+            </a:lvl6pPr>
+            <a:lvl7pPr marL="2743200" indent="0">
+              <a:buNone/>
+              <a:defRPr sz="900"/>
+            </a:lvl7pPr>
+            <a:lvl8pPr marL="3200400" indent="0">
+              <a:buNone/>
+              <a:defRPr sz="900"/>
+            </a:lvl8pPr>
+            <a:lvl9pPr marL="3657600" indent="0">
+              <a:buNone/>
+              <a:defRPr sz="900"/>
+            </a:lvl9pPr>
+          </a:lstStyle>
+          <a:p>
+            <a:pPr lvl="0"/>
+            <a:r>
+              <a:rPr lang="en-US" smtClean="0"/>
+              <a:t>Click to edit Master text styles</a:t>
+            </a:r>
+          </a:p>
+        </p:txBody>
+      </p:sp>
+      <p:sp>
+        <p:nvSpPr>
+          <p:cNvPr id="5" name="Date Placeholder 4"/>
+          <p:cNvSpPr>
+            <a:spLocks noGrp="1"/>
+          </p:cNvSpPr>
+          <p:nvPr>
+            <p:ph type="dt" sz="half" idx="10"/>
+          </p:nvPr>
+        </p:nvSpPr>
+        <p:spPr/>
+        <p:txBody>
+          <a:bodyPr/>
+          <a:lstStyle/>
+          <a:p>
+            <a:fld id="{1D8BD707-D9CF-40AE-B4C6-C98DA3205C09}" type="datetimeFigureOut">
+              <a:rPr lang="en-US" smtClean="0"/>
+              <a:t>9/15/2021</a:t>
+            </a:fld>
+            <a:endParaRPr lang="en-US"/>
+          </a:p>
+        </p:txBody>
+      </p:sp>
+      <p:sp>
+        <p:nvSpPr>
+          <p:cNvPr id="6" name="Footer Placeholder 5"/>
+          <p:cNvSpPr>
+            <a:spLocks noGrp="1"/>
+          </p:cNvSpPr>
+          <p:nvPr>
+            <p:ph type="ftr" sz="quarter" idx="11"/>
+          </p:nvPr>
+        </p:nvSpPr>
+        <p:spPr/>
+        <p:txBody>
+          <a:bodyPr/>
+          <a:lstStyle/>
+          <a:p>
+            <a:endParaRPr lang="en-US"/>
+          </a:p>
+        </p:txBody>
+      </p:sp>
+      <p:sp>
+        <p:nvSpPr>
+          <p:cNvPr id="7" name="Slide Number Placeholder 6"/>
+          <p:cNvSpPr>
+            <a:spLocks noGrp="1"/>
+          </p:cNvSpPr>
+          <p:nvPr>
+            <p:ph type="sldNum" sz="quarter" idx="12"/>
+          </p:nvPr>
+        </p:nvSpPr>
+        <p:spPr/>
+        <p:txBody>
+          <a:bodyPr/>
+          <a:lstStyle/>
+          <a:p>
+            <a:pPr marL="38100">
+              <a:lnSpc>
+                <a:spcPts val="1100"/>
+              </a:lnSpc>
+            </a:pPr>
+            <a:fld id="{81D60167-4931-47E6-BA6A-407CBD079E47}" type="slidenum">
+              <a:rPr lang="en-US" smtClean="0"/>
+              <a:t>‹#›</a:t>
+            </a:fld>
+            <a:endParaRPr lang="en-US" dirty="0"/>
+          </a:p>
+        </p:txBody>
+      </p:sp>
+    </p:spTree>
+  </p:cSld>
+  <p:clrMapOvr>
+    <a:masterClrMapping/>
+  </p:clrMapOvr>
+</p:sldLayout>
+</file>
+
+<file path=ppt/slideMasters/slideMaster1.xml><?xml version="1.0" encoding="utf-8"?>
+<p:sldMaster xmlns:a="http://schemas.openxmlformats.org/drawingml/2006/main" xmlns:r="http://schemas.openxmlformats.org/officeDocument/2006/relationships" xmlns:p="http://schemas.openxmlformats.org/presentationml/2006/main">
+  <p:cSld>
     <p:bg>
-      <p:bgPr>
-        <a:solidFill>
-          <a:schemeClr val="bg1"/>
-        </a:solidFill>
-        <a:effectLst/>
-      </p:bgPr>
+      <p:bgRef idx="1001">
+        <a:schemeClr val="bg1"/>
+      </p:bgRef>
     </p:bg>
     <p:spTree>
       <p:nvGrpSpPr>
@@ -790,686 +2881,53 @@
       </p:grpSpPr>
       <p:sp>
         <p:nvSpPr>
-          <p:cNvPr id="16" name="bg object 16"/>
+          <p:cNvPr id="10" name="Rectangle 9"/>
           <p:cNvSpPr/>
           <p:nvPr/>
         </p:nvSpPr>
         <p:spPr>
           <a:xfrm>
-            <a:off x="3047" y="6400798"/>
-            <a:ext cx="12188825" cy="457200"/>
+            <a:off x="0" y="220786"/>
+            <a:ext cx="12192000" cy="228600"/>
           </a:xfrm>
-          <a:custGeom>
+          <a:prstGeom prst="rect">
             <a:avLst/>
-            <a:gdLst/>
-            <a:ahLst/>
-            <a:cxnLst/>
-            <a:rect l="l" t="t" r="r" b="b"/>
-            <a:pathLst>
-              <a:path w="12188825" h="457200">
-                <a:moveTo>
-                  <a:pt x="12188444" y="0"/>
-                </a:moveTo>
-                <a:lnTo>
-                  <a:pt x="0" y="0"/>
-                </a:lnTo>
-                <a:lnTo>
-                  <a:pt x="0" y="457199"/>
-                </a:lnTo>
-                <a:lnTo>
-                  <a:pt x="12188444" y="457199"/>
-                </a:lnTo>
-                <a:lnTo>
-                  <a:pt x="12188444" y="0"/>
-                </a:lnTo>
-                <a:close/>
-              </a:path>
-            </a:pathLst>
-          </a:custGeom>
+          </a:prstGeom>
           <a:solidFill>
-            <a:srgbClr val="BB562C"/>
+            <a:srgbClr val="FFFFFF"/>
           </a:solidFill>
+          <a:ln>
+            <a:noFill/>
+          </a:ln>
         </p:spPr>
+        <p:style>
+          <a:lnRef idx="2">
+            <a:schemeClr val="accent1">
+              <a:shade val="50000"/>
+            </a:schemeClr>
+          </a:lnRef>
+          <a:fillRef idx="1">
+            <a:schemeClr val="accent1"/>
+          </a:fillRef>
+          <a:effectRef idx="0">
+            <a:schemeClr val="accent1"/>
+          </a:effectRef>
+          <a:fontRef idx="minor">
+            <a:schemeClr val="lt1"/>
+          </a:fontRef>
+        </p:style>
         <p:txBody>
-          <a:bodyPr wrap="square" lIns="0" tIns="0" rIns="0" bIns="0" rtlCol="0"/>
+          <a:bodyPr rtlCol="0" anchor="ctr"/>
           <a:lstStyle/>
           <a:p>
-            <a:endParaRPr/>
+            <a:pPr algn="ctr"/>
+            <a:endParaRPr lang="en-US"/>
           </a:p>
         </p:txBody>
       </p:sp>
       <p:sp>
         <p:nvSpPr>
-          <p:cNvPr id="17" name="bg object 17"/>
-          <p:cNvSpPr/>
-          <p:nvPr/>
-        </p:nvSpPr>
-        <p:spPr>
-          <a:xfrm>
-            <a:off x="0" y="6333745"/>
-            <a:ext cx="12188825" cy="64135"/>
-          </a:xfrm>
-          <a:custGeom>
-            <a:avLst/>
-            <a:gdLst/>
-            <a:ahLst/>
-            <a:cxnLst/>
-            <a:rect l="l" t="t" r="r" b="b"/>
-            <a:pathLst>
-              <a:path w="12188825" h="64135">
-                <a:moveTo>
-                  <a:pt x="12188444" y="0"/>
-                </a:moveTo>
-                <a:lnTo>
-                  <a:pt x="0" y="0"/>
-                </a:lnTo>
-                <a:lnTo>
-                  <a:pt x="0" y="63879"/>
-                </a:lnTo>
-                <a:lnTo>
-                  <a:pt x="12188444" y="63879"/>
-                </a:lnTo>
-                <a:lnTo>
-                  <a:pt x="12188444" y="0"/>
-                </a:lnTo>
-                <a:close/>
-              </a:path>
-            </a:pathLst>
-          </a:custGeom>
-          <a:solidFill>
-            <a:srgbClr val="E28312"/>
-          </a:solidFill>
-        </p:spPr>
-        <p:txBody>
-          <a:bodyPr wrap="square" lIns="0" tIns="0" rIns="0" bIns="0" rtlCol="0"/>
-          <a:lstStyle/>
-          <a:p>
-            <a:endParaRPr/>
-          </a:p>
-        </p:txBody>
-      </p:sp>
-      <p:sp>
-        <p:nvSpPr>
-          <p:cNvPr id="18" name="bg object 18"/>
-          <p:cNvSpPr/>
-          <p:nvPr/>
-        </p:nvSpPr>
-        <p:spPr>
-          <a:xfrm>
-            <a:off x="1207008" y="4343400"/>
-            <a:ext cx="9875520" cy="0"/>
-          </a:xfrm>
-          <a:custGeom>
-            <a:avLst/>
-            <a:gdLst/>
-            <a:ahLst/>
-            <a:cxnLst/>
-            <a:rect l="l" t="t" r="r" b="b"/>
-            <a:pathLst>
-              <a:path w="9875520">
-                <a:moveTo>
-                  <a:pt x="0" y="0"/>
-                </a:moveTo>
-                <a:lnTo>
-                  <a:pt x="9875520" y="0"/>
-                </a:lnTo>
-              </a:path>
-            </a:pathLst>
-          </a:custGeom>
-          <a:ln w="6096">
-            <a:solidFill>
-              <a:srgbClr val="7D7D7D"/>
-            </a:solidFill>
-          </a:ln>
-        </p:spPr>
-        <p:txBody>
-          <a:bodyPr wrap="square" lIns="0" tIns="0" rIns="0" bIns="0" rtlCol="0"/>
-          <a:lstStyle/>
-          <a:p>
-            <a:endParaRPr/>
-          </a:p>
-        </p:txBody>
-      </p:sp>
-      <p:sp>
-        <p:nvSpPr>
-          <p:cNvPr id="2" name="Holder 2"/>
-          <p:cNvSpPr>
-            <a:spLocks noGrp="1"/>
-          </p:cNvSpPr>
-          <p:nvPr>
-            <p:ph type="title"/>
-          </p:nvPr>
-        </p:nvSpPr>
-        <p:spPr/>
-        <p:txBody>
-          <a:bodyPr lIns="0" tIns="0" rIns="0" bIns="0"/>
-          <a:lstStyle>
-            <a:lvl1pPr>
-              <a:defRPr sz="4800" b="0" i="0">
-                <a:solidFill>
-                  <a:srgbClr val="404040"/>
-                </a:solidFill>
-                <a:latin typeface="Arial"/>
-                <a:cs typeface="Arial"/>
-              </a:defRPr>
-            </a:lvl1pPr>
-          </a:lstStyle>
-          <a:p>
-            <a:endParaRPr/>
-          </a:p>
-        </p:txBody>
-      </p:sp>
-      <p:sp>
-        <p:nvSpPr>
-          <p:cNvPr id="3" name="Holder 3"/>
-          <p:cNvSpPr>
-            <a:spLocks noGrp="1"/>
-          </p:cNvSpPr>
-          <p:nvPr>
-            <p:ph type="ftr" sz="quarter" idx="5"/>
-          </p:nvPr>
-        </p:nvSpPr>
-        <p:spPr/>
-        <p:txBody>
-          <a:bodyPr lIns="0" tIns="0" rIns="0" bIns="0"/>
-          <a:lstStyle>
-            <a:lvl1pPr algn="ctr">
-              <a:defRPr>
-                <a:solidFill>
-                  <a:schemeClr val="tx1">
-                    <a:tint val="75000"/>
-                  </a:schemeClr>
-                </a:solidFill>
-              </a:defRPr>
-            </a:lvl1pPr>
-          </a:lstStyle>
-          <a:p>
-            <a:endParaRPr/>
-          </a:p>
-        </p:txBody>
-      </p:sp>
-      <p:sp>
-        <p:nvSpPr>
-          <p:cNvPr id="4" name="Holder 4"/>
-          <p:cNvSpPr>
-            <a:spLocks noGrp="1"/>
-          </p:cNvSpPr>
-          <p:nvPr>
-            <p:ph type="dt" sz="half" idx="6"/>
-          </p:nvPr>
-        </p:nvSpPr>
-        <p:spPr/>
-        <p:txBody>
-          <a:bodyPr lIns="0" tIns="0" rIns="0" bIns="0"/>
-          <a:lstStyle>
-            <a:lvl1pPr algn="l">
-              <a:defRPr>
-                <a:solidFill>
-                  <a:schemeClr val="tx1">
-                    <a:tint val="75000"/>
-                  </a:schemeClr>
-                </a:solidFill>
-              </a:defRPr>
-            </a:lvl1pPr>
-          </a:lstStyle>
-          <a:p>
-            <a:fld id="{1D8BD707-D9CF-40AE-B4C6-C98DA3205C09}" type="datetimeFigureOut">
-              <a:rPr lang="en-US"/>
-              <a:t>8/26/2021</a:t>
-            </a:fld>
-            <a:endParaRPr lang="en-US"/>
-          </a:p>
-        </p:txBody>
-      </p:sp>
-      <p:sp>
-        <p:nvSpPr>
-          <p:cNvPr id="5" name="Holder 5"/>
-          <p:cNvSpPr>
-            <a:spLocks noGrp="1"/>
-          </p:cNvSpPr>
-          <p:nvPr>
-            <p:ph type="sldNum" sz="quarter" idx="7"/>
-          </p:nvPr>
-        </p:nvSpPr>
-        <p:spPr/>
-        <p:txBody>
-          <a:bodyPr lIns="0" tIns="0" rIns="0" bIns="0"/>
-          <a:lstStyle>
-            <a:lvl1pPr>
-              <a:defRPr sz="1050" b="0" i="0">
-                <a:solidFill>
-                  <a:schemeClr val="bg1"/>
-                </a:solidFill>
-                <a:latin typeface="Carlito"/>
-                <a:cs typeface="Carlito"/>
-              </a:defRPr>
-            </a:lvl1pPr>
-          </a:lstStyle>
-          <a:p>
-            <a:pPr marL="38100">
-              <a:lnSpc>
-                <a:spcPts val="1100"/>
-              </a:lnSpc>
-            </a:pPr>
-            <a:fld id="{81D60167-4931-47E6-BA6A-407CBD079E47}" type="slidenum">
-              <a:rPr dirty="0"/>
-              <a:t>‹#›</a:t>
-            </a:fld>
-            <a:endParaRPr dirty="0"/>
-          </a:p>
-        </p:txBody>
-      </p:sp>
-    </p:spTree>
-  </p:cSld>
-  <p:clrMapOvr>
-    <a:masterClrMapping/>
-  </p:clrMapOvr>
-</p:sldLayout>
-</file>
-
-<file path=ppt/slideLayouts/slideLayout5.xml><?xml version="1.0" encoding="utf-8"?>
-<p:sldLayout xmlns:a="http://schemas.openxmlformats.org/drawingml/2006/main" xmlns:r="http://schemas.openxmlformats.org/officeDocument/2006/relationships" xmlns:p="http://schemas.openxmlformats.org/presentationml/2006/main" showMasterSp="0" type="obj" preserve="1">
-  <p:cSld name="Blank">
-    <p:bg>
-      <p:bgPr>
-        <a:solidFill>
-          <a:schemeClr val="bg1"/>
-        </a:solidFill>
-        <a:effectLst/>
-      </p:bgPr>
-    </p:bg>
-    <p:spTree>
-      <p:nvGrpSpPr>
-        <p:cNvPr id="1" name=""/>
-        <p:cNvGrpSpPr/>
-        <p:nvPr/>
-      </p:nvGrpSpPr>
-      <p:grpSpPr>
-        <a:xfrm>
-          <a:off x="0" y="0"/>
-          <a:ext cx="0" cy="0"/>
-          <a:chOff x="0" y="0"/>
-          <a:chExt cx="0" cy="0"/>
-        </a:xfrm>
-      </p:grpSpPr>
-      <p:sp>
-        <p:nvSpPr>
-          <p:cNvPr id="16" name="bg object 16"/>
-          <p:cNvSpPr/>
-          <p:nvPr/>
-        </p:nvSpPr>
-        <p:spPr>
-          <a:xfrm>
-            <a:off x="3047" y="6400798"/>
-            <a:ext cx="12188825" cy="457200"/>
-          </a:xfrm>
-          <a:custGeom>
-            <a:avLst/>
-            <a:gdLst/>
-            <a:ahLst/>
-            <a:cxnLst/>
-            <a:rect l="l" t="t" r="r" b="b"/>
-            <a:pathLst>
-              <a:path w="12188825" h="457200">
-                <a:moveTo>
-                  <a:pt x="12188444" y="0"/>
-                </a:moveTo>
-                <a:lnTo>
-                  <a:pt x="0" y="0"/>
-                </a:lnTo>
-                <a:lnTo>
-                  <a:pt x="0" y="457199"/>
-                </a:lnTo>
-                <a:lnTo>
-                  <a:pt x="12188444" y="457199"/>
-                </a:lnTo>
-                <a:lnTo>
-                  <a:pt x="12188444" y="0"/>
-                </a:lnTo>
-                <a:close/>
-              </a:path>
-            </a:pathLst>
-          </a:custGeom>
-          <a:solidFill>
-            <a:srgbClr val="BB562C"/>
-          </a:solidFill>
-        </p:spPr>
-        <p:txBody>
-          <a:bodyPr wrap="square" lIns="0" tIns="0" rIns="0" bIns="0" rtlCol="0"/>
-          <a:lstStyle/>
-          <a:p>
-            <a:endParaRPr/>
-          </a:p>
-        </p:txBody>
-      </p:sp>
-      <p:sp>
-        <p:nvSpPr>
-          <p:cNvPr id="17" name="bg object 17"/>
-          <p:cNvSpPr/>
-          <p:nvPr/>
-        </p:nvSpPr>
-        <p:spPr>
-          <a:xfrm>
-            <a:off x="0" y="6333745"/>
-            <a:ext cx="12188825" cy="64135"/>
-          </a:xfrm>
-          <a:custGeom>
-            <a:avLst/>
-            <a:gdLst/>
-            <a:ahLst/>
-            <a:cxnLst/>
-            <a:rect l="l" t="t" r="r" b="b"/>
-            <a:pathLst>
-              <a:path w="12188825" h="64135">
-                <a:moveTo>
-                  <a:pt x="12188444" y="0"/>
-                </a:moveTo>
-                <a:lnTo>
-                  <a:pt x="0" y="0"/>
-                </a:lnTo>
-                <a:lnTo>
-                  <a:pt x="0" y="63879"/>
-                </a:lnTo>
-                <a:lnTo>
-                  <a:pt x="12188444" y="63879"/>
-                </a:lnTo>
-                <a:lnTo>
-                  <a:pt x="12188444" y="0"/>
-                </a:lnTo>
-                <a:close/>
-              </a:path>
-            </a:pathLst>
-          </a:custGeom>
-          <a:solidFill>
-            <a:srgbClr val="E28312"/>
-          </a:solidFill>
-        </p:spPr>
-        <p:txBody>
-          <a:bodyPr wrap="square" lIns="0" tIns="0" rIns="0" bIns="0" rtlCol="0"/>
-          <a:lstStyle/>
-          <a:p>
-            <a:endParaRPr/>
-          </a:p>
-        </p:txBody>
-      </p:sp>
-      <p:sp>
-        <p:nvSpPr>
-          <p:cNvPr id="18" name="bg object 18"/>
-          <p:cNvSpPr/>
-          <p:nvPr/>
-        </p:nvSpPr>
-        <p:spPr>
-          <a:xfrm>
-            <a:off x="1207008" y="4343400"/>
-            <a:ext cx="9875520" cy="0"/>
-          </a:xfrm>
-          <a:custGeom>
-            <a:avLst/>
-            <a:gdLst/>
-            <a:ahLst/>
-            <a:cxnLst/>
-            <a:rect l="l" t="t" r="r" b="b"/>
-            <a:pathLst>
-              <a:path w="9875520">
-                <a:moveTo>
-                  <a:pt x="0" y="0"/>
-                </a:moveTo>
-                <a:lnTo>
-                  <a:pt x="9875520" y="0"/>
-                </a:lnTo>
-              </a:path>
-            </a:pathLst>
-          </a:custGeom>
-          <a:ln w="6096">
-            <a:solidFill>
-              <a:srgbClr val="7D7D7D"/>
-            </a:solidFill>
-          </a:ln>
-        </p:spPr>
-        <p:txBody>
-          <a:bodyPr wrap="square" lIns="0" tIns="0" rIns="0" bIns="0" rtlCol="0"/>
-          <a:lstStyle/>
-          <a:p>
-            <a:endParaRPr/>
-          </a:p>
-        </p:txBody>
-      </p:sp>
-      <p:sp>
-        <p:nvSpPr>
-          <p:cNvPr id="2" name="Holder 2"/>
-          <p:cNvSpPr>
-            <a:spLocks noGrp="1"/>
-          </p:cNvSpPr>
-          <p:nvPr>
-            <p:ph type="ftr" sz="quarter" idx="5"/>
-          </p:nvPr>
-        </p:nvSpPr>
-        <p:spPr/>
-        <p:txBody>
-          <a:bodyPr lIns="0" tIns="0" rIns="0" bIns="0"/>
-          <a:lstStyle>
-            <a:lvl1pPr algn="ctr">
-              <a:defRPr>
-                <a:solidFill>
-                  <a:schemeClr val="tx1">
-                    <a:tint val="75000"/>
-                  </a:schemeClr>
-                </a:solidFill>
-              </a:defRPr>
-            </a:lvl1pPr>
-          </a:lstStyle>
-          <a:p>
-            <a:endParaRPr/>
-          </a:p>
-        </p:txBody>
-      </p:sp>
-      <p:sp>
-        <p:nvSpPr>
-          <p:cNvPr id="3" name="Holder 3"/>
-          <p:cNvSpPr>
-            <a:spLocks noGrp="1"/>
-          </p:cNvSpPr>
-          <p:nvPr>
-            <p:ph type="dt" sz="half" idx="6"/>
-          </p:nvPr>
-        </p:nvSpPr>
-        <p:spPr/>
-        <p:txBody>
-          <a:bodyPr lIns="0" tIns="0" rIns="0" bIns="0"/>
-          <a:lstStyle>
-            <a:lvl1pPr algn="l">
-              <a:defRPr>
-                <a:solidFill>
-                  <a:schemeClr val="tx1">
-                    <a:tint val="75000"/>
-                  </a:schemeClr>
-                </a:solidFill>
-              </a:defRPr>
-            </a:lvl1pPr>
-          </a:lstStyle>
-          <a:p>
-            <a:fld id="{1D8BD707-D9CF-40AE-B4C6-C98DA3205C09}" type="datetimeFigureOut">
-              <a:rPr lang="en-US"/>
-              <a:t>8/26/2021</a:t>
-            </a:fld>
-            <a:endParaRPr lang="en-US"/>
-          </a:p>
-        </p:txBody>
-      </p:sp>
-      <p:sp>
-        <p:nvSpPr>
-          <p:cNvPr id="4" name="Holder 4"/>
-          <p:cNvSpPr>
-            <a:spLocks noGrp="1"/>
-          </p:cNvSpPr>
-          <p:nvPr>
-            <p:ph type="sldNum" sz="quarter" idx="7"/>
-          </p:nvPr>
-        </p:nvSpPr>
-        <p:spPr/>
-        <p:txBody>
-          <a:bodyPr lIns="0" tIns="0" rIns="0" bIns="0"/>
-          <a:lstStyle>
-            <a:lvl1pPr>
-              <a:defRPr sz="1050" b="0" i="0">
-                <a:solidFill>
-                  <a:schemeClr val="bg1"/>
-                </a:solidFill>
-                <a:latin typeface="Carlito"/>
-                <a:cs typeface="Carlito"/>
-              </a:defRPr>
-            </a:lvl1pPr>
-          </a:lstStyle>
-          <a:p>
-            <a:pPr marL="38100">
-              <a:lnSpc>
-                <a:spcPts val="1100"/>
-              </a:lnSpc>
-            </a:pPr>
-            <a:fld id="{81D60167-4931-47E6-BA6A-407CBD079E47}" type="slidenum">
-              <a:rPr dirty="0"/>
-              <a:t>‹#›</a:t>
-            </a:fld>
-            <a:endParaRPr dirty="0"/>
-          </a:p>
-        </p:txBody>
-      </p:sp>
-    </p:spTree>
-  </p:cSld>
-  <p:clrMapOvr>
-    <a:masterClrMapping/>
-  </p:clrMapOvr>
-</p:sldLayout>
-</file>
-
-<file path=ppt/slideMasters/slideMaster1.xml><?xml version="1.0" encoding="utf-8"?>
-<p:sldMaster xmlns:a="http://schemas.openxmlformats.org/drawingml/2006/main" xmlns:r="http://schemas.openxmlformats.org/officeDocument/2006/relationships" xmlns:p="http://schemas.openxmlformats.org/presentationml/2006/main">
-  <p:cSld>
-    <p:bg>
-      <p:bgPr>
-        <a:solidFill>
-          <a:schemeClr val="bg1"/>
-        </a:solidFill>
-        <a:effectLst/>
-      </p:bgPr>
-    </p:bg>
-    <p:spTree>
-      <p:nvGrpSpPr>
-        <p:cNvPr id="1" name=""/>
-        <p:cNvGrpSpPr/>
-        <p:nvPr/>
-      </p:nvGrpSpPr>
-      <p:grpSpPr>
-        <a:xfrm>
-          <a:off x="0" y="0"/>
-          <a:ext cx="0" cy="0"/>
-          <a:chOff x="0" y="0"/>
-          <a:chExt cx="0" cy="0"/>
-        </a:xfrm>
-      </p:grpSpPr>
-      <p:sp>
-        <p:nvSpPr>
-          <p:cNvPr id="16" name="bg object 16"/>
-          <p:cNvSpPr/>
-          <p:nvPr/>
-        </p:nvSpPr>
-        <p:spPr>
-          <a:xfrm>
-            <a:off x="0" y="6400798"/>
-            <a:ext cx="12192000" cy="457200"/>
-          </a:xfrm>
-          <a:custGeom>
-            <a:avLst/>
-            <a:gdLst/>
-            <a:ahLst/>
-            <a:cxnLst/>
-            <a:rect l="l" t="t" r="r" b="b"/>
-            <a:pathLst>
-              <a:path w="12192000" h="457200">
-                <a:moveTo>
-                  <a:pt x="12192000" y="0"/>
-                </a:moveTo>
-                <a:lnTo>
-                  <a:pt x="0" y="0"/>
-                </a:lnTo>
-                <a:lnTo>
-                  <a:pt x="0" y="457199"/>
-                </a:lnTo>
-                <a:lnTo>
-                  <a:pt x="12192000" y="457199"/>
-                </a:lnTo>
-                <a:lnTo>
-                  <a:pt x="12192000" y="0"/>
-                </a:lnTo>
-                <a:close/>
-              </a:path>
-            </a:pathLst>
-          </a:custGeom>
-          <a:solidFill>
-            <a:srgbClr val="BB562C"/>
-          </a:solidFill>
-        </p:spPr>
-        <p:txBody>
-          <a:bodyPr wrap="square" lIns="0" tIns="0" rIns="0" bIns="0" rtlCol="0"/>
-          <a:lstStyle/>
-          <a:p>
-            <a:endParaRPr/>
-          </a:p>
-        </p:txBody>
-      </p:sp>
-      <p:sp>
-        <p:nvSpPr>
-          <p:cNvPr id="17" name="bg object 17"/>
-          <p:cNvSpPr/>
-          <p:nvPr/>
-        </p:nvSpPr>
-        <p:spPr>
-          <a:xfrm>
-            <a:off x="0" y="6333744"/>
-            <a:ext cx="12192000" cy="67310"/>
-          </a:xfrm>
-          <a:custGeom>
-            <a:avLst/>
-            <a:gdLst/>
-            <a:ahLst/>
-            <a:cxnLst/>
-            <a:rect l="l" t="t" r="r" b="b"/>
-            <a:pathLst>
-              <a:path w="12192000" h="67310">
-                <a:moveTo>
-                  <a:pt x="12192000" y="0"/>
-                </a:moveTo>
-                <a:lnTo>
-                  <a:pt x="0" y="0"/>
-                </a:lnTo>
-                <a:lnTo>
-                  <a:pt x="0" y="66801"/>
-                </a:lnTo>
-                <a:lnTo>
-                  <a:pt x="12192000" y="66801"/>
-                </a:lnTo>
-                <a:lnTo>
-                  <a:pt x="12192000" y="0"/>
-                </a:lnTo>
-                <a:close/>
-              </a:path>
-            </a:pathLst>
-          </a:custGeom>
-          <a:solidFill>
-            <a:srgbClr val="E28312"/>
-          </a:solidFill>
-        </p:spPr>
-        <p:txBody>
-          <a:bodyPr wrap="square" lIns="0" tIns="0" rIns="0" bIns="0" rtlCol="0"/>
-          <a:lstStyle/>
-          <a:p>
-            <a:endParaRPr/>
-          </a:p>
-        </p:txBody>
-      </p:sp>
-      <p:sp>
-        <p:nvSpPr>
-          <p:cNvPr id="2" name="Holder 2"/>
+          <p:cNvPr id="2" name="Title Placeholder 1"/>
           <p:cNvSpPr>
             <a:spLocks noGrp="1"/>
           </p:cNvSpPr>
@@ -1479,36 +2937,30 @@
         </p:nvSpPr>
         <p:spPr>
           <a:xfrm>
-            <a:off x="1019149" y="260984"/>
-            <a:ext cx="10153700" cy="1380489"/>
+            <a:off x="609600" y="533400"/>
+            <a:ext cx="10972800" cy="990600"/>
           </a:xfrm>
           <a:prstGeom prst="rect">
             <a:avLst/>
           </a:prstGeom>
         </p:spPr>
         <p:txBody>
-          <a:bodyPr wrap="square" lIns="0" tIns="0" rIns="0" bIns="0">
-            <a:spAutoFit/>
+          <a:bodyPr vert="horz" lIns="91440" tIns="45720" rIns="91440" bIns="45720" rtlCol="0" anchor="ctr">
+            <a:normAutofit/>
           </a:bodyPr>
-          <a:lstStyle>
-            <a:lvl1pPr>
-              <a:defRPr sz="4800" b="0" i="0">
-                <a:solidFill>
-                  <a:srgbClr val="404040"/>
-                </a:solidFill>
-                <a:latin typeface="Arial"/>
-                <a:cs typeface="Arial"/>
-              </a:defRPr>
-            </a:lvl1pPr>
-          </a:lstStyle>
-          <a:p>
-            <a:endParaRPr/>
+          <a:lstStyle/>
+          <a:p>
+            <a:r>
+              <a:rPr lang="en-US" smtClean="0"/>
+              <a:t>Click to edit Master title style</a:t>
+            </a:r>
+            <a:endParaRPr lang="en-US" dirty="0"/>
           </a:p>
         </p:txBody>
       </p:sp>
       <p:sp>
         <p:nvSpPr>
-          <p:cNvPr id="3" name="Holder 3"/>
+          <p:cNvPr id="3" name="Text Placeholder 2"/>
           <p:cNvSpPr>
             <a:spLocks noGrp="1"/>
           </p:cNvSpPr>
@@ -1518,146 +2970,203 @@
         </p:nvSpPr>
         <p:spPr>
           <a:xfrm>
-            <a:off x="1171575" y="1622485"/>
-            <a:ext cx="9848849" cy="4559935"/>
+            <a:off x="609600" y="1600200"/>
+            <a:ext cx="10972800" cy="4876800"/>
           </a:xfrm>
           <a:prstGeom prst="rect">
             <a:avLst/>
           </a:prstGeom>
         </p:spPr>
         <p:txBody>
-          <a:bodyPr wrap="square" lIns="0" tIns="0" rIns="0" bIns="0">
-            <a:spAutoFit/>
+          <a:bodyPr vert="horz" lIns="91440" tIns="45720" rIns="91440" bIns="45720" rtlCol="0">
+            <a:normAutofit/>
           </a:bodyPr>
-          <a:lstStyle>
-            <a:lvl1pPr>
-              <a:defRPr sz="8000" b="0" i="0">
-                <a:solidFill>
-                  <a:srgbClr val="242424"/>
-                </a:solidFill>
-                <a:latin typeface="Arial"/>
-                <a:cs typeface="Arial"/>
-              </a:defRPr>
-            </a:lvl1pPr>
-          </a:lstStyle>
-          <a:p>
-            <a:endParaRPr/>
+          <a:lstStyle/>
+          <a:p>
+            <a:pPr lvl="0"/>
+            <a:r>
+              <a:rPr lang="en-US" smtClean="0"/>
+              <a:t>Click to edit Master text styles</a:t>
+            </a:r>
+          </a:p>
+          <a:p>
+            <a:pPr lvl="1"/>
+            <a:r>
+              <a:rPr lang="en-US" smtClean="0"/>
+              <a:t>Second level</a:t>
+            </a:r>
+          </a:p>
+          <a:p>
+            <a:pPr lvl="2"/>
+            <a:r>
+              <a:rPr lang="en-US" smtClean="0"/>
+              <a:t>Third level</a:t>
+            </a:r>
+          </a:p>
+          <a:p>
+            <a:pPr lvl="3"/>
+            <a:r>
+              <a:rPr lang="en-US" smtClean="0"/>
+              <a:t>Fourth level</a:t>
+            </a:r>
+          </a:p>
+          <a:p>
+            <a:pPr lvl="4"/>
+            <a:r>
+              <a:rPr lang="en-US" smtClean="0"/>
+              <a:t>Fifth level</a:t>
+            </a:r>
+            <a:endParaRPr lang="en-US" dirty="0"/>
           </a:p>
         </p:txBody>
       </p:sp>
       <p:sp>
         <p:nvSpPr>
-          <p:cNvPr id="4" name="Holder 4"/>
+          <p:cNvPr id="7" name="Rectangle 6"/>
+          <p:cNvSpPr/>
+          <p:nvPr/>
+        </p:nvSpPr>
+        <p:spPr>
+          <a:xfrm>
+            <a:off x="0" y="0"/>
+            <a:ext cx="12192000" cy="365760"/>
+          </a:xfrm>
+          <a:prstGeom prst="rect">
+            <a:avLst/>
+          </a:prstGeom>
+          <a:solidFill>
+            <a:schemeClr val="accent1"/>
+          </a:solidFill>
+          <a:ln>
+            <a:noFill/>
+          </a:ln>
+        </p:spPr>
+        <p:style>
+          <a:lnRef idx="2">
+            <a:schemeClr val="accent1">
+              <a:shade val="50000"/>
+            </a:schemeClr>
+          </a:lnRef>
+          <a:fillRef idx="1">
+            <a:schemeClr val="accent1"/>
+          </a:fillRef>
+          <a:effectRef idx="0">
+            <a:schemeClr val="accent1"/>
+          </a:effectRef>
+          <a:fontRef idx="minor">
+            <a:schemeClr val="lt1"/>
+          </a:fontRef>
+        </p:style>
+        <p:txBody>
+          <a:bodyPr rtlCol="0" anchor="ctr"/>
+          <a:lstStyle/>
+          <a:p>
+            <a:pPr algn="ctr"/>
+            <a:endParaRPr lang="en-US"/>
+          </a:p>
+        </p:txBody>
+      </p:sp>
+      <p:sp>
+        <p:nvSpPr>
+          <p:cNvPr id="4" name="Date Placeholder 3"/>
           <p:cNvSpPr>
             <a:spLocks noGrp="1"/>
           </p:cNvSpPr>
           <p:nvPr>
-            <p:ph type="ftr" sz="quarter" idx="5"/>
+            <p:ph type="dt" sz="half" idx="2"/>
           </p:nvPr>
         </p:nvSpPr>
         <p:spPr>
           <a:xfrm>
-            <a:off x="4145280" y="6377940"/>
-            <a:ext cx="3901440" cy="342900"/>
+            <a:off x="609600" y="18288"/>
+            <a:ext cx="3860800" cy="329184"/>
           </a:xfrm>
           <a:prstGeom prst="rect">
             <a:avLst/>
           </a:prstGeom>
         </p:spPr>
         <p:txBody>
-          <a:bodyPr wrap="square" lIns="0" tIns="0" rIns="0" bIns="0">
-            <a:spAutoFit/>
-          </a:bodyPr>
+          <a:bodyPr vert="horz" lIns="91440" tIns="45720" rIns="91440" bIns="45720" rtlCol="0" anchor="ctr"/>
           <a:lstStyle>
-            <a:lvl1pPr algn="ctr">
-              <a:defRPr>
-                <a:solidFill>
-                  <a:schemeClr val="tx1">
-                    <a:tint val="75000"/>
-                  </a:schemeClr>
+            <a:lvl1pPr algn="l">
+              <a:defRPr sz="1200">
+                <a:solidFill>
+                  <a:srgbClr val="FFFFFF"/>
                 </a:solidFill>
               </a:defRPr>
             </a:lvl1pPr>
           </a:lstStyle>
           <a:p>
-            <a:endParaRPr/>
+            <a:fld id="{1D8BD707-D9CF-40AE-B4C6-C98DA3205C09}" type="datetimeFigureOut">
+              <a:rPr lang="en-US" smtClean="0"/>
+              <a:t>9/15/2021</a:t>
+            </a:fld>
+            <a:endParaRPr lang="en-US"/>
           </a:p>
         </p:txBody>
       </p:sp>
       <p:sp>
         <p:nvSpPr>
-          <p:cNvPr id="5" name="Holder 5"/>
+          <p:cNvPr id="5" name="Footer Placeholder 4"/>
           <p:cNvSpPr>
             <a:spLocks noGrp="1"/>
           </p:cNvSpPr>
           <p:nvPr>
-            <p:ph type="dt" sz="half" idx="6"/>
+            <p:ph type="ftr" sz="quarter" idx="3"/>
           </p:nvPr>
         </p:nvSpPr>
         <p:spPr>
           <a:xfrm>
-            <a:off x="609600" y="6377940"/>
-            <a:ext cx="2804160" cy="342900"/>
+            <a:off x="4572000" y="18288"/>
+            <a:ext cx="5486400" cy="329184"/>
           </a:xfrm>
           <a:prstGeom prst="rect">
             <a:avLst/>
           </a:prstGeom>
         </p:spPr>
         <p:txBody>
-          <a:bodyPr wrap="square" lIns="0" tIns="0" rIns="0" bIns="0">
-            <a:spAutoFit/>
-          </a:bodyPr>
+          <a:bodyPr vert="horz" lIns="91440" tIns="45720" rIns="91440" bIns="45720" rtlCol="0" anchor="ctr"/>
           <a:lstStyle>
-            <a:lvl1pPr algn="l">
-              <a:defRPr>
-                <a:solidFill>
-                  <a:schemeClr val="tx1">
-                    <a:tint val="75000"/>
-                  </a:schemeClr>
+            <a:lvl1pPr algn="ctr">
+              <a:defRPr sz="1200">
+                <a:solidFill>
+                  <a:srgbClr val="FFFFFF"/>
                 </a:solidFill>
               </a:defRPr>
             </a:lvl1pPr>
           </a:lstStyle>
           <a:p>
-            <a:fld id="{1D8BD707-D9CF-40AE-B4C6-C98DA3205C09}" type="datetimeFigureOut">
-              <a:rPr lang="en-US"/>
-              <a:t>8/26/2021</a:t>
-            </a:fld>
             <a:endParaRPr lang="en-US"/>
           </a:p>
         </p:txBody>
       </p:sp>
       <p:sp>
         <p:nvSpPr>
-          <p:cNvPr id="6" name="Holder 6"/>
+          <p:cNvPr id="6" name="Slide Number Placeholder 5"/>
           <p:cNvSpPr>
             <a:spLocks noGrp="1"/>
           </p:cNvSpPr>
           <p:nvPr>
-            <p:ph type="sldNum" sz="quarter" idx="7"/>
+            <p:ph type="sldNum" sz="quarter" idx="4"/>
           </p:nvPr>
         </p:nvSpPr>
         <p:spPr>
           <a:xfrm>
-            <a:off x="10948416" y="6568541"/>
-            <a:ext cx="213359" cy="160020"/>
+            <a:off x="10160000" y="18288"/>
+            <a:ext cx="1422400" cy="329184"/>
           </a:xfrm>
           <a:prstGeom prst="rect">
             <a:avLst/>
           </a:prstGeom>
         </p:spPr>
         <p:txBody>
-          <a:bodyPr wrap="square" lIns="0" tIns="0" rIns="0" bIns="0">
-            <a:spAutoFit/>
-          </a:bodyPr>
+          <a:bodyPr vert="horz" lIns="91440" tIns="45720" rIns="91440" bIns="45720" rtlCol="0" anchor="ctr"/>
           <a:lstStyle>
-            <a:lvl1pPr>
-              <a:defRPr sz="1050" b="0" i="0">
-                <a:solidFill>
-                  <a:schemeClr val="bg1"/>
-                </a:solidFill>
-                <a:latin typeface="Carlito"/>
-                <a:cs typeface="Carlito"/>
+            <a:lvl1pPr algn="l">
+              <a:defRPr sz="1400" b="1">
+                <a:solidFill>
+                  <a:srgbClr val="FFFFFF"/>
+                </a:solidFill>
               </a:defRPr>
             </a:lvl1pPr>
           </a:lstStyle>
@@ -1668,10 +3177,10 @@
               </a:lnSpc>
             </a:pPr>
             <a:fld id="{81D60167-4931-47E6-BA6A-407CBD079E47}" type="slidenum">
-              <a:rPr dirty="0"/>
+              <a:rPr lang="en-US" smtClean="0"/>
               <a:t>‹#›</a:t>
             </a:fld>
-            <a:endParaRPr dirty="0"/>
+            <a:endParaRPr lang="en-US" dirty="0"/>
           </a:p>
         </p:txBody>
       </p:sp>
@@ -1679,16 +3188,29 @@
   </p:cSld>
   <p:clrMap bg1="lt1" tx1="dk1" bg2="lt2" tx2="dk2" accent1="accent1" accent2="accent2" accent3="accent3" accent4="accent4" accent5="accent5" accent6="accent6" hlink="hlink" folHlink="folHlink"/>
   <p:sldLayoutIdLst>
-    <p:sldLayoutId id="2147483661" r:id="rId1"/>
-    <p:sldLayoutId id="2147483662" r:id="rId2"/>
-    <p:sldLayoutId id="2147483663" r:id="rId3"/>
-    <p:sldLayoutId id="2147483664" r:id="rId4"/>
-    <p:sldLayoutId id="2147483665" r:id="rId5"/>
+    <p:sldLayoutId id="2147483727" r:id="rId1"/>
+    <p:sldLayoutId id="2147483728" r:id="rId2"/>
+    <p:sldLayoutId id="2147483729" r:id="rId3"/>
+    <p:sldLayoutId id="2147483730" r:id="rId4"/>
+    <p:sldLayoutId id="2147483731" r:id="rId5"/>
+    <p:sldLayoutId id="2147483732" r:id="rId6"/>
+    <p:sldLayoutId id="2147483733" r:id="rId7"/>
+    <p:sldLayoutId id="2147483734" r:id="rId8"/>
+    <p:sldLayoutId id="2147483735" r:id="rId9"/>
+    <p:sldLayoutId id="2147483736" r:id="rId10"/>
+    <p:sldLayoutId id="2147483737" r:id="rId11"/>
   </p:sldLayoutIdLst>
   <p:txStyles>
     <p:titleStyle>
-      <a:lvl1pPr>
-        <a:defRPr>
+      <a:lvl1pPr algn="l" defTabSz="914400" rtl="0" eaLnBrk="1" latinLnBrk="0" hangingPunct="1">
+        <a:spcBef>
+          <a:spcPct val="0"/>
+        </a:spcBef>
+        <a:buNone/>
+        <a:defRPr sz="4000" kern="1200" spc="-100" baseline="0">
+          <a:solidFill>
+            <a:schemeClr val="tx2"/>
+          </a:solidFill>
           <a:latin typeface="+mj-lt"/>
           <a:ea typeface="+mj-ea"/>
           <a:cs typeface="+mj-cs"/>
@@ -1696,64 +3218,167 @@
       </a:lvl1pPr>
     </p:titleStyle>
     <p:bodyStyle>
-      <a:lvl1pPr marL="0">
-        <a:defRPr>
+      <a:lvl1pPr marL="182880" indent="-182880" algn="l" defTabSz="914400" rtl="0" eaLnBrk="1" latinLnBrk="0" hangingPunct="1">
+        <a:spcBef>
+          <a:spcPct val="20000"/>
+        </a:spcBef>
+        <a:buClr>
+          <a:schemeClr val="accent1"/>
+        </a:buClr>
+        <a:buSzPct val="85000"/>
+        <a:buFont typeface="Arial" pitchFamily="34" charset="0"/>
+        <a:buChar char="•"/>
+        <a:defRPr sz="2400" kern="1200">
+          <a:solidFill>
+            <a:schemeClr val="tx1"/>
+          </a:solidFill>
           <a:latin typeface="+mn-lt"/>
           <a:ea typeface="+mn-ea"/>
           <a:cs typeface="+mn-cs"/>
         </a:defRPr>
       </a:lvl1pPr>
-      <a:lvl2pPr marL="457200">
-        <a:defRPr>
+      <a:lvl2pPr marL="457200" indent="-182880" algn="l" defTabSz="914400" rtl="0" eaLnBrk="1" latinLnBrk="0" hangingPunct="1">
+        <a:spcBef>
+          <a:spcPct val="20000"/>
+        </a:spcBef>
+        <a:buClr>
+          <a:schemeClr val="accent1"/>
+        </a:buClr>
+        <a:buSzPct val="85000"/>
+        <a:buFont typeface="Arial" pitchFamily="34" charset="0"/>
+        <a:buChar char="•"/>
+        <a:defRPr sz="2000" kern="1200">
+          <a:solidFill>
+            <a:schemeClr val="tx1"/>
+          </a:solidFill>
           <a:latin typeface="+mn-lt"/>
           <a:ea typeface="+mn-ea"/>
           <a:cs typeface="+mn-cs"/>
         </a:defRPr>
       </a:lvl2pPr>
-      <a:lvl3pPr marL="914400">
-        <a:defRPr>
+      <a:lvl3pPr marL="731520" indent="-182880" algn="l" defTabSz="914400" rtl="0" eaLnBrk="1" latinLnBrk="0" hangingPunct="1">
+        <a:spcBef>
+          <a:spcPct val="20000"/>
+        </a:spcBef>
+        <a:buClr>
+          <a:schemeClr val="accent1"/>
+        </a:buClr>
+        <a:buSzPct val="90000"/>
+        <a:buFont typeface="Arial" pitchFamily="34" charset="0"/>
+        <a:buChar char="•"/>
+        <a:defRPr sz="1800" kern="1200">
+          <a:solidFill>
+            <a:schemeClr val="tx1"/>
+          </a:solidFill>
           <a:latin typeface="+mn-lt"/>
           <a:ea typeface="+mn-ea"/>
           <a:cs typeface="+mn-cs"/>
         </a:defRPr>
       </a:lvl3pPr>
-      <a:lvl4pPr marL="1371600">
-        <a:defRPr>
+      <a:lvl4pPr marL="1005840" indent="-182880" algn="l" defTabSz="914400" rtl="0" eaLnBrk="1" latinLnBrk="0" hangingPunct="1">
+        <a:spcBef>
+          <a:spcPct val="20000"/>
+        </a:spcBef>
+        <a:buClr>
+          <a:schemeClr val="accent1"/>
+        </a:buClr>
+        <a:buFont typeface="Arial" pitchFamily="34" charset="0"/>
+        <a:buChar char="•"/>
+        <a:defRPr sz="1600" kern="1200">
+          <a:solidFill>
+            <a:schemeClr val="tx1"/>
+          </a:solidFill>
           <a:latin typeface="+mn-lt"/>
           <a:ea typeface="+mn-ea"/>
           <a:cs typeface="+mn-cs"/>
         </a:defRPr>
       </a:lvl4pPr>
-      <a:lvl5pPr marL="1828800">
-        <a:defRPr>
+      <a:lvl5pPr marL="1188720" indent="-137160" algn="l" defTabSz="914400" rtl="0" eaLnBrk="1" latinLnBrk="0" hangingPunct="1">
+        <a:spcBef>
+          <a:spcPct val="20000"/>
+        </a:spcBef>
+        <a:buClr>
+          <a:schemeClr val="accent1"/>
+        </a:buClr>
+        <a:buSzPct val="100000"/>
+        <a:buFont typeface="Arial" pitchFamily="34" charset="0"/>
+        <a:buChar char="•"/>
+        <a:defRPr sz="1400" kern="1200" baseline="0">
+          <a:solidFill>
+            <a:schemeClr val="tx1"/>
+          </a:solidFill>
           <a:latin typeface="+mn-lt"/>
           <a:ea typeface="+mn-ea"/>
           <a:cs typeface="+mn-cs"/>
         </a:defRPr>
       </a:lvl5pPr>
-      <a:lvl6pPr marL="2286000">
-        <a:defRPr>
+      <a:lvl6pPr marL="1371600" indent="-182880" algn="l" defTabSz="914400" rtl="0" eaLnBrk="1" latinLnBrk="0" hangingPunct="1">
+        <a:spcBef>
+          <a:spcPct val="20000"/>
+        </a:spcBef>
+        <a:buClr>
+          <a:schemeClr val="accent1"/>
+        </a:buClr>
+        <a:buFont typeface="Arial" pitchFamily="34" charset="0"/>
+        <a:buChar char="•"/>
+        <a:defRPr sz="1300" kern="1200">
+          <a:solidFill>
+            <a:schemeClr val="tx1"/>
+          </a:solidFill>
           <a:latin typeface="+mn-lt"/>
           <a:ea typeface="+mn-ea"/>
           <a:cs typeface="+mn-cs"/>
         </a:defRPr>
       </a:lvl6pPr>
-      <a:lvl7pPr marL="2743200">
-        <a:defRPr>
+      <a:lvl7pPr marL="1554480" indent="-182880" algn="l" defTabSz="914400" rtl="0" eaLnBrk="1" latinLnBrk="0" hangingPunct="1">
+        <a:spcBef>
+          <a:spcPct val="20000"/>
+        </a:spcBef>
+        <a:buClr>
+          <a:schemeClr val="accent1"/>
+        </a:buClr>
+        <a:buFont typeface="Arial" pitchFamily="34" charset="0"/>
+        <a:buChar char="•"/>
+        <a:defRPr sz="1300" kern="1200">
+          <a:solidFill>
+            <a:schemeClr val="tx1"/>
+          </a:solidFill>
           <a:latin typeface="+mn-lt"/>
           <a:ea typeface="+mn-ea"/>
           <a:cs typeface="+mn-cs"/>
         </a:defRPr>
       </a:lvl7pPr>
-      <a:lvl8pPr marL="3200400">
-        <a:defRPr>
+      <a:lvl8pPr marL="1737360" indent="-182880" algn="l" defTabSz="914400" rtl="0" eaLnBrk="1" latinLnBrk="0" hangingPunct="1">
+        <a:spcBef>
+          <a:spcPct val="20000"/>
+        </a:spcBef>
+        <a:buClr>
+          <a:schemeClr val="accent1"/>
+        </a:buClr>
+        <a:buFont typeface="Arial" pitchFamily="34" charset="0"/>
+        <a:buChar char="•"/>
+        <a:defRPr sz="1300" kern="1200">
+          <a:solidFill>
+            <a:schemeClr val="tx1"/>
+          </a:solidFill>
           <a:latin typeface="+mn-lt"/>
           <a:ea typeface="+mn-ea"/>
           <a:cs typeface="+mn-cs"/>
         </a:defRPr>
       </a:lvl8pPr>
-      <a:lvl9pPr marL="3657600">
-        <a:defRPr>
+      <a:lvl9pPr marL="1920240" indent="-182880" algn="l" defTabSz="914400" rtl="0" eaLnBrk="1" latinLnBrk="0" hangingPunct="1">
+        <a:spcBef>
+          <a:spcPct val="20000"/>
+        </a:spcBef>
+        <a:buClr>
+          <a:schemeClr val="accent1"/>
+        </a:buClr>
+        <a:buFont typeface="Arial" pitchFamily="34" charset="0"/>
+        <a:buChar char="•"/>
+        <a:defRPr sz="1300" kern="1200">
+          <a:solidFill>
+            <a:schemeClr val="tx1"/>
+          </a:solidFill>
           <a:latin typeface="+mn-lt"/>
           <a:ea typeface="+mn-ea"/>
           <a:cs typeface="+mn-cs"/>
@@ -1761,64 +3386,94 @@
       </a:lvl9pPr>
     </p:bodyStyle>
     <p:otherStyle>
-      <a:lvl1pPr marL="0">
-        <a:defRPr>
+      <a:defPPr>
+        <a:defRPr lang="en-US"/>
+      </a:defPPr>
+      <a:lvl1pPr marL="0" algn="l" defTabSz="914400" rtl="0" eaLnBrk="1" latinLnBrk="0" hangingPunct="1">
+        <a:defRPr sz="1800" kern="1200">
+          <a:solidFill>
+            <a:schemeClr val="tx1"/>
+          </a:solidFill>
           <a:latin typeface="+mn-lt"/>
           <a:ea typeface="+mn-ea"/>
           <a:cs typeface="+mn-cs"/>
         </a:defRPr>
       </a:lvl1pPr>
-      <a:lvl2pPr marL="457200">
-        <a:defRPr>
+      <a:lvl2pPr marL="457200" algn="l" defTabSz="914400" rtl="0" eaLnBrk="1" latinLnBrk="0" hangingPunct="1">
+        <a:defRPr sz="1800" kern="1200">
+          <a:solidFill>
+            <a:schemeClr val="tx1"/>
+          </a:solidFill>
           <a:latin typeface="+mn-lt"/>
           <a:ea typeface="+mn-ea"/>
           <a:cs typeface="+mn-cs"/>
         </a:defRPr>
       </a:lvl2pPr>
-      <a:lvl3pPr marL="914400">
-        <a:defRPr>
+      <a:lvl3pPr marL="914400" algn="l" defTabSz="914400" rtl="0" eaLnBrk="1" latinLnBrk="0" hangingPunct="1">
+        <a:defRPr sz="1800" kern="1200">
+          <a:solidFill>
+            <a:schemeClr val="tx1"/>
+          </a:solidFill>
           <a:latin typeface="+mn-lt"/>
           <a:ea typeface="+mn-ea"/>
           <a:cs typeface="+mn-cs"/>
         </a:defRPr>
       </a:lvl3pPr>
-      <a:lvl4pPr marL="1371600">
-        <a:defRPr>
+      <a:lvl4pPr marL="1371600" algn="l" defTabSz="914400" rtl="0" eaLnBrk="1" latinLnBrk="0" hangingPunct="1">
+        <a:defRPr sz="1800" kern="1200">
+          <a:solidFill>
+            <a:schemeClr val="tx1"/>
+          </a:solidFill>
           <a:latin typeface="+mn-lt"/>
           <a:ea typeface="+mn-ea"/>
           <a:cs typeface="+mn-cs"/>
         </a:defRPr>
       </a:lvl4pPr>
-      <a:lvl5pPr marL="1828800">
-        <a:defRPr>
+      <a:lvl5pPr marL="1828800" algn="l" defTabSz="914400" rtl="0" eaLnBrk="1" latinLnBrk="0" hangingPunct="1">
+        <a:defRPr sz="1800" kern="1200">
+          <a:solidFill>
+            <a:schemeClr val="tx1"/>
+          </a:solidFill>
           <a:latin typeface="+mn-lt"/>
           <a:ea typeface="+mn-ea"/>
           <a:cs typeface="+mn-cs"/>
         </a:defRPr>
       </a:lvl5pPr>
-      <a:lvl6pPr marL="2286000">
-        <a:defRPr>
+      <a:lvl6pPr marL="2286000" algn="l" defTabSz="914400" rtl="0" eaLnBrk="1" latinLnBrk="0" hangingPunct="1">
+        <a:defRPr sz="1800" kern="1200">
+          <a:solidFill>
+            <a:schemeClr val="tx1"/>
+          </a:solidFill>
           <a:latin typeface="+mn-lt"/>
           <a:ea typeface="+mn-ea"/>
           <a:cs typeface="+mn-cs"/>
         </a:defRPr>
       </a:lvl6pPr>
-      <a:lvl7pPr marL="2743200">
-        <a:defRPr>
+      <a:lvl7pPr marL="2743200" algn="l" defTabSz="914400" rtl="0" eaLnBrk="1" latinLnBrk="0" hangingPunct="1">
+        <a:defRPr sz="1800" kern="1200">
+          <a:solidFill>
+            <a:schemeClr val="tx1"/>
+          </a:solidFill>
           <a:latin typeface="+mn-lt"/>
           <a:ea typeface="+mn-ea"/>
           <a:cs typeface="+mn-cs"/>
         </a:defRPr>
       </a:lvl7pPr>
-      <a:lvl8pPr marL="3200400">
-        <a:defRPr>
+      <a:lvl8pPr marL="3200400" algn="l" defTabSz="914400" rtl="0" eaLnBrk="1" latinLnBrk="0" hangingPunct="1">
+        <a:defRPr sz="1800" kern="1200">
+          <a:solidFill>
+            <a:schemeClr val="tx1"/>
+          </a:solidFill>
           <a:latin typeface="+mn-lt"/>
           <a:ea typeface="+mn-ea"/>
           <a:cs typeface="+mn-cs"/>
         </a:defRPr>
       </a:lvl8pPr>
-      <a:lvl9pPr marL="3657600">
-        <a:defRPr>
+      <a:lvl9pPr marL="3657600" algn="l" defTabSz="914400" rtl="0" eaLnBrk="1" latinLnBrk="0" hangingPunct="1">
+        <a:defRPr sz="1800" kern="1200">
+          <a:solidFill>
+            <a:schemeClr val="tx1"/>
+          </a:solidFill>
           <a:latin typeface="+mn-lt"/>
           <a:ea typeface="+mn-ea"/>
           <a:cs typeface="+mn-cs"/>
@@ -2010,7 +3665,7 @@
             <a:spLocks noGrp="1"/>
           </p:cNvSpPr>
           <p:nvPr>
-            <p:ph type="body" idx="1"/>
+            <p:ph idx="1"/>
           </p:nvPr>
         </p:nvSpPr>
         <p:spPr>
@@ -2093,7 +3748,7 @@
         <p:spPr>
           <a:xfrm>
             <a:off x="1176019" y="4300220"/>
-            <a:ext cx="5885180" cy="1422825"/>
+            <a:ext cx="5885180" cy="1792157"/>
           </a:xfrm>
           <a:prstGeom prst="rect">
             <a:avLst/>
@@ -2114,14 +3769,44 @@
               </a:spcBef>
             </a:pPr>
             <a:r>
-              <a:rPr lang="en-IN" sz="2400" spc="-175" dirty="0">
+              <a:rPr lang="en-IN" sz="2400" spc="-175" dirty="0" smtClean="0">
                 <a:solidFill>
                   <a:srgbClr val="616E52"/>
                 </a:solidFill>
                 <a:latin typeface="Arial"/>
                 <a:cs typeface="Arial"/>
               </a:rPr>
-              <a:t>Navas Sherif I</a:t>
+              <a:t>Syed </a:t>
+            </a:r>
+            <a:r>
+              <a:rPr lang="en-IN" sz="2400" spc="-175" dirty="0" err="1" smtClean="0">
+                <a:solidFill>
+                  <a:srgbClr val="616E52"/>
+                </a:solidFill>
+                <a:latin typeface="Arial"/>
+                <a:cs typeface="Arial"/>
+              </a:rPr>
+              <a:t>Hamed</a:t>
+            </a:r>
+            <a:r>
+              <a:rPr lang="en-IN" sz="2400" spc="-175" dirty="0" smtClean="0">
+                <a:solidFill>
+                  <a:srgbClr val="616E52"/>
+                </a:solidFill>
+                <a:latin typeface="Arial"/>
+                <a:cs typeface="Arial"/>
+              </a:rPr>
+              <a:t> </a:t>
+            </a:r>
+            <a:r>
+              <a:rPr lang="en-IN" sz="2400" spc="-175" dirty="0" err="1" smtClean="0">
+                <a:solidFill>
+                  <a:srgbClr val="616E52"/>
+                </a:solidFill>
+                <a:latin typeface="Arial"/>
+                <a:cs typeface="Arial"/>
+              </a:rPr>
+              <a:t>Raza</a:t>
             </a:r>
             <a:endParaRPr sz="2400" dirty="0">
               <a:latin typeface="Arial"/>
@@ -2146,9 +3831,20 @@
                 <a:cs typeface="Arial"/>
                 <a:hlinkClick r:id="rId2"/>
               </a:rPr>
-              <a:t>https://github.com/navassherif98</a:t>
-            </a:r>
-            <a:endParaRPr lang="en-IN" sz="2400" spc="70" dirty="0">
+              <a:t>https://</a:t>
+            </a:r>
+            <a:r>
+              <a:rPr lang="en-IN" sz="2400" spc="70" dirty="0" smtClean="0">
+                <a:solidFill>
+                  <a:srgbClr val="616E52"/>
+                </a:solidFill>
+                <a:latin typeface="Arial"/>
+                <a:cs typeface="Arial"/>
+                <a:hlinkClick r:id="rId2"/>
+              </a:rPr>
+              <a:t>github.com/aimlresearcher/IBM-Data-Science-Professional-Certificate</a:t>
+            </a:r>
+            <a:endParaRPr lang="en-IN" sz="2400" spc="70" dirty="0" smtClean="0">
               <a:solidFill>
                 <a:srgbClr val="616E52"/>
               </a:solidFill>
@@ -2166,34 +3862,44 @@
               </a:spcBef>
             </a:pPr>
             <a:r>
-              <a:rPr sz="2400" spc="130" dirty="0">
+              <a:rPr lang="en-US" sz="2400" spc="130" dirty="0" smtClean="0">
                 <a:solidFill>
                   <a:srgbClr val="616E52"/>
                 </a:solidFill>
                 <a:latin typeface="Arial"/>
                 <a:cs typeface="Arial"/>
               </a:rPr>
-              <a:t>2</a:t>
-            </a:r>
-            <a:r>
-              <a:rPr lang="en-IN" sz="2400" spc="130" dirty="0">
+              <a:t>15</a:t>
+            </a:r>
+            <a:r>
+              <a:rPr sz="2400" spc="130" dirty="0" smtClean="0">
                 <a:solidFill>
                   <a:srgbClr val="616E52"/>
                 </a:solidFill>
                 <a:latin typeface="Arial"/>
                 <a:cs typeface="Arial"/>
               </a:rPr>
-              <a:t>2</a:t>
-            </a:r>
-            <a:r>
-              <a:rPr sz="2400" spc="130" dirty="0">
+              <a:t>/0</a:t>
+            </a:r>
+            <a:r>
+              <a:rPr lang="en-US" sz="2400" spc="130" dirty="0" smtClean="0">
                 <a:solidFill>
                   <a:srgbClr val="616E52"/>
                 </a:solidFill>
                 <a:latin typeface="Arial"/>
                 <a:cs typeface="Arial"/>
               </a:rPr>
-              <a:t>/08/2021</a:t>
+              <a:t>9</a:t>
+            </a:r>
+            <a:r>
+              <a:rPr sz="2400" spc="130" dirty="0" smtClean="0">
+                <a:solidFill>
+                  <a:srgbClr val="616E52"/>
+                </a:solidFill>
+                <a:latin typeface="Arial"/>
+                <a:cs typeface="Arial"/>
+              </a:rPr>
+              <a:t>/2021</a:t>
             </a:r>
             <a:endParaRPr sz="2400" dirty="0">
               <a:latin typeface="Arial"/>
@@ -2207,6 +3913,13 @@
   <p:clrMapOvr>
     <a:masterClrMapping/>
   </p:clrMapOvr>
+  <p:timing>
+    <p:tnLst>
+      <p:par>
+        <p:cTn id="1" dur="indefinite" restart="never" nodeType="tmRoot"/>
+      </p:par>
+    </p:tnLst>
+  </p:timing>
 </p:sld>
 </file>
 
@@ -2319,46 +4032,12 @@
       </p:sp>
       <p:sp>
         <p:nvSpPr>
-          <p:cNvPr id="5" name="object 5"/>
-          <p:cNvSpPr txBox="1">
-            <a:spLocks noGrp="1"/>
-          </p:cNvSpPr>
-          <p:nvPr>
-            <p:ph type="sldNum" sz="quarter" idx="7"/>
-          </p:nvPr>
-        </p:nvSpPr>
-        <p:spPr>
-          <a:prstGeom prst="rect">
-            <a:avLst/>
-          </a:prstGeom>
-        </p:spPr>
-        <p:txBody>
-          <a:bodyPr vert="horz" wrap="square" lIns="0" tIns="0" rIns="0" bIns="0" rtlCol="0">
-            <a:spAutoFit/>
-          </a:bodyPr>
-          <a:lstStyle/>
-          <a:p>
-            <a:pPr marL="38100">
-              <a:lnSpc>
-                <a:spcPts val="1100"/>
-              </a:lnSpc>
-            </a:pPr>
-            <a:fld id="{81D60167-4931-47E6-BA6A-407CBD079E47}" type="slidenum">
-              <a:rPr dirty="0"/>
-              <a:t>10</a:t>
-            </a:fld>
-            <a:endParaRPr dirty="0"/>
-          </a:p>
-        </p:txBody>
-      </p:sp>
-      <p:sp>
-        <p:nvSpPr>
           <p:cNvPr id="4" name="object 4"/>
           <p:cNvSpPr txBox="1">
             <a:spLocks noGrp="1"/>
           </p:cNvSpPr>
           <p:nvPr>
-            <p:ph type="body" idx="1"/>
+            <p:ph idx="1"/>
           </p:nvPr>
         </p:nvSpPr>
         <p:spPr>
@@ -3203,11 +4882,52 @@
           </a:p>
         </p:txBody>
       </p:sp>
+      <p:sp>
+        <p:nvSpPr>
+          <p:cNvPr id="5" name="object 5"/>
+          <p:cNvSpPr txBox="1">
+            <a:spLocks noGrp="1"/>
+          </p:cNvSpPr>
+          <p:nvPr>
+            <p:ph type="sldNum" sz="quarter" idx="12"/>
+          </p:nvPr>
+        </p:nvSpPr>
+        <p:spPr>
+          <a:prstGeom prst="rect">
+            <a:avLst/>
+          </a:prstGeom>
+        </p:spPr>
+        <p:txBody>
+          <a:bodyPr vert="horz" wrap="square" lIns="0" tIns="0" rIns="0" bIns="0" rtlCol="0">
+            <a:spAutoFit/>
+          </a:bodyPr>
+          <a:lstStyle/>
+          <a:p>
+            <a:pPr marL="38100">
+              <a:lnSpc>
+                <a:spcPts val="1100"/>
+              </a:lnSpc>
+            </a:pPr>
+            <a:fld id="{81D60167-4931-47E6-BA6A-407CBD079E47}" type="slidenum">
+              <a:rPr dirty="0"/>
+              <a:t>10</a:t>
+            </a:fld>
+            <a:endParaRPr dirty="0"/>
+          </a:p>
+        </p:txBody>
+      </p:sp>
     </p:spTree>
   </p:cSld>
   <p:clrMapOvr>
     <a:masterClrMapping/>
   </p:clrMapOvr>
+  <p:timing>
+    <p:tnLst>
+      <p:par>
+        <p:cTn id="1" dur="indefinite" restart="never" nodeType="tmRoot"/>
+      </p:par>
+    </p:tnLst>
+  </p:timing>
 </p:sld>
 </file>
 
@@ -3333,7 +5053,7 @@
             <a:spLocks noGrp="1"/>
           </p:cNvSpPr>
           <p:nvPr>
-            <p:ph type="sldNum" sz="quarter" idx="7"/>
+            <p:ph type="sldNum" sz="quarter" idx="12"/>
           </p:nvPr>
         </p:nvSpPr>
         <p:spPr>
@@ -4239,6 +5959,13 @@
   <p:clrMapOvr>
     <a:masterClrMapping/>
   </p:clrMapOvr>
+  <p:timing>
+    <p:tnLst>
+      <p:par>
+        <p:cTn id="1" dur="indefinite" restart="never" nodeType="tmRoot"/>
+      </p:par>
+    </p:tnLst>
+  </p:timing>
 </p:sld>
 </file>
 
@@ -4360,7 +6087,7 @@
             <a:spLocks noGrp="1"/>
           </p:cNvSpPr>
           <p:nvPr>
-            <p:ph type="sldNum" sz="quarter" idx="7"/>
+            <p:ph type="sldNum" sz="quarter" idx="12"/>
           </p:nvPr>
         </p:nvSpPr>
         <p:spPr>
@@ -4941,6 +6668,13 @@
   <p:clrMapOvr>
     <a:masterClrMapping/>
   </p:clrMapOvr>
+  <p:timing>
+    <p:tnLst>
+      <p:par>
+        <p:cTn id="1" dur="indefinite" restart="never" nodeType="tmRoot"/>
+      </p:par>
+    </p:tnLst>
+  </p:timing>
 </p:sld>
 </file>
 
@@ -5074,7 +6808,7 @@
             <a:spLocks noGrp="1"/>
           </p:cNvSpPr>
           <p:nvPr>
-            <p:ph type="sldNum" sz="quarter" idx="7"/>
+            <p:ph type="sldNum" sz="quarter" idx="12"/>
           </p:nvPr>
         </p:nvSpPr>
         <p:spPr>
@@ -5575,6 +7309,13 @@
   <p:clrMapOvr>
     <a:masterClrMapping/>
   </p:clrMapOvr>
+  <p:timing>
+    <p:tnLst>
+      <p:par>
+        <p:cTn id="1" dur="indefinite" restart="never" nodeType="tmRoot"/>
+      </p:par>
+    </p:tnLst>
+  </p:timing>
 </p:sld>
 </file>
 
@@ -5708,7 +7449,7 @@
             <a:spLocks noGrp="1"/>
           </p:cNvSpPr>
           <p:nvPr>
-            <p:ph type="sldNum" sz="quarter" idx="7"/>
+            <p:ph type="sldNum" sz="quarter" idx="12"/>
           </p:nvPr>
         </p:nvSpPr>
         <p:spPr>
@@ -6632,6 +8373,13 @@
   <p:clrMapOvr>
     <a:masterClrMapping/>
   </p:clrMapOvr>
+  <p:timing>
+    <p:tnLst>
+      <p:par>
+        <p:cTn id="1" dur="indefinite" restart="never" nodeType="tmRoot"/>
+      </p:par>
+    </p:tnLst>
+  </p:timing>
 </p:sld>
 </file>
 
@@ -6748,6 +8496,40 @@
       </p:sp>
       <p:sp>
         <p:nvSpPr>
+          <p:cNvPr id="54" name="object 54"/>
+          <p:cNvSpPr txBox="1">
+            <a:spLocks noGrp="1"/>
+          </p:cNvSpPr>
+          <p:nvPr>
+            <p:ph type="sldNum" sz="quarter" idx="12"/>
+          </p:nvPr>
+        </p:nvSpPr>
+        <p:spPr>
+          <a:prstGeom prst="rect">
+            <a:avLst/>
+          </a:prstGeom>
+        </p:spPr>
+        <p:txBody>
+          <a:bodyPr vert="horz" wrap="square" lIns="0" tIns="0" rIns="0" bIns="0" rtlCol="0">
+            <a:spAutoFit/>
+          </a:bodyPr>
+          <a:lstStyle/>
+          <a:p>
+            <a:pPr marL="38100">
+              <a:lnSpc>
+                <a:spcPts val="1100"/>
+              </a:lnSpc>
+            </a:pPr>
+            <a:fld id="{81D60167-4931-47E6-BA6A-407CBD079E47}" type="slidenum">
+              <a:rPr dirty="0"/>
+              <a:t>15</a:t>
+            </a:fld>
+            <a:endParaRPr dirty="0"/>
+          </a:p>
+        </p:txBody>
+      </p:sp>
+      <p:sp>
+        <p:nvSpPr>
           <p:cNvPr id="4" name="object 4"/>
           <p:cNvSpPr txBox="1"/>
           <p:nvPr/>
@@ -10189,45 +11971,18 @@
           </a:p>
         </p:txBody>
       </p:sp>
-      <p:sp>
-        <p:nvSpPr>
-          <p:cNvPr id="54" name="object 54"/>
-          <p:cNvSpPr txBox="1">
-            <a:spLocks noGrp="1"/>
-          </p:cNvSpPr>
-          <p:nvPr>
-            <p:ph type="sldNum" sz="quarter" idx="7"/>
-          </p:nvPr>
-        </p:nvSpPr>
-        <p:spPr>
-          <a:prstGeom prst="rect">
-            <a:avLst/>
-          </a:prstGeom>
-        </p:spPr>
-        <p:txBody>
-          <a:bodyPr vert="horz" wrap="square" lIns="0" tIns="0" rIns="0" bIns="0" rtlCol="0">
-            <a:spAutoFit/>
-          </a:bodyPr>
-          <a:lstStyle/>
-          <a:p>
-            <a:pPr marL="38100">
-              <a:lnSpc>
-                <a:spcPts val="1100"/>
-              </a:lnSpc>
-            </a:pPr>
-            <a:fld id="{81D60167-4931-47E6-BA6A-407CBD079E47}" type="slidenum">
-              <a:rPr dirty="0"/>
-              <a:t>15</a:t>
-            </a:fld>
-            <a:endParaRPr dirty="0"/>
-          </a:p>
-        </p:txBody>
-      </p:sp>
     </p:spTree>
   </p:cSld>
   <p:clrMapOvr>
     <a:masterClrMapping/>
   </p:clrMapOvr>
+  <p:timing>
+    <p:tnLst>
+      <p:par>
+        <p:cTn id="1" dur="indefinite" restart="never" nodeType="tmRoot"/>
+      </p:par>
+    </p:tnLst>
+  </p:timing>
 </p:sld>
 </file>
 
@@ -10295,6 +12050,40 @@
       </p:sp>
       <p:sp>
         <p:nvSpPr>
+          <p:cNvPr id="5" name="object 5"/>
+          <p:cNvSpPr txBox="1">
+            <a:spLocks noGrp="1"/>
+          </p:cNvSpPr>
+          <p:nvPr>
+            <p:ph type="sldNum" sz="quarter" idx="12"/>
+          </p:nvPr>
+        </p:nvSpPr>
+        <p:spPr>
+          <a:prstGeom prst="rect">
+            <a:avLst/>
+          </a:prstGeom>
+        </p:spPr>
+        <p:txBody>
+          <a:bodyPr vert="horz" wrap="square" lIns="0" tIns="0" rIns="0" bIns="0" rtlCol="0">
+            <a:spAutoFit/>
+          </a:bodyPr>
+          <a:lstStyle/>
+          <a:p>
+            <a:pPr marL="38100">
+              <a:lnSpc>
+                <a:spcPts val="1100"/>
+              </a:lnSpc>
+            </a:pPr>
+            <a:fld id="{81D60167-4931-47E6-BA6A-407CBD079E47}" type="slidenum">
+              <a:rPr dirty="0"/>
+              <a:t>16</a:t>
+            </a:fld>
+            <a:endParaRPr dirty="0"/>
+          </a:p>
+        </p:txBody>
+      </p:sp>
+      <p:sp>
+        <p:nvSpPr>
           <p:cNvPr id="4" name="object 4"/>
           <p:cNvSpPr txBox="1"/>
           <p:nvPr/>
@@ -10639,46 +12428,12 @@
           </a:p>
         </p:txBody>
       </p:sp>
-      <p:sp>
-        <p:nvSpPr>
-          <p:cNvPr id="5" name="object 5"/>
-          <p:cNvSpPr txBox="1">
-            <a:spLocks noGrp="1"/>
-          </p:cNvSpPr>
-          <p:nvPr>
-            <p:ph type="sldNum" sz="quarter" idx="7"/>
-          </p:nvPr>
-        </p:nvSpPr>
-        <p:spPr>
-          <a:prstGeom prst="rect">
-            <a:avLst/>
-          </a:prstGeom>
-        </p:spPr>
-        <p:txBody>
-          <a:bodyPr vert="horz" wrap="square" lIns="0" tIns="0" rIns="0" bIns="0" rtlCol="0">
-            <a:spAutoFit/>
-          </a:bodyPr>
-          <a:lstStyle/>
-          <a:p>
-            <a:pPr marL="38100">
-              <a:lnSpc>
-                <a:spcPts val="1100"/>
-              </a:lnSpc>
-            </a:pPr>
-            <a:fld id="{81D60167-4931-47E6-BA6A-407CBD079E47}" type="slidenum">
-              <a:rPr dirty="0"/>
-              <a:t>16</a:t>
-            </a:fld>
-            <a:endParaRPr dirty="0"/>
-          </a:p>
-        </p:txBody>
-      </p:sp>
       <p:pic>
         <p:nvPicPr>
           <p:cNvPr id="7" name="Picture 6">
             <a:extLst>
               <a:ext uri="{FF2B5EF4-FFF2-40B4-BE49-F238E27FC236}">
-                <a16:creationId xmlns:a16="http://schemas.microsoft.com/office/drawing/2014/main" id="{ED8F4877-D962-4130-8512-2C5408972FEC}"/>
+                <a16:creationId xmlns:a16="http://schemas.microsoft.com/office/drawing/2014/main" xmlns="" id="{ED8F4877-D962-4130-8512-2C5408972FEC}"/>
               </a:ext>
             </a:extLst>
           </p:cNvPr>
@@ -10714,6 +12469,13 @@
   <p:clrMapOvr>
     <a:masterClrMapping/>
   </p:clrMapOvr>
+  <p:timing>
+    <p:tnLst>
+      <p:par>
+        <p:cTn id="1" dur="indefinite" restart="never" nodeType="tmRoot"/>
+      </p:par>
+    </p:tnLst>
+  </p:timing>
 </p:sld>
 </file>
 
@@ -10867,7 +12629,7 @@
             <a:spLocks noGrp="1"/>
           </p:cNvSpPr>
           <p:nvPr>
-            <p:ph type="sldNum" sz="quarter" idx="7"/>
+            <p:ph type="sldNum" sz="quarter" idx="12"/>
           </p:nvPr>
         </p:nvSpPr>
         <p:spPr>
@@ -11011,6 +12773,13 @@
   <p:clrMapOvr>
     <a:masterClrMapping/>
   </p:clrMapOvr>
+  <p:timing>
+    <p:tnLst>
+      <p:par>
+        <p:cTn id="1" dur="indefinite" restart="never" nodeType="tmRoot"/>
+      </p:par>
+    </p:tnLst>
+  </p:timing>
 </p:sld>
 </file>
 
@@ -11233,6 +13002,40 @@
       </p:sp>
       <p:sp>
         <p:nvSpPr>
+          <p:cNvPr id="9" name="object 9"/>
+          <p:cNvSpPr txBox="1">
+            <a:spLocks noGrp="1"/>
+          </p:cNvSpPr>
+          <p:nvPr>
+            <p:ph type="sldNum" sz="quarter" idx="12"/>
+          </p:nvPr>
+        </p:nvSpPr>
+        <p:spPr>
+          <a:prstGeom prst="rect">
+            <a:avLst/>
+          </a:prstGeom>
+        </p:spPr>
+        <p:txBody>
+          <a:bodyPr vert="horz" wrap="square" lIns="0" tIns="0" rIns="0" bIns="0" rtlCol="0">
+            <a:spAutoFit/>
+          </a:bodyPr>
+          <a:lstStyle/>
+          <a:p>
+            <a:pPr marL="38100">
+              <a:lnSpc>
+                <a:spcPts val="1100"/>
+              </a:lnSpc>
+            </a:pPr>
+            <a:fld id="{81D60167-4931-47E6-BA6A-407CBD079E47}" type="slidenum">
+              <a:rPr dirty="0"/>
+              <a:t>18</a:t>
+            </a:fld>
+            <a:endParaRPr dirty="0"/>
+          </a:p>
+        </p:txBody>
+      </p:sp>
+      <p:sp>
+        <p:nvSpPr>
           <p:cNvPr id="6" name="object 6"/>
           <p:cNvSpPr txBox="1"/>
           <p:nvPr/>
@@ -11704,45 +13507,18 @@
           </a:p>
         </p:txBody>
       </p:sp>
-      <p:sp>
-        <p:nvSpPr>
-          <p:cNvPr id="9" name="object 9"/>
-          <p:cNvSpPr txBox="1">
-            <a:spLocks noGrp="1"/>
-          </p:cNvSpPr>
-          <p:nvPr>
-            <p:ph type="sldNum" sz="quarter" idx="7"/>
-          </p:nvPr>
-        </p:nvSpPr>
-        <p:spPr>
-          <a:prstGeom prst="rect">
-            <a:avLst/>
-          </a:prstGeom>
-        </p:spPr>
-        <p:txBody>
-          <a:bodyPr vert="horz" wrap="square" lIns="0" tIns="0" rIns="0" bIns="0" rtlCol="0">
-            <a:spAutoFit/>
-          </a:bodyPr>
-          <a:lstStyle/>
-          <a:p>
-            <a:pPr marL="38100">
-              <a:lnSpc>
-                <a:spcPts val="1100"/>
-              </a:lnSpc>
-            </a:pPr>
-            <a:fld id="{81D60167-4931-47E6-BA6A-407CBD079E47}" type="slidenum">
-              <a:rPr dirty="0"/>
-              <a:t>18</a:t>
-            </a:fld>
-            <a:endParaRPr dirty="0"/>
-          </a:p>
-        </p:txBody>
-      </p:sp>
     </p:spTree>
   </p:cSld>
   <p:clrMapOvr>
     <a:masterClrMapping/>
   </p:clrMapOvr>
+  <p:timing>
+    <p:tnLst>
+      <p:par>
+        <p:cTn id="1" dur="indefinite" restart="never" nodeType="tmRoot"/>
+      </p:par>
+    </p:tnLst>
+  </p:timing>
 </p:sld>
 </file>
 
@@ -11957,6 +13733,40 @@
       </p:sp>
       <p:sp>
         <p:nvSpPr>
+          <p:cNvPr id="9" name="object 9"/>
+          <p:cNvSpPr txBox="1">
+            <a:spLocks noGrp="1"/>
+          </p:cNvSpPr>
+          <p:nvPr>
+            <p:ph type="sldNum" sz="quarter" idx="12"/>
+          </p:nvPr>
+        </p:nvSpPr>
+        <p:spPr>
+          <a:prstGeom prst="rect">
+            <a:avLst/>
+          </a:prstGeom>
+        </p:spPr>
+        <p:txBody>
+          <a:bodyPr vert="horz" wrap="square" lIns="0" tIns="0" rIns="0" bIns="0" rtlCol="0">
+            <a:spAutoFit/>
+          </a:bodyPr>
+          <a:lstStyle/>
+          <a:p>
+            <a:pPr marL="38100">
+              <a:lnSpc>
+                <a:spcPts val="1100"/>
+              </a:lnSpc>
+            </a:pPr>
+            <a:fld id="{81D60167-4931-47E6-BA6A-407CBD079E47}" type="slidenum">
+              <a:rPr dirty="0"/>
+              <a:t>19</a:t>
+            </a:fld>
+            <a:endParaRPr dirty="0"/>
+          </a:p>
+        </p:txBody>
+      </p:sp>
+      <p:sp>
+        <p:nvSpPr>
           <p:cNvPr id="6" name="object 6"/>
           <p:cNvSpPr txBox="1"/>
           <p:nvPr/>
@@ -12258,45 +14068,18 @@
           </a:p>
         </p:txBody>
       </p:sp>
-      <p:sp>
-        <p:nvSpPr>
-          <p:cNvPr id="9" name="object 9"/>
-          <p:cNvSpPr txBox="1">
-            <a:spLocks noGrp="1"/>
-          </p:cNvSpPr>
-          <p:nvPr>
-            <p:ph type="sldNum" sz="quarter" idx="7"/>
-          </p:nvPr>
-        </p:nvSpPr>
-        <p:spPr>
-          <a:prstGeom prst="rect">
-            <a:avLst/>
-          </a:prstGeom>
-        </p:spPr>
-        <p:txBody>
-          <a:bodyPr vert="horz" wrap="square" lIns="0" tIns="0" rIns="0" bIns="0" rtlCol="0">
-            <a:spAutoFit/>
-          </a:bodyPr>
-          <a:lstStyle/>
-          <a:p>
-            <a:pPr marL="38100">
-              <a:lnSpc>
-                <a:spcPts val="1100"/>
-              </a:lnSpc>
-            </a:pPr>
-            <a:fld id="{81D60167-4931-47E6-BA6A-407CBD079E47}" type="slidenum">
-              <a:rPr dirty="0"/>
-              <a:t>19</a:t>
-            </a:fld>
-            <a:endParaRPr dirty="0"/>
-          </a:p>
-        </p:txBody>
-      </p:sp>
     </p:spTree>
   </p:cSld>
   <p:clrMapOvr>
     <a:masterClrMapping/>
   </p:clrMapOvr>
+  <p:timing>
+    <p:tnLst>
+      <p:par>
+        <p:cTn id="1" dur="indefinite" restart="never" nodeType="tmRoot"/>
+      </p:par>
+    </p:tnLst>
+  </p:timing>
 </p:sld>
 </file>
 
@@ -12771,6 +14554,13 @@
   <p:clrMapOvr>
     <a:masterClrMapping/>
   </p:clrMapOvr>
+  <p:timing>
+    <p:tnLst>
+      <p:par>
+        <p:cTn id="1" dur="indefinite" restart="never" nodeType="tmRoot"/>
+      </p:par>
+    </p:tnLst>
+  </p:timing>
 </p:sld>
 </file>
 
@@ -12993,6 +14783,40 @@
       </p:sp>
       <p:sp>
         <p:nvSpPr>
+          <p:cNvPr id="9" name="object 9"/>
+          <p:cNvSpPr txBox="1">
+            <a:spLocks noGrp="1"/>
+          </p:cNvSpPr>
+          <p:nvPr>
+            <p:ph type="sldNum" sz="quarter" idx="12"/>
+          </p:nvPr>
+        </p:nvSpPr>
+        <p:spPr>
+          <a:prstGeom prst="rect">
+            <a:avLst/>
+          </a:prstGeom>
+        </p:spPr>
+        <p:txBody>
+          <a:bodyPr vert="horz" wrap="square" lIns="0" tIns="0" rIns="0" bIns="0" rtlCol="0">
+            <a:spAutoFit/>
+          </a:bodyPr>
+          <a:lstStyle/>
+          <a:p>
+            <a:pPr marL="38100">
+              <a:lnSpc>
+                <a:spcPts val="1100"/>
+              </a:lnSpc>
+            </a:pPr>
+            <a:fld id="{81D60167-4931-47E6-BA6A-407CBD079E47}" type="slidenum">
+              <a:rPr dirty="0"/>
+              <a:t>20</a:t>
+            </a:fld>
+            <a:endParaRPr dirty="0"/>
+          </a:p>
+        </p:txBody>
+      </p:sp>
+      <p:sp>
+        <p:nvSpPr>
           <p:cNvPr id="6" name="object 6"/>
           <p:cNvSpPr txBox="1"/>
           <p:nvPr/>
@@ -13686,45 +15510,18 @@
           </a:p>
         </p:txBody>
       </p:sp>
-      <p:sp>
-        <p:nvSpPr>
-          <p:cNvPr id="9" name="object 9"/>
-          <p:cNvSpPr txBox="1">
-            <a:spLocks noGrp="1"/>
-          </p:cNvSpPr>
-          <p:nvPr>
-            <p:ph type="sldNum" sz="quarter" idx="7"/>
-          </p:nvPr>
-        </p:nvSpPr>
-        <p:spPr>
-          <a:prstGeom prst="rect">
-            <a:avLst/>
-          </a:prstGeom>
-        </p:spPr>
-        <p:txBody>
-          <a:bodyPr vert="horz" wrap="square" lIns="0" tIns="0" rIns="0" bIns="0" rtlCol="0">
-            <a:spAutoFit/>
-          </a:bodyPr>
-          <a:lstStyle/>
-          <a:p>
-            <a:pPr marL="38100">
-              <a:lnSpc>
-                <a:spcPts val="1100"/>
-              </a:lnSpc>
-            </a:pPr>
-            <a:fld id="{81D60167-4931-47E6-BA6A-407CBD079E47}" type="slidenum">
-              <a:rPr dirty="0"/>
-              <a:t>20</a:t>
-            </a:fld>
-            <a:endParaRPr dirty="0"/>
-          </a:p>
-        </p:txBody>
-      </p:sp>
     </p:spTree>
   </p:cSld>
   <p:clrMapOvr>
     <a:masterClrMapping/>
   </p:clrMapOvr>
+  <p:timing>
+    <p:tnLst>
+      <p:par>
+        <p:cTn id="1" dur="indefinite" restart="never" nodeType="tmRoot"/>
+      </p:par>
+    </p:tnLst>
+  </p:timing>
 </p:sld>
 </file>
 
@@ -13947,6 +15744,40 @@
       </p:sp>
       <p:sp>
         <p:nvSpPr>
+          <p:cNvPr id="9" name="object 9"/>
+          <p:cNvSpPr txBox="1">
+            <a:spLocks noGrp="1"/>
+          </p:cNvSpPr>
+          <p:nvPr>
+            <p:ph type="sldNum" sz="quarter" idx="12"/>
+          </p:nvPr>
+        </p:nvSpPr>
+        <p:spPr>
+          <a:prstGeom prst="rect">
+            <a:avLst/>
+          </a:prstGeom>
+        </p:spPr>
+        <p:txBody>
+          <a:bodyPr vert="horz" wrap="square" lIns="0" tIns="0" rIns="0" bIns="0" rtlCol="0">
+            <a:spAutoFit/>
+          </a:bodyPr>
+          <a:lstStyle/>
+          <a:p>
+            <a:pPr marL="38100">
+              <a:lnSpc>
+                <a:spcPts val="1100"/>
+              </a:lnSpc>
+            </a:pPr>
+            <a:fld id="{81D60167-4931-47E6-BA6A-407CBD079E47}" type="slidenum">
+              <a:rPr dirty="0"/>
+              <a:t>21</a:t>
+            </a:fld>
+            <a:endParaRPr dirty="0"/>
+          </a:p>
+        </p:txBody>
+      </p:sp>
+      <p:sp>
+        <p:nvSpPr>
           <p:cNvPr id="6" name="object 6"/>
           <p:cNvSpPr txBox="1"/>
           <p:nvPr/>
@@ -14492,45 +16323,18 @@
           </a:p>
         </p:txBody>
       </p:sp>
-      <p:sp>
-        <p:nvSpPr>
-          <p:cNvPr id="9" name="object 9"/>
-          <p:cNvSpPr txBox="1">
-            <a:spLocks noGrp="1"/>
-          </p:cNvSpPr>
-          <p:nvPr>
-            <p:ph type="sldNum" sz="quarter" idx="7"/>
-          </p:nvPr>
-        </p:nvSpPr>
-        <p:spPr>
-          <a:prstGeom prst="rect">
-            <a:avLst/>
-          </a:prstGeom>
-        </p:spPr>
-        <p:txBody>
-          <a:bodyPr vert="horz" wrap="square" lIns="0" tIns="0" rIns="0" bIns="0" rtlCol="0">
-            <a:spAutoFit/>
-          </a:bodyPr>
-          <a:lstStyle/>
-          <a:p>
-            <a:pPr marL="38100">
-              <a:lnSpc>
-                <a:spcPts val="1100"/>
-              </a:lnSpc>
-            </a:pPr>
-            <a:fld id="{81D60167-4931-47E6-BA6A-407CBD079E47}" type="slidenum">
-              <a:rPr dirty="0"/>
-              <a:t>21</a:t>
-            </a:fld>
-            <a:endParaRPr dirty="0"/>
-          </a:p>
-        </p:txBody>
-      </p:sp>
     </p:spTree>
   </p:cSld>
   <p:clrMapOvr>
     <a:masterClrMapping/>
   </p:clrMapOvr>
+  <p:timing>
+    <p:tnLst>
+      <p:par>
+        <p:cTn id="1" dur="indefinite" restart="never" nodeType="tmRoot"/>
+      </p:par>
+    </p:tnLst>
+  </p:timing>
 </p:sld>
 </file>
 
@@ -14745,6 +16549,40 @@
       </p:sp>
       <p:sp>
         <p:nvSpPr>
+          <p:cNvPr id="9" name="object 9"/>
+          <p:cNvSpPr txBox="1">
+            <a:spLocks noGrp="1"/>
+          </p:cNvSpPr>
+          <p:nvPr>
+            <p:ph type="sldNum" sz="quarter" idx="12"/>
+          </p:nvPr>
+        </p:nvSpPr>
+        <p:spPr>
+          <a:prstGeom prst="rect">
+            <a:avLst/>
+          </a:prstGeom>
+        </p:spPr>
+        <p:txBody>
+          <a:bodyPr vert="horz" wrap="square" lIns="0" tIns="0" rIns="0" bIns="0" rtlCol="0">
+            <a:spAutoFit/>
+          </a:bodyPr>
+          <a:lstStyle/>
+          <a:p>
+            <a:pPr marL="38100">
+              <a:lnSpc>
+                <a:spcPts val="1100"/>
+              </a:lnSpc>
+            </a:pPr>
+            <a:fld id="{81D60167-4931-47E6-BA6A-407CBD079E47}" type="slidenum">
+              <a:rPr dirty="0"/>
+              <a:t>22</a:t>
+            </a:fld>
+            <a:endParaRPr dirty="0"/>
+          </a:p>
+        </p:txBody>
+      </p:sp>
+      <p:sp>
+        <p:nvSpPr>
           <p:cNvPr id="6" name="object 6"/>
           <p:cNvSpPr txBox="1"/>
           <p:nvPr/>
@@ -15174,45 +17012,18 @@
           </a:p>
         </p:txBody>
       </p:sp>
-      <p:sp>
-        <p:nvSpPr>
-          <p:cNvPr id="9" name="object 9"/>
-          <p:cNvSpPr txBox="1">
-            <a:spLocks noGrp="1"/>
-          </p:cNvSpPr>
-          <p:nvPr>
-            <p:ph type="sldNum" sz="quarter" idx="7"/>
-          </p:nvPr>
-        </p:nvSpPr>
-        <p:spPr>
-          <a:prstGeom prst="rect">
-            <a:avLst/>
-          </a:prstGeom>
-        </p:spPr>
-        <p:txBody>
-          <a:bodyPr vert="horz" wrap="square" lIns="0" tIns="0" rIns="0" bIns="0" rtlCol="0">
-            <a:spAutoFit/>
-          </a:bodyPr>
-          <a:lstStyle/>
-          <a:p>
-            <a:pPr marL="38100">
-              <a:lnSpc>
-                <a:spcPts val="1100"/>
-              </a:lnSpc>
-            </a:pPr>
-            <a:fld id="{81D60167-4931-47E6-BA6A-407CBD079E47}" type="slidenum">
-              <a:rPr dirty="0"/>
-              <a:t>22</a:t>
-            </a:fld>
-            <a:endParaRPr dirty="0"/>
-          </a:p>
-        </p:txBody>
-      </p:sp>
     </p:spTree>
   </p:cSld>
   <p:clrMapOvr>
     <a:masterClrMapping/>
   </p:clrMapOvr>
+  <p:timing>
+    <p:tnLst>
+      <p:par>
+        <p:cTn id="1" dur="indefinite" restart="never" nodeType="tmRoot"/>
+      </p:par>
+    </p:tnLst>
+  </p:timing>
 </p:sld>
 </file>
 
@@ -15427,6 +17238,40 @@
       </p:sp>
       <p:sp>
         <p:nvSpPr>
+          <p:cNvPr id="9" name="object 9"/>
+          <p:cNvSpPr txBox="1">
+            <a:spLocks noGrp="1"/>
+          </p:cNvSpPr>
+          <p:nvPr>
+            <p:ph type="sldNum" sz="quarter" idx="12"/>
+          </p:nvPr>
+        </p:nvSpPr>
+        <p:spPr>
+          <a:prstGeom prst="rect">
+            <a:avLst/>
+          </a:prstGeom>
+        </p:spPr>
+        <p:txBody>
+          <a:bodyPr vert="horz" wrap="square" lIns="0" tIns="0" rIns="0" bIns="0" rtlCol="0">
+            <a:spAutoFit/>
+          </a:bodyPr>
+          <a:lstStyle/>
+          <a:p>
+            <a:pPr marL="38100">
+              <a:lnSpc>
+                <a:spcPts val="1100"/>
+              </a:lnSpc>
+            </a:pPr>
+            <a:fld id="{81D60167-4931-47E6-BA6A-407CBD079E47}" type="slidenum">
+              <a:rPr dirty="0"/>
+              <a:t>23</a:t>
+            </a:fld>
+            <a:endParaRPr dirty="0"/>
+          </a:p>
+        </p:txBody>
+      </p:sp>
+      <p:sp>
+        <p:nvSpPr>
           <p:cNvPr id="6" name="object 6"/>
           <p:cNvSpPr txBox="1"/>
           <p:nvPr/>
@@ -15758,45 +17603,18 @@
           </a:p>
         </p:txBody>
       </p:sp>
-      <p:sp>
-        <p:nvSpPr>
-          <p:cNvPr id="9" name="object 9"/>
-          <p:cNvSpPr txBox="1">
-            <a:spLocks noGrp="1"/>
-          </p:cNvSpPr>
-          <p:nvPr>
-            <p:ph type="sldNum" sz="quarter" idx="7"/>
-          </p:nvPr>
-        </p:nvSpPr>
-        <p:spPr>
-          <a:prstGeom prst="rect">
-            <a:avLst/>
-          </a:prstGeom>
-        </p:spPr>
-        <p:txBody>
-          <a:bodyPr vert="horz" wrap="square" lIns="0" tIns="0" rIns="0" bIns="0" rtlCol="0">
-            <a:spAutoFit/>
-          </a:bodyPr>
-          <a:lstStyle/>
-          <a:p>
-            <a:pPr marL="38100">
-              <a:lnSpc>
-                <a:spcPts val="1100"/>
-              </a:lnSpc>
-            </a:pPr>
-            <a:fld id="{81D60167-4931-47E6-BA6A-407CBD079E47}" type="slidenum">
-              <a:rPr dirty="0"/>
-              <a:t>23</a:t>
-            </a:fld>
-            <a:endParaRPr dirty="0"/>
-          </a:p>
-        </p:txBody>
-      </p:sp>
     </p:spTree>
   </p:cSld>
   <p:clrMapOvr>
     <a:masterClrMapping/>
   </p:clrMapOvr>
+  <p:timing>
+    <p:tnLst>
+      <p:par>
+        <p:cTn id="1" dur="indefinite" restart="never" nodeType="tmRoot"/>
+      </p:par>
+    </p:tnLst>
+  </p:timing>
 </p:sld>
 </file>
 
@@ -15900,7 +17718,7 @@
             <a:spLocks noGrp="1"/>
           </p:cNvSpPr>
           <p:nvPr>
-            <p:ph type="sldNum" sz="quarter" idx="7"/>
+            <p:ph type="sldNum" sz="quarter" idx="12"/>
           </p:nvPr>
         </p:nvSpPr>
         <p:spPr>
@@ -16114,6 +17932,13 @@
   <p:clrMapOvr>
     <a:masterClrMapping/>
   </p:clrMapOvr>
+  <p:timing>
+    <p:tnLst>
+      <p:par>
+        <p:cTn id="1" dur="indefinite" restart="never" nodeType="tmRoot"/>
+      </p:par>
+    </p:tnLst>
+  </p:timing>
 </p:sld>
 </file>
 
@@ -16234,6 +18059,40 @@
       </p:sp>
       <p:sp>
         <p:nvSpPr>
+          <p:cNvPr id="6" name="object 6"/>
+          <p:cNvSpPr txBox="1">
+            <a:spLocks noGrp="1"/>
+          </p:cNvSpPr>
+          <p:nvPr>
+            <p:ph type="sldNum" sz="quarter" idx="12"/>
+          </p:nvPr>
+        </p:nvSpPr>
+        <p:spPr>
+          <a:prstGeom prst="rect">
+            <a:avLst/>
+          </a:prstGeom>
+        </p:spPr>
+        <p:txBody>
+          <a:bodyPr vert="horz" wrap="square" lIns="0" tIns="0" rIns="0" bIns="0" rtlCol="0">
+            <a:spAutoFit/>
+          </a:bodyPr>
+          <a:lstStyle/>
+          <a:p>
+            <a:pPr marL="38100">
+              <a:lnSpc>
+                <a:spcPts val="1100"/>
+              </a:lnSpc>
+            </a:pPr>
+            <a:fld id="{81D60167-4931-47E6-BA6A-407CBD079E47}" type="slidenum">
+              <a:rPr dirty="0"/>
+              <a:t>25</a:t>
+            </a:fld>
+            <a:endParaRPr dirty="0"/>
+          </a:p>
+        </p:txBody>
+      </p:sp>
+      <p:sp>
+        <p:nvSpPr>
           <p:cNvPr id="4" name="object 4"/>
           <p:cNvSpPr txBox="1"/>
           <p:nvPr/>
@@ -16686,45 +18545,18 @@
           </a:p>
         </p:txBody>
       </p:sp>
-      <p:sp>
-        <p:nvSpPr>
-          <p:cNvPr id="6" name="object 6"/>
-          <p:cNvSpPr txBox="1">
-            <a:spLocks noGrp="1"/>
-          </p:cNvSpPr>
-          <p:nvPr>
-            <p:ph type="sldNum" sz="quarter" idx="7"/>
-          </p:nvPr>
-        </p:nvSpPr>
-        <p:spPr>
-          <a:prstGeom prst="rect">
-            <a:avLst/>
-          </a:prstGeom>
-        </p:spPr>
-        <p:txBody>
-          <a:bodyPr vert="horz" wrap="square" lIns="0" tIns="0" rIns="0" bIns="0" rtlCol="0">
-            <a:spAutoFit/>
-          </a:bodyPr>
-          <a:lstStyle/>
-          <a:p>
-            <a:pPr marL="38100">
-              <a:lnSpc>
-                <a:spcPts val="1100"/>
-              </a:lnSpc>
-            </a:pPr>
-            <a:fld id="{81D60167-4931-47E6-BA6A-407CBD079E47}" type="slidenum">
-              <a:rPr dirty="0"/>
-              <a:t>25</a:t>
-            </a:fld>
-            <a:endParaRPr dirty="0"/>
-          </a:p>
-        </p:txBody>
-      </p:sp>
     </p:spTree>
   </p:cSld>
   <p:clrMapOvr>
     <a:masterClrMapping/>
   </p:clrMapOvr>
+  <p:timing>
+    <p:tnLst>
+      <p:par>
+        <p:cTn id="1" dur="indefinite" restart="never" nodeType="tmRoot"/>
+      </p:par>
+    </p:tnLst>
+  </p:timing>
 </p:sld>
 </file>
 
@@ -16853,6 +18685,40 @@
       </p:sp>
       <p:sp>
         <p:nvSpPr>
+          <p:cNvPr id="6" name="object 6"/>
+          <p:cNvSpPr txBox="1">
+            <a:spLocks noGrp="1"/>
+          </p:cNvSpPr>
+          <p:nvPr>
+            <p:ph type="sldNum" sz="quarter" idx="12"/>
+          </p:nvPr>
+        </p:nvSpPr>
+        <p:spPr>
+          <a:prstGeom prst="rect">
+            <a:avLst/>
+          </a:prstGeom>
+        </p:spPr>
+        <p:txBody>
+          <a:bodyPr vert="horz" wrap="square" lIns="0" tIns="0" rIns="0" bIns="0" rtlCol="0">
+            <a:spAutoFit/>
+          </a:bodyPr>
+          <a:lstStyle/>
+          <a:p>
+            <a:pPr marL="38100">
+              <a:lnSpc>
+                <a:spcPts val="1100"/>
+              </a:lnSpc>
+            </a:pPr>
+            <a:fld id="{81D60167-4931-47E6-BA6A-407CBD079E47}" type="slidenum">
+              <a:rPr dirty="0"/>
+              <a:t>26</a:t>
+            </a:fld>
+            <a:endParaRPr dirty="0"/>
+          </a:p>
+        </p:txBody>
+      </p:sp>
+      <p:sp>
+        <p:nvSpPr>
           <p:cNvPr id="4" name="object 4"/>
           <p:cNvSpPr txBox="1"/>
           <p:nvPr/>
@@ -17026,45 +18892,18 @@
           </a:p>
         </p:txBody>
       </p:sp>
-      <p:sp>
-        <p:nvSpPr>
-          <p:cNvPr id="6" name="object 6"/>
-          <p:cNvSpPr txBox="1">
-            <a:spLocks noGrp="1"/>
-          </p:cNvSpPr>
-          <p:nvPr>
-            <p:ph type="sldNum" sz="quarter" idx="7"/>
-          </p:nvPr>
-        </p:nvSpPr>
-        <p:spPr>
-          <a:prstGeom prst="rect">
-            <a:avLst/>
-          </a:prstGeom>
-        </p:spPr>
-        <p:txBody>
-          <a:bodyPr vert="horz" wrap="square" lIns="0" tIns="0" rIns="0" bIns="0" rtlCol="0">
-            <a:spAutoFit/>
-          </a:bodyPr>
-          <a:lstStyle/>
-          <a:p>
-            <a:pPr marL="38100">
-              <a:lnSpc>
-                <a:spcPts val="1100"/>
-              </a:lnSpc>
-            </a:pPr>
-            <a:fld id="{81D60167-4931-47E6-BA6A-407CBD079E47}" type="slidenum">
-              <a:rPr dirty="0"/>
-              <a:t>26</a:t>
-            </a:fld>
-            <a:endParaRPr dirty="0"/>
-          </a:p>
-        </p:txBody>
-      </p:sp>
     </p:spTree>
   </p:cSld>
   <p:clrMapOvr>
     <a:masterClrMapping/>
   </p:clrMapOvr>
+  <p:timing>
+    <p:tnLst>
+      <p:par>
+        <p:cTn id="1" dur="indefinite" restart="never" nodeType="tmRoot"/>
+      </p:par>
+    </p:tnLst>
+  </p:timing>
 </p:sld>
 </file>
 
@@ -17189,6 +19028,40 @@
       </p:sp>
       <p:sp>
         <p:nvSpPr>
+          <p:cNvPr id="6" name="object 6"/>
+          <p:cNvSpPr txBox="1">
+            <a:spLocks noGrp="1"/>
+          </p:cNvSpPr>
+          <p:nvPr>
+            <p:ph type="sldNum" sz="quarter" idx="12"/>
+          </p:nvPr>
+        </p:nvSpPr>
+        <p:spPr>
+          <a:prstGeom prst="rect">
+            <a:avLst/>
+          </a:prstGeom>
+        </p:spPr>
+        <p:txBody>
+          <a:bodyPr vert="horz" wrap="square" lIns="0" tIns="0" rIns="0" bIns="0" rtlCol="0">
+            <a:spAutoFit/>
+          </a:bodyPr>
+          <a:lstStyle/>
+          <a:p>
+            <a:pPr marL="38100">
+              <a:lnSpc>
+                <a:spcPts val="1100"/>
+              </a:lnSpc>
+            </a:pPr>
+            <a:fld id="{81D60167-4931-47E6-BA6A-407CBD079E47}" type="slidenum">
+              <a:rPr dirty="0"/>
+              <a:t>27</a:t>
+            </a:fld>
+            <a:endParaRPr dirty="0"/>
+          </a:p>
+        </p:txBody>
+      </p:sp>
+      <p:sp>
+        <p:nvSpPr>
           <p:cNvPr id="4" name="object 4"/>
           <p:cNvSpPr txBox="1"/>
           <p:nvPr/>
@@ -17566,45 +19439,18 @@
           </a:p>
         </p:txBody>
       </p:sp>
-      <p:sp>
-        <p:nvSpPr>
-          <p:cNvPr id="6" name="object 6"/>
-          <p:cNvSpPr txBox="1">
-            <a:spLocks noGrp="1"/>
-          </p:cNvSpPr>
-          <p:nvPr>
-            <p:ph type="sldNum" sz="quarter" idx="7"/>
-          </p:nvPr>
-        </p:nvSpPr>
-        <p:spPr>
-          <a:prstGeom prst="rect">
-            <a:avLst/>
-          </a:prstGeom>
-        </p:spPr>
-        <p:txBody>
-          <a:bodyPr vert="horz" wrap="square" lIns="0" tIns="0" rIns="0" bIns="0" rtlCol="0">
-            <a:spAutoFit/>
-          </a:bodyPr>
-          <a:lstStyle/>
-          <a:p>
-            <a:pPr marL="38100">
-              <a:lnSpc>
-                <a:spcPts val="1100"/>
-              </a:lnSpc>
-            </a:pPr>
-            <a:fld id="{81D60167-4931-47E6-BA6A-407CBD079E47}" type="slidenum">
-              <a:rPr dirty="0"/>
-              <a:t>27</a:t>
-            </a:fld>
-            <a:endParaRPr dirty="0"/>
-          </a:p>
-        </p:txBody>
-      </p:sp>
     </p:spTree>
   </p:cSld>
   <p:clrMapOvr>
     <a:masterClrMapping/>
   </p:clrMapOvr>
+  <p:timing>
+    <p:tnLst>
+      <p:par>
+        <p:cTn id="1" dur="indefinite" restart="never" nodeType="tmRoot"/>
+      </p:par>
+    </p:tnLst>
+  </p:timing>
 </p:sld>
 </file>
 
@@ -17729,6 +19575,40 @@
       </p:sp>
       <p:sp>
         <p:nvSpPr>
+          <p:cNvPr id="6" name="object 6"/>
+          <p:cNvSpPr txBox="1">
+            <a:spLocks noGrp="1"/>
+          </p:cNvSpPr>
+          <p:nvPr>
+            <p:ph type="sldNum" sz="quarter" idx="12"/>
+          </p:nvPr>
+        </p:nvSpPr>
+        <p:spPr>
+          <a:prstGeom prst="rect">
+            <a:avLst/>
+          </a:prstGeom>
+        </p:spPr>
+        <p:txBody>
+          <a:bodyPr vert="horz" wrap="square" lIns="0" tIns="0" rIns="0" bIns="0" rtlCol="0">
+            <a:spAutoFit/>
+          </a:bodyPr>
+          <a:lstStyle/>
+          <a:p>
+            <a:pPr marL="38100">
+              <a:lnSpc>
+                <a:spcPts val="1100"/>
+              </a:lnSpc>
+            </a:pPr>
+            <a:fld id="{81D60167-4931-47E6-BA6A-407CBD079E47}" type="slidenum">
+              <a:rPr dirty="0"/>
+              <a:t>28</a:t>
+            </a:fld>
+            <a:endParaRPr dirty="0"/>
+          </a:p>
+        </p:txBody>
+      </p:sp>
+      <p:sp>
+        <p:nvSpPr>
           <p:cNvPr id="4" name="object 4"/>
           <p:cNvSpPr txBox="1"/>
           <p:nvPr/>
@@ -18096,45 +19976,18 @@
           </a:p>
         </p:txBody>
       </p:sp>
-      <p:sp>
-        <p:nvSpPr>
-          <p:cNvPr id="6" name="object 6"/>
-          <p:cNvSpPr txBox="1">
-            <a:spLocks noGrp="1"/>
-          </p:cNvSpPr>
-          <p:nvPr>
-            <p:ph type="sldNum" sz="quarter" idx="7"/>
-          </p:nvPr>
-        </p:nvSpPr>
-        <p:spPr>
-          <a:prstGeom prst="rect">
-            <a:avLst/>
-          </a:prstGeom>
-        </p:spPr>
-        <p:txBody>
-          <a:bodyPr vert="horz" wrap="square" lIns="0" tIns="0" rIns="0" bIns="0" rtlCol="0">
-            <a:spAutoFit/>
-          </a:bodyPr>
-          <a:lstStyle/>
-          <a:p>
-            <a:pPr marL="38100">
-              <a:lnSpc>
-                <a:spcPts val="1100"/>
-              </a:lnSpc>
-            </a:pPr>
-            <a:fld id="{81D60167-4931-47E6-BA6A-407CBD079E47}" type="slidenum">
-              <a:rPr dirty="0"/>
-              <a:t>28</a:t>
-            </a:fld>
-            <a:endParaRPr dirty="0"/>
-          </a:p>
-        </p:txBody>
-      </p:sp>
     </p:spTree>
   </p:cSld>
   <p:clrMapOvr>
     <a:masterClrMapping/>
   </p:clrMapOvr>
+  <p:timing>
+    <p:tnLst>
+      <p:par>
+        <p:cTn id="1" dur="indefinite" restart="never" nodeType="tmRoot"/>
+      </p:par>
+    </p:tnLst>
+  </p:timing>
 </p:sld>
 </file>
 
@@ -18263,6 +20116,40 @@
       </p:sp>
       <p:sp>
         <p:nvSpPr>
+          <p:cNvPr id="6" name="object 6"/>
+          <p:cNvSpPr txBox="1">
+            <a:spLocks noGrp="1"/>
+          </p:cNvSpPr>
+          <p:nvPr>
+            <p:ph type="sldNum" sz="quarter" idx="12"/>
+          </p:nvPr>
+        </p:nvSpPr>
+        <p:spPr>
+          <a:prstGeom prst="rect">
+            <a:avLst/>
+          </a:prstGeom>
+        </p:spPr>
+        <p:txBody>
+          <a:bodyPr vert="horz" wrap="square" lIns="0" tIns="0" rIns="0" bIns="0" rtlCol="0">
+            <a:spAutoFit/>
+          </a:bodyPr>
+          <a:lstStyle/>
+          <a:p>
+            <a:pPr marL="38100">
+              <a:lnSpc>
+                <a:spcPts val="1100"/>
+              </a:lnSpc>
+            </a:pPr>
+            <a:fld id="{81D60167-4931-47E6-BA6A-407CBD079E47}" type="slidenum">
+              <a:rPr dirty="0"/>
+              <a:t>29</a:t>
+            </a:fld>
+            <a:endParaRPr dirty="0"/>
+          </a:p>
+        </p:txBody>
+      </p:sp>
+      <p:sp>
+        <p:nvSpPr>
           <p:cNvPr id="4" name="object 4"/>
           <p:cNvSpPr txBox="1"/>
           <p:nvPr/>
@@ -18676,45 +20563,18 @@
           </a:p>
         </p:txBody>
       </p:sp>
-      <p:sp>
-        <p:nvSpPr>
-          <p:cNvPr id="6" name="object 6"/>
-          <p:cNvSpPr txBox="1">
-            <a:spLocks noGrp="1"/>
-          </p:cNvSpPr>
-          <p:nvPr>
-            <p:ph type="sldNum" sz="quarter" idx="7"/>
-          </p:nvPr>
-        </p:nvSpPr>
-        <p:spPr>
-          <a:prstGeom prst="rect">
-            <a:avLst/>
-          </a:prstGeom>
-        </p:spPr>
-        <p:txBody>
-          <a:bodyPr vert="horz" wrap="square" lIns="0" tIns="0" rIns="0" bIns="0" rtlCol="0">
-            <a:spAutoFit/>
-          </a:bodyPr>
-          <a:lstStyle/>
-          <a:p>
-            <a:pPr marL="38100">
-              <a:lnSpc>
-                <a:spcPts val="1100"/>
-              </a:lnSpc>
-            </a:pPr>
-            <a:fld id="{81D60167-4931-47E6-BA6A-407CBD079E47}" type="slidenum">
-              <a:rPr dirty="0"/>
-              <a:t>29</a:t>
-            </a:fld>
-            <a:endParaRPr dirty="0"/>
-          </a:p>
-        </p:txBody>
-      </p:sp>
     </p:spTree>
   </p:cSld>
   <p:clrMapOvr>
     <a:masterClrMapping/>
   </p:clrMapOvr>
+  <p:timing>
+    <p:tnLst>
+      <p:par>
+        <p:cTn id="1" dur="indefinite" restart="never" nodeType="tmRoot"/>
+      </p:par>
+    </p:tnLst>
+  </p:timing>
 </p:sld>
 </file>
 
@@ -19896,6 +21756,13 @@
   <p:clrMapOvr>
     <a:masterClrMapping/>
   </p:clrMapOvr>
+  <p:timing>
+    <p:tnLst>
+      <p:par>
+        <p:cTn id="1" dur="indefinite" restart="never" nodeType="tmRoot"/>
+      </p:par>
+    </p:tnLst>
+  </p:timing>
 </p:sld>
 </file>
 
@@ -20041,6 +21908,40 @@
       </p:sp>
       <p:sp>
         <p:nvSpPr>
+          <p:cNvPr id="6" name="object 6"/>
+          <p:cNvSpPr txBox="1">
+            <a:spLocks noGrp="1"/>
+          </p:cNvSpPr>
+          <p:nvPr>
+            <p:ph type="sldNum" sz="quarter" idx="12"/>
+          </p:nvPr>
+        </p:nvSpPr>
+        <p:spPr>
+          <a:prstGeom prst="rect">
+            <a:avLst/>
+          </a:prstGeom>
+        </p:spPr>
+        <p:txBody>
+          <a:bodyPr vert="horz" wrap="square" lIns="0" tIns="0" rIns="0" bIns="0" rtlCol="0">
+            <a:spAutoFit/>
+          </a:bodyPr>
+          <a:lstStyle/>
+          <a:p>
+            <a:pPr marL="38100">
+              <a:lnSpc>
+                <a:spcPts val="1100"/>
+              </a:lnSpc>
+            </a:pPr>
+            <a:fld id="{81D60167-4931-47E6-BA6A-407CBD079E47}" type="slidenum">
+              <a:rPr dirty="0"/>
+              <a:t>30</a:t>
+            </a:fld>
+            <a:endParaRPr dirty="0"/>
+          </a:p>
+        </p:txBody>
+      </p:sp>
+      <p:sp>
+        <p:nvSpPr>
           <p:cNvPr id="4" name="object 4"/>
           <p:cNvSpPr txBox="1"/>
           <p:nvPr/>
@@ -20254,45 +22155,18 @@
           </a:p>
         </p:txBody>
       </p:sp>
-      <p:sp>
-        <p:nvSpPr>
-          <p:cNvPr id="6" name="object 6"/>
-          <p:cNvSpPr txBox="1">
-            <a:spLocks noGrp="1"/>
-          </p:cNvSpPr>
-          <p:nvPr>
-            <p:ph type="sldNum" sz="quarter" idx="7"/>
-          </p:nvPr>
-        </p:nvSpPr>
-        <p:spPr>
-          <a:prstGeom prst="rect">
-            <a:avLst/>
-          </a:prstGeom>
-        </p:spPr>
-        <p:txBody>
-          <a:bodyPr vert="horz" wrap="square" lIns="0" tIns="0" rIns="0" bIns="0" rtlCol="0">
-            <a:spAutoFit/>
-          </a:bodyPr>
-          <a:lstStyle/>
-          <a:p>
-            <a:pPr marL="38100">
-              <a:lnSpc>
-                <a:spcPts val="1100"/>
-              </a:lnSpc>
-            </a:pPr>
-            <a:fld id="{81D60167-4931-47E6-BA6A-407CBD079E47}" type="slidenum">
-              <a:rPr dirty="0"/>
-              <a:t>30</a:t>
-            </a:fld>
-            <a:endParaRPr dirty="0"/>
-          </a:p>
-        </p:txBody>
-      </p:sp>
     </p:spTree>
   </p:cSld>
   <p:clrMapOvr>
     <a:masterClrMapping/>
   </p:clrMapOvr>
+  <p:timing>
+    <p:tnLst>
+      <p:par>
+        <p:cTn id="1" dur="indefinite" restart="never" nodeType="tmRoot"/>
+      </p:par>
+    </p:tnLst>
+  </p:timing>
 </p:sld>
 </file>
 
@@ -20421,6 +22295,40 @@
       </p:sp>
       <p:sp>
         <p:nvSpPr>
+          <p:cNvPr id="6" name="object 6"/>
+          <p:cNvSpPr txBox="1">
+            <a:spLocks noGrp="1"/>
+          </p:cNvSpPr>
+          <p:nvPr>
+            <p:ph type="sldNum" sz="quarter" idx="12"/>
+          </p:nvPr>
+        </p:nvSpPr>
+        <p:spPr>
+          <a:prstGeom prst="rect">
+            <a:avLst/>
+          </a:prstGeom>
+        </p:spPr>
+        <p:txBody>
+          <a:bodyPr vert="horz" wrap="square" lIns="0" tIns="0" rIns="0" bIns="0" rtlCol="0">
+            <a:spAutoFit/>
+          </a:bodyPr>
+          <a:lstStyle/>
+          <a:p>
+            <a:pPr marL="38100">
+              <a:lnSpc>
+                <a:spcPts val="1100"/>
+              </a:lnSpc>
+            </a:pPr>
+            <a:fld id="{81D60167-4931-47E6-BA6A-407CBD079E47}" type="slidenum">
+              <a:rPr dirty="0"/>
+              <a:t>31</a:t>
+            </a:fld>
+            <a:endParaRPr dirty="0"/>
+          </a:p>
+        </p:txBody>
+      </p:sp>
+      <p:sp>
+        <p:nvSpPr>
           <p:cNvPr id="4" name="object 4"/>
           <p:cNvSpPr txBox="1"/>
           <p:nvPr/>
@@ -21028,45 +22936,18 @@
           </a:p>
         </p:txBody>
       </p:sp>
-      <p:sp>
-        <p:nvSpPr>
-          <p:cNvPr id="6" name="object 6"/>
-          <p:cNvSpPr txBox="1">
-            <a:spLocks noGrp="1"/>
-          </p:cNvSpPr>
-          <p:nvPr>
-            <p:ph type="sldNum" sz="quarter" idx="7"/>
-          </p:nvPr>
-        </p:nvSpPr>
-        <p:spPr>
-          <a:prstGeom prst="rect">
-            <a:avLst/>
-          </a:prstGeom>
-        </p:spPr>
-        <p:txBody>
-          <a:bodyPr vert="horz" wrap="square" lIns="0" tIns="0" rIns="0" bIns="0" rtlCol="0">
-            <a:spAutoFit/>
-          </a:bodyPr>
-          <a:lstStyle/>
-          <a:p>
-            <a:pPr marL="38100">
-              <a:lnSpc>
-                <a:spcPts val="1100"/>
-              </a:lnSpc>
-            </a:pPr>
-            <a:fld id="{81D60167-4931-47E6-BA6A-407CBD079E47}" type="slidenum">
-              <a:rPr dirty="0"/>
-              <a:t>31</a:t>
-            </a:fld>
-            <a:endParaRPr dirty="0"/>
-          </a:p>
-        </p:txBody>
-      </p:sp>
     </p:spTree>
   </p:cSld>
   <p:clrMapOvr>
     <a:masterClrMapping/>
   </p:clrMapOvr>
+  <p:timing>
+    <p:tnLst>
+      <p:par>
+        <p:cTn id="1" dur="indefinite" restart="never" nodeType="tmRoot"/>
+      </p:par>
+    </p:tnLst>
+  </p:timing>
 </p:sld>
 </file>
 
@@ -21225,7 +23106,7 @@
             <a:spLocks noGrp="1"/>
           </p:cNvSpPr>
           <p:nvPr>
-            <p:ph type="sldNum" sz="quarter" idx="7"/>
+            <p:ph type="sldNum" sz="quarter" idx="12"/>
           </p:nvPr>
         </p:nvSpPr>
         <p:spPr>
@@ -21701,6 +23582,13 @@
   <p:clrMapOvr>
     <a:masterClrMapping/>
   </p:clrMapOvr>
+  <p:timing>
+    <p:tnLst>
+      <p:par>
+        <p:cTn id="1" dur="indefinite" restart="never" nodeType="tmRoot"/>
+      </p:par>
+    </p:tnLst>
+  </p:timing>
 </p:sld>
 </file>
 
@@ -21829,6 +23717,40 @@
       </p:sp>
       <p:sp>
         <p:nvSpPr>
+          <p:cNvPr id="6" name="object 6"/>
+          <p:cNvSpPr txBox="1">
+            <a:spLocks noGrp="1"/>
+          </p:cNvSpPr>
+          <p:nvPr>
+            <p:ph type="sldNum" sz="quarter" idx="12"/>
+          </p:nvPr>
+        </p:nvSpPr>
+        <p:spPr>
+          <a:prstGeom prst="rect">
+            <a:avLst/>
+          </a:prstGeom>
+        </p:spPr>
+        <p:txBody>
+          <a:bodyPr vert="horz" wrap="square" lIns="0" tIns="0" rIns="0" bIns="0" rtlCol="0">
+            <a:spAutoFit/>
+          </a:bodyPr>
+          <a:lstStyle/>
+          <a:p>
+            <a:pPr marL="38100">
+              <a:lnSpc>
+                <a:spcPts val="1100"/>
+              </a:lnSpc>
+            </a:pPr>
+            <a:fld id="{81D60167-4931-47E6-BA6A-407CBD079E47}" type="slidenum">
+              <a:rPr dirty="0"/>
+              <a:t>33</a:t>
+            </a:fld>
+            <a:endParaRPr dirty="0"/>
+          </a:p>
+        </p:txBody>
+      </p:sp>
+      <p:sp>
+        <p:nvSpPr>
           <p:cNvPr id="4" name="object 4"/>
           <p:cNvSpPr txBox="1"/>
           <p:nvPr/>
@@ -22216,45 +24138,18 @@
           </a:p>
         </p:txBody>
       </p:sp>
-      <p:sp>
-        <p:nvSpPr>
-          <p:cNvPr id="6" name="object 6"/>
-          <p:cNvSpPr txBox="1">
-            <a:spLocks noGrp="1"/>
-          </p:cNvSpPr>
-          <p:nvPr>
-            <p:ph type="sldNum" sz="quarter" idx="7"/>
-          </p:nvPr>
-        </p:nvSpPr>
-        <p:spPr>
-          <a:prstGeom prst="rect">
-            <a:avLst/>
-          </a:prstGeom>
-        </p:spPr>
-        <p:txBody>
-          <a:bodyPr vert="horz" wrap="square" lIns="0" tIns="0" rIns="0" bIns="0" rtlCol="0">
-            <a:spAutoFit/>
-          </a:bodyPr>
-          <a:lstStyle/>
-          <a:p>
-            <a:pPr marL="38100">
-              <a:lnSpc>
-                <a:spcPts val="1100"/>
-              </a:lnSpc>
-            </a:pPr>
-            <a:fld id="{81D60167-4931-47E6-BA6A-407CBD079E47}" type="slidenum">
-              <a:rPr dirty="0"/>
-              <a:t>33</a:t>
-            </a:fld>
-            <a:endParaRPr dirty="0"/>
-          </a:p>
-        </p:txBody>
-      </p:sp>
     </p:spTree>
   </p:cSld>
   <p:clrMapOvr>
     <a:masterClrMapping/>
   </p:clrMapOvr>
+  <p:timing>
+    <p:tnLst>
+      <p:par>
+        <p:cTn id="1" dur="indefinite" restart="never" nodeType="tmRoot"/>
+      </p:par>
+    </p:tnLst>
+  </p:timing>
 </p:sld>
 </file>
 
@@ -22400,6 +24295,40 @@
       </p:sp>
       <p:sp>
         <p:nvSpPr>
+          <p:cNvPr id="6" name="object 6"/>
+          <p:cNvSpPr txBox="1">
+            <a:spLocks noGrp="1"/>
+          </p:cNvSpPr>
+          <p:nvPr>
+            <p:ph type="sldNum" sz="quarter" idx="12"/>
+          </p:nvPr>
+        </p:nvSpPr>
+        <p:spPr>
+          <a:prstGeom prst="rect">
+            <a:avLst/>
+          </a:prstGeom>
+        </p:spPr>
+        <p:txBody>
+          <a:bodyPr vert="horz" wrap="square" lIns="0" tIns="0" rIns="0" bIns="0" rtlCol="0">
+            <a:spAutoFit/>
+          </a:bodyPr>
+          <a:lstStyle/>
+          <a:p>
+            <a:pPr marL="38100">
+              <a:lnSpc>
+                <a:spcPts val="1100"/>
+              </a:lnSpc>
+            </a:pPr>
+            <a:fld id="{81D60167-4931-47E6-BA6A-407CBD079E47}" type="slidenum">
+              <a:rPr dirty="0"/>
+              <a:t>34</a:t>
+            </a:fld>
+            <a:endParaRPr dirty="0"/>
+          </a:p>
+        </p:txBody>
+      </p:sp>
+      <p:sp>
+        <p:nvSpPr>
           <p:cNvPr id="4" name="object 4"/>
           <p:cNvSpPr txBox="1"/>
           <p:nvPr/>
@@ -22831,45 +24760,18 @@
           </a:p>
         </p:txBody>
       </p:sp>
-      <p:sp>
-        <p:nvSpPr>
-          <p:cNvPr id="6" name="object 6"/>
-          <p:cNvSpPr txBox="1">
-            <a:spLocks noGrp="1"/>
-          </p:cNvSpPr>
-          <p:nvPr>
-            <p:ph type="sldNum" sz="quarter" idx="7"/>
-          </p:nvPr>
-        </p:nvSpPr>
-        <p:spPr>
-          <a:prstGeom prst="rect">
-            <a:avLst/>
-          </a:prstGeom>
-        </p:spPr>
-        <p:txBody>
-          <a:bodyPr vert="horz" wrap="square" lIns="0" tIns="0" rIns="0" bIns="0" rtlCol="0">
-            <a:spAutoFit/>
-          </a:bodyPr>
-          <a:lstStyle/>
-          <a:p>
-            <a:pPr marL="38100">
-              <a:lnSpc>
-                <a:spcPts val="1100"/>
-              </a:lnSpc>
-            </a:pPr>
-            <a:fld id="{81D60167-4931-47E6-BA6A-407CBD079E47}" type="slidenum">
-              <a:rPr dirty="0"/>
-              <a:t>34</a:t>
-            </a:fld>
-            <a:endParaRPr dirty="0"/>
-          </a:p>
-        </p:txBody>
-      </p:sp>
     </p:spTree>
   </p:cSld>
   <p:clrMapOvr>
     <a:masterClrMapping/>
   </p:clrMapOvr>
+  <p:timing>
+    <p:tnLst>
+      <p:par>
+        <p:cTn id="1" dur="indefinite" restart="never" nodeType="tmRoot"/>
+      </p:par>
+    </p:tnLst>
+  </p:timing>
 </p:sld>
 </file>
 
@@ -22974,7 +24876,7 @@
             <a:spLocks noGrp="1"/>
           </p:cNvSpPr>
           <p:nvPr>
-            <p:ph type="sldNum" sz="quarter" idx="7"/>
+            <p:ph type="sldNum" sz="quarter" idx="12"/>
           </p:nvPr>
         </p:nvSpPr>
         <p:spPr>
@@ -23006,6 +24908,13 @@
   <p:clrMapOvr>
     <a:masterClrMapping/>
   </p:clrMapOvr>
+  <p:timing>
+    <p:tnLst>
+      <p:par>
+        <p:cTn id="1" dur="indefinite" restart="never" nodeType="tmRoot"/>
+      </p:par>
+    </p:tnLst>
+  </p:timing>
 </p:sld>
 </file>
 
@@ -23103,6 +25012,40 @@
       </p:sp>
       <p:sp>
         <p:nvSpPr>
+          <p:cNvPr id="5" name="object 5"/>
+          <p:cNvSpPr txBox="1">
+            <a:spLocks noGrp="1"/>
+          </p:cNvSpPr>
+          <p:nvPr>
+            <p:ph type="sldNum" sz="quarter" idx="12"/>
+          </p:nvPr>
+        </p:nvSpPr>
+        <p:spPr>
+          <a:prstGeom prst="rect">
+            <a:avLst/>
+          </a:prstGeom>
+        </p:spPr>
+        <p:txBody>
+          <a:bodyPr vert="horz" wrap="square" lIns="0" tIns="0" rIns="0" bIns="0" rtlCol="0">
+            <a:spAutoFit/>
+          </a:bodyPr>
+          <a:lstStyle/>
+          <a:p>
+            <a:pPr marL="38100">
+              <a:lnSpc>
+                <a:spcPts val="1100"/>
+              </a:lnSpc>
+            </a:pPr>
+            <a:fld id="{81D60167-4931-47E6-BA6A-407CBD079E47}" type="slidenum">
+              <a:rPr dirty="0"/>
+              <a:t>36</a:t>
+            </a:fld>
+            <a:endParaRPr dirty="0"/>
+          </a:p>
+        </p:txBody>
+      </p:sp>
+      <p:sp>
+        <p:nvSpPr>
           <p:cNvPr id="3" name="object 3"/>
           <p:cNvSpPr txBox="1"/>
           <p:nvPr/>
@@ -23456,45 +25399,18 @@
           </a:p>
         </p:txBody>
       </p:sp>
-      <p:sp>
-        <p:nvSpPr>
-          <p:cNvPr id="5" name="object 5"/>
-          <p:cNvSpPr txBox="1">
-            <a:spLocks noGrp="1"/>
-          </p:cNvSpPr>
-          <p:nvPr>
-            <p:ph type="sldNum" sz="quarter" idx="7"/>
-          </p:nvPr>
-        </p:nvSpPr>
-        <p:spPr>
-          <a:prstGeom prst="rect">
-            <a:avLst/>
-          </a:prstGeom>
-        </p:spPr>
-        <p:txBody>
-          <a:bodyPr vert="horz" wrap="square" lIns="0" tIns="0" rIns="0" bIns="0" rtlCol="0">
-            <a:spAutoFit/>
-          </a:bodyPr>
-          <a:lstStyle/>
-          <a:p>
-            <a:pPr marL="38100">
-              <a:lnSpc>
-                <a:spcPts val="1100"/>
-              </a:lnSpc>
-            </a:pPr>
-            <a:fld id="{81D60167-4931-47E6-BA6A-407CBD079E47}" type="slidenum">
-              <a:rPr dirty="0"/>
-              <a:t>36</a:t>
-            </a:fld>
-            <a:endParaRPr dirty="0"/>
-          </a:p>
-        </p:txBody>
-      </p:sp>
     </p:spTree>
   </p:cSld>
   <p:clrMapOvr>
     <a:masterClrMapping/>
   </p:clrMapOvr>
+  <p:timing>
+    <p:tnLst>
+      <p:par>
+        <p:cTn id="1" dur="indefinite" restart="never" nodeType="tmRoot"/>
+      </p:par>
+    </p:tnLst>
+  </p:timing>
 </p:sld>
 </file>
 
@@ -23592,6 +25508,40 @@
       </p:sp>
       <p:sp>
         <p:nvSpPr>
+          <p:cNvPr id="5" name="object 5"/>
+          <p:cNvSpPr txBox="1">
+            <a:spLocks noGrp="1"/>
+          </p:cNvSpPr>
+          <p:nvPr>
+            <p:ph type="sldNum" sz="quarter" idx="12"/>
+          </p:nvPr>
+        </p:nvSpPr>
+        <p:spPr>
+          <a:prstGeom prst="rect">
+            <a:avLst/>
+          </a:prstGeom>
+        </p:spPr>
+        <p:txBody>
+          <a:bodyPr vert="horz" wrap="square" lIns="0" tIns="0" rIns="0" bIns="0" rtlCol="0">
+            <a:spAutoFit/>
+          </a:bodyPr>
+          <a:lstStyle/>
+          <a:p>
+            <a:pPr marL="38100">
+              <a:lnSpc>
+                <a:spcPts val="1100"/>
+              </a:lnSpc>
+            </a:pPr>
+            <a:fld id="{81D60167-4931-47E6-BA6A-407CBD079E47}" type="slidenum">
+              <a:rPr dirty="0"/>
+              <a:t>37</a:t>
+            </a:fld>
+            <a:endParaRPr dirty="0"/>
+          </a:p>
+        </p:txBody>
+      </p:sp>
+      <p:sp>
+        <p:nvSpPr>
           <p:cNvPr id="3" name="object 3"/>
           <p:cNvSpPr txBox="1"/>
           <p:nvPr/>
@@ -23966,45 +25916,18 @@
           </a:p>
         </p:txBody>
       </p:sp>
-      <p:sp>
-        <p:nvSpPr>
-          <p:cNvPr id="5" name="object 5"/>
-          <p:cNvSpPr txBox="1">
-            <a:spLocks noGrp="1"/>
-          </p:cNvSpPr>
-          <p:nvPr>
-            <p:ph type="sldNum" sz="quarter" idx="7"/>
-          </p:nvPr>
-        </p:nvSpPr>
-        <p:spPr>
-          <a:prstGeom prst="rect">
-            <a:avLst/>
-          </a:prstGeom>
-        </p:spPr>
-        <p:txBody>
-          <a:bodyPr vert="horz" wrap="square" lIns="0" tIns="0" rIns="0" bIns="0" rtlCol="0">
-            <a:spAutoFit/>
-          </a:bodyPr>
-          <a:lstStyle/>
-          <a:p>
-            <a:pPr marL="38100">
-              <a:lnSpc>
-                <a:spcPts val="1100"/>
-              </a:lnSpc>
-            </a:pPr>
-            <a:fld id="{81D60167-4931-47E6-BA6A-407CBD079E47}" type="slidenum">
-              <a:rPr dirty="0"/>
-              <a:t>37</a:t>
-            </a:fld>
-            <a:endParaRPr dirty="0"/>
-          </a:p>
-        </p:txBody>
-      </p:sp>
     </p:spTree>
   </p:cSld>
   <p:clrMapOvr>
     <a:masterClrMapping/>
   </p:clrMapOvr>
+  <p:timing>
+    <p:tnLst>
+      <p:par>
+        <p:cTn id="1" dur="indefinite" restart="never" nodeType="tmRoot"/>
+      </p:par>
+    </p:tnLst>
+  </p:timing>
 </p:sld>
 </file>
 
@@ -24097,6 +26020,40 @@
               </a:rPr>
               <a:t>Proximities	</a:t>
             </a:r>
+          </a:p>
+        </p:txBody>
+      </p:sp>
+      <p:sp>
+        <p:nvSpPr>
+          <p:cNvPr id="8" name="object 8"/>
+          <p:cNvSpPr txBox="1">
+            <a:spLocks noGrp="1"/>
+          </p:cNvSpPr>
+          <p:nvPr>
+            <p:ph type="sldNum" sz="quarter" idx="12"/>
+          </p:nvPr>
+        </p:nvSpPr>
+        <p:spPr>
+          <a:prstGeom prst="rect">
+            <a:avLst/>
+          </a:prstGeom>
+        </p:spPr>
+        <p:txBody>
+          <a:bodyPr vert="horz" wrap="square" lIns="0" tIns="0" rIns="0" bIns="0" rtlCol="0">
+            <a:spAutoFit/>
+          </a:bodyPr>
+          <a:lstStyle/>
+          <a:p>
+            <a:pPr marL="38100">
+              <a:lnSpc>
+                <a:spcPts val="1100"/>
+              </a:lnSpc>
+            </a:pPr>
+            <a:fld id="{81D60167-4931-47E6-BA6A-407CBD079E47}" type="slidenum">
+              <a:rPr dirty="0"/>
+              <a:t>38</a:t>
+            </a:fld>
+            <a:endParaRPr dirty="0"/>
           </a:p>
         </p:txBody>
       </p:sp>
@@ -24698,45 +26655,18 @@
           </p:txBody>
         </p:sp>
       </p:grpSp>
-      <p:sp>
-        <p:nvSpPr>
-          <p:cNvPr id="8" name="object 8"/>
-          <p:cNvSpPr txBox="1">
-            <a:spLocks noGrp="1"/>
-          </p:cNvSpPr>
-          <p:nvPr>
-            <p:ph type="sldNum" sz="quarter" idx="7"/>
-          </p:nvPr>
-        </p:nvSpPr>
-        <p:spPr>
-          <a:prstGeom prst="rect">
-            <a:avLst/>
-          </a:prstGeom>
-        </p:spPr>
-        <p:txBody>
-          <a:bodyPr vert="horz" wrap="square" lIns="0" tIns="0" rIns="0" bIns="0" rtlCol="0">
-            <a:spAutoFit/>
-          </a:bodyPr>
-          <a:lstStyle/>
-          <a:p>
-            <a:pPr marL="38100">
-              <a:lnSpc>
-                <a:spcPts val="1100"/>
-              </a:lnSpc>
-            </a:pPr>
-            <a:fld id="{81D60167-4931-47E6-BA6A-407CBD079E47}" type="slidenum">
-              <a:rPr dirty="0"/>
-              <a:t>38</a:t>
-            </a:fld>
-            <a:endParaRPr dirty="0"/>
-          </a:p>
-        </p:txBody>
-      </p:sp>
     </p:spTree>
   </p:cSld>
   <p:clrMapOvr>
     <a:masterClrMapping/>
   </p:clrMapOvr>
+  <p:timing>
+    <p:tnLst>
+      <p:par>
+        <p:cTn id="1" dur="indefinite" restart="never" nodeType="tmRoot"/>
+      </p:par>
+    </p:tnLst>
+  </p:timing>
 </p:sld>
 </file>
 
@@ -24865,7 +26795,7 @@
             <a:spLocks noGrp="1"/>
           </p:cNvSpPr>
           <p:nvPr>
-            <p:ph type="sldNum" sz="quarter" idx="7"/>
+            <p:ph type="sldNum" sz="quarter" idx="12"/>
           </p:nvPr>
         </p:nvSpPr>
         <p:spPr>
@@ -24897,6 +26827,13 @@
   <p:clrMapOvr>
     <a:masterClrMapping/>
   </p:clrMapOvr>
+  <p:timing>
+    <p:tnLst>
+      <p:par>
+        <p:cTn id="1" dur="indefinite" restart="never" nodeType="tmRoot"/>
+      </p:par>
+    </p:tnLst>
+  </p:timing>
 </p:sld>
 </file>
 
@@ -25943,6 +27880,13 @@
   <p:clrMapOvr>
     <a:masterClrMapping/>
   </p:clrMapOvr>
+  <p:timing>
+    <p:tnLst>
+      <p:par>
+        <p:cTn id="1" dur="indefinite" restart="never" nodeType="tmRoot"/>
+      </p:par>
+    </p:tnLst>
+  </p:timing>
 </p:sld>
 </file>
 
@@ -26050,6 +27994,40 @@
       </p:sp>
       <p:sp>
         <p:nvSpPr>
+          <p:cNvPr id="6" name="object 6"/>
+          <p:cNvSpPr txBox="1">
+            <a:spLocks noGrp="1"/>
+          </p:cNvSpPr>
+          <p:nvPr>
+            <p:ph type="sldNum" sz="quarter" idx="12"/>
+          </p:nvPr>
+        </p:nvSpPr>
+        <p:spPr>
+          <a:prstGeom prst="rect">
+            <a:avLst/>
+          </a:prstGeom>
+        </p:spPr>
+        <p:txBody>
+          <a:bodyPr vert="horz" wrap="square" lIns="0" tIns="0" rIns="0" bIns="0" rtlCol="0">
+            <a:spAutoFit/>
+          </a:bodyPr>
+          <a:lstStyle/>
+          <a:p>
+            <a:pPr marL="38100">
+              <a:lnSpc>
+                <a:spcPts val="1100"/>
+              </a:lnSpc>
+            </a:pPr>
+            <a:fld id="{81D60167-4931-47E6-BA6A-407CBD079E47}" type="slidenum">
+              <a:rPr dirty="0"/>
+              <a:t>40</a:t>
+            </a:fld>
+            <a:endParaRPr dirty="0"/>
+          </a:p>
+        </p:txBody>
+      </p:sp>
+      <p:sp>
+        <p:nvSpPr>
           <p:cNvPr id="3" name="object 3"/>
           <p:cNvSpPr txBox="1"/>
           <p:nvPr/>
@@ -26652,45 +28630,18 @@
           </a:p>
         </p:txBody>
       </p:sp>
-      <p:sp>
-        <p:nvSpPr>
-          <p:cNvPr id="6" name="object 6"/>
-          <p:cNvSpPr txBox="1">
-            <a:spLocks noGrp="1"/>
-          </p:cNvSpPr>
-          <p:nvPr>
-            <p:ph type="sldNum" sz="quarter" idx="7"/>
-          </p:nvPr>
-        </p:nvSpPr>
-        <p:spPr>
-          <a:prstGeom prst="rect">
-            <a:avLst/>
-          </a:prstGeom>
-        </p:spPr>
-        <p:txBody>
-          <a:bodyPr vert="horz" wrap="square" lIns="0" tIns="0" rIns="0" bIns="0" rtlCol="0">
-            <a:spAutoFit/>
-          </a:bodyPr>
-          <a:lstStyle/>
-          <a:p>
-            <a:pPr marL="38100">
-              <a:lnSpc>
-                <a:spcPts val="1100"/>
-              </a:lnSpc>
-            </a:pPr>
-            <a:fld id="{81D60167-4931-47E6-BA6A-407CBD079E47}" type="slidenum">
-              <a:rPr dirty="0"/>
-              <a:t>40</a:t>
-            </a:fld>
-            <a:endParaRPr dirty="0"/>
-          </a:p>
-        </p:txBody>
-      </p:sp>
     </p:spTree>
   </p:cSld>
   <p:clrMapOvr>
     <a:masterClrMapping/>
   </p:clrMapOvr>
+  <p:timing>
+    <p:tnLst>
+      <p:par>
+        <p:cTn id="1" dur="indefinite" restart="never" nodeType="tmRoot"/>
+      </p:par>
+    </p:tnLst>
+  </p:timing>
 </p:sld>
 </file>
 
@@ -26808,6 +28759,40 @@
       </p:sp>
       <p:sp>
         <p:nvSpPr>
+          <p:cNvPr id="7" name="object 7"/>
+          <p:cNvSpPr txBox="1">
+            <a:spLocks noGrp="1"/>
+          </p:cNvSpPr>
+          <p:nvPr>
+            <p:ph type="sldNum" sz="quarter" idx="12"/>
+          </p:nvPr>
+        </p:nvSpPr>
+        <p:spPr>
+          <a:prstGeom prst="rect">
+            <a:avLst/>
+          </a:prstGeom>
+        </p:spPr>
+        <p:txBody>
+          <a:bodyPr vert="horz" wrap="square" lIns="0" tIns="0" rIns="0" bIns="0" rtlCol="0">
+            <a:spAutoFit/>
+          </a:bodyPr>
+          <a:lstStyle/>
+          <a:p>
+            <a:pPr marL="38100">
+              <a:lnSpc>
+                <a:spcPts val="1100"/>
+              </a:lnSpc>
+            </a:pPr>
+            <a:fld id="{81D60167-4931-47E6-BA6A-407CBD079E47}" type="slidenum">
+              <a:rPr dirty="0"/>
+              <a:t>41</a:t>
+            </a:fld>
+            <a:endParaRPr dirty="0"/>
+          </a:p>
+        </p:txBody>
+      </p:sp>
+      <p:sp>
+        <p:nvSpPr>
           <p:cNvPr id="3" name="object 3"/>
           <p:cNvSpPr txBox="1"/>
           <p:nvPr/>
@@ -27049,45 +29034,18 @@
           </a:p>
         </p:txBody>
       </p:sp>
-      <p:sp>
-        <p:nvSpPr>
-          <p:cNvPr id="7" name="object 7"/>
-          <p:cNvSpPr txBox="1">
-            <a:spLocks noGrp="1"/>
-          </p:cNvSpPr>
-          <p:nvPr>
-            <p:ph type="sldNum" sz="quarter" idx="7"/>
-          </p:nvPr>
-        </p:nvSpPr>
-        <p:spPr>
-          <a:prstGeom prst="rect">
-            <a:avLst/>
-          </a:prstGeom>
-        </p:spPr>
-        <p:txBody>
-          <a:bodyPr vert="horz" wrap="square" lIns="0" tIns="0" rIns="0" bIns="0" rtlCol="0">
-            <a:spAutoFit/>
-          </a:bodyPr>
-          <a:lstStyle/>
-          <a:p>
-            <a:pPr marL="38100">
-              <a:lnSpc>
-                <a:spcPts val="1100"/>
-              </a:lnSpc>
-            </a:pPr>
-            <a:fld id="{81D60167-4931-47E6-BA6A-407CBD079E47}" type="slidenum">
-              <a:rPr dirty="0"/>
-              <a:t>41</a:t>
-            </a:fld>
-            <a:endParaRPr dirty="0"/>
-          </a:p>
-        </p:txBody>
-      </p:sp>
     </p:spTree>
   </p:cSld>
   <p:clrMapOvr>
     <a:masterClrMapping/>
   </p:clrMapOvr>
+  <p:timing>
+    <p:tnLst>
+      <p:par>
+        <p:cTn id="1" dur="indefinite" restart="never" nodeType="tmRoot"/>
+      </p:par>
+    </p:tnLst>
+  </p:timing>
 </p:sld>
 </file>
 
@@ -27199,6 +29157,40 @@
       </p:sp>
       <p:sp>
         <p:nvSpPr>
+          <p:cNvPr id="5" name="object 5"/>
+          <p:cNvSpPr txBox="1">
+            <a:spLocks noGrp="1"/>
+          </p:cNvSpPr>
+          <p:nvPr>
+            <p:ph type="sldNum" sz="quarter" idx="12"/>
+          </p:nvPr>
+        </p:nvSpPr>
+        <p:spPr>
+          <a:prstGeom prst="rect">
+            <a:avLst/>
+          </a:prstGeom>
+        </p:spPr>
+        <p:txBody>
+          <a:bodyPr vert="horz" wrap="square" lIns="0" tIns="0" rIns="0" bIns="0" rtlCol="0">
+            <a:spAutoFit/>
+          </a:bodyPr>
+          <a:lstStyle/>
+          <a:p>
+            <a:pPr marL="38100">
+              <a:lnSpc>
+                <a:spcPts val="1100"/>
+              </a:lnSpc>
+            </a:pPr>
+            <a:fld id="{81D60167-4931-47E6-BA6A-407CBD079E47}" type="slidenum">
+              <a:rPr dirty="0"/>
+              <a:t>42</a:t>
+            </a:fld>
+            <a:endParaRPr dirty="0"/>
+          </a:p>
+        </p:txBody>
+      </p:sp>
+      <p:sp>
+        <p:nvSpPr>
           <p:cNvPr id="3" name="object 3"/>
           <p:cNvSpPr txBox="1"/>
           <p:nvPr/>
@@ -27792,45 +29784,18 @@
           </a:p>
         </p:txBody>
       </p:sp>
-      <p:sp>
-        <p:nvSpPr>
-          <p:cNvPr id="5" name="object 5"/>
-          <p:cNvSpPr txBox="1">
-            <a:spLocks noGrp="1"/>
-          </p:cNvSpPr>
-          <p:nvPr>
-            <p:ph type="sldNum" sz="quarter" idx="7"/>
-          </p:nvPr>
-        </p:nvSpPr>
-        <p:spPr>
-          <a:prstGeom prst="rect">
-            <a:avLst/>
-          </a:prstGeom>
-        </p:spPr>
-        <p:txBody>
-          <a:bodyPr vert="horz" wrap="square" lIns="0" tIns="0" rIns="0" bIns="0" rtlCol="0">
-            <a:spAutoFit/>
-          </a:bodyPr>
-          <a:lstStyle/>
-          <a:p>
-            <a:pPr marL="38100">
-              <a:lnSpc>
-                <a:spcPts val="1100"/>
-              </a:lnSpc>
-            </a:pPr>
-            <a:fld id="{81D60167-4931-47E6-BA6A-407CBD079E47}" type="slidenum">
-              <a:rPr dirty="0"/>
-              <a:t>42</a:t>
-            </a:fld>
-            <a:endParaRPr dirty="0"/>
-          </a:p>
-        </p:txBody>
-      </p:sp>
     </p:spTree>
   </p:cSld>
   <p:clrMapOvr>
     <a:masterClrMapping/>
   </p:clrMapOvr>
+  <p:timing>
+    <p:tnLst>
+      <p:par>
+        <p:cTn id="1" dur="indefinite" restart="never" nodeType="tmRoot"/>
+      </p:par>
+    </p:tnLst>
+  </p:timing>
 </p:sld>
 </file>
 
@@ -28015,10 +29980,14 @@
             <a:spLocks noGrp="1"/>
           </p:cNvSpPr>
           <p:nvPr>
-            <p:ph type="body" idx="1"/>
+            <p:ph idx="1"/>
           </p:nvPr>
         </p:nvSpPr>
         <p:spPr>
+          <a:xfrm>
+            <a:off x="609600" y="1600200"/>
+            <a:ext cx="10972800" cy="2588852"/>
+          </a:xfrm>
           <a:prstGeom prst="rect">
             <a:avLst/>
           </a:prstGeom>
@@ -28046,8 +30015,23 @@
               <a:t> </a:t>
             </a:r>
             <a:r>
-              <a:rPr spc="-570" dirty="0"/>
-              <a:t>Analysis  </a:t>
+              <a:rPr spc="-570" dirty="0" smtClean="0"/>
+              <a:t>Analysis</a:t>
+            </a:r>
+            <a:endParaRPr lang="en-US" spc="-570" dirty="0" smtClean="0"/>
+          </a:p>
+          <a:p>
+            <a:pPr marL="16510" marR="5080">
+              <a:lnSpc>
+                <a:spcPts val="8200"/>
+              </a:lnSpc>
+              <a:spcBef>
+                <a:spcPts val="1540"/>
+              </a:spcBef>
+            </a:pPr>
+            <a:r>
+              <a:rPr spc="-570" dirty="0" smtClean="0"/>
+              <a:t>  </a:t>
             </a:r>
             <a:r>
               <a:rPr spc="-425" dirty="0"/>
@@ -28063,7 +30047,7 @@
             <a:spLocks noGrp="1"/>
           </p:cNvSpPr>
           <p:nvPr>
-            <p:ph type="sldNum" sz="quarter" idx="7"/>
+            <p:ph type="sldNum" sz="quarter" idx="12"/>
           </p:nvPr>
         </p:nvSpPr>
         <p:spPr>
@@ -28243,6 +30227,13 @@
   <p:clrMapOvr>
     <a:masterClrMapping/>
   </p:clrMapOvr>
+  <p:timing>
+    <p:tnLst>
+      <p:par>
+        <p:cTn id="1" dur="indefinite" restart="never" nodeType="tmRoot"/>
+      </p:par>
+    </p:tnLst>
+  </p:timing>
 </p:sld>
 </file>
 
@@ -28441,6 +30432,40 @@
       </p:sp>
       <p:sp>
         <p:nvSpPr>
+          <p:cNvPr id="8" name="object 8"/>
+          <p:cNvSpPr txBox="1">
+            <a:spLocks noGrp="1"/>
+          </p:cNvSpPr>
+          <p:nvPr>
+            <p:ph type="sldNum" sz="quarter" idx="12"/>
+          </p:nvPr>
+        </p:nvSpPr>
+        <p:spPr>
+          <a:prstGeom prst="rect">
+            <a:avLst/>
+          </a:prstGeom>
+        </p:spPr>
+        <p:txBody>
+          <a:bodyPr vert="horz" wrap="square" lIns="0" tIns="0" rIns="0" bIns="0" rtlCol="0">
+            <a:spAutoFit/>
+          </a:bodyPr>
+          <a:lstStyle/>
+          <a:p>
+            <a:pPr marL="38100">
+              <a:lnSpc>
+                <a:spcPts val="1100"/>
+              </a:lnSpc>
+            </a:pPr>
+            <a:fld id="{81D60167-4931-47E6-BA6A-407CBD079E47}" type="slidenum">
+              <a:rPr dirty="0"/>
+              <a:t>44</a:t>
+            </a:fld>
+            <a:endParaRPr dirty="0"/>
+          </a:p>
+        </p:txBody>
+      </p:sp>
+      <p:sp>
+        <p:nvSpPr>
           <p:cNvPr id="6" name="object 6"/>
           <p:cNvSpPr txBox="1"/>
           <p:nvPr/>
@@ -28982,45 +31007,18 @@
           </a:p>
         </p:txBody>
       </p:sp>
-      <p:sp>
-        <p:nvSpPr>
-          <p:cNvPr id="8" name="object 8"/>
-          <p:cNvSpPr txBox="1">
-            <a:spLocks noGrp="1"/>
-          </p:cNvSpPr>
-          <p:nvPr>
-            <p:ph type="sldNum" sz="quarter" idx="7"/>
-          </p:nvPr>
-        </p:nvSpPr>
-        <p:spPr>
-          <a:prstGeom prst="rect">
-            <a:avLst/>
-          </a:prstGeom>
-        </p:spPr>
-        <p:txBody>
-          <a:bodyPr vert="horz" wrap="square" lIns="0" tIns="0" rIns="0" bIns="0" rtlCol="0">
-            <a:spAutoFit/>
-          </a:bodyPr>
-          <a:lstStyle/>
-          <a:p>
-            <a:pPr marL="38100">
-              <a:lnSpc>
-                <a:spcPts val="1100"/>
-              </a:lnSpc>
-            </a:pPr>
-            <a:fld id="{81D60167-4931-47E6-BA6A-407CBD079E47}" type="slidenum">
-              <a:rPr dirty="0"/>
-              <a:t>44</a:t>
-            </a:fld>
-            <a:endParaRPr dirty="0"/>
-          </a:p>
-        </p:txBody>
-      </p:sp>
     </p:spTree>
   </p:cSld>
   <p:clrMapOvr>
     <a:masterClrMapping/>
   </p:clrMapOvr>
+  <p:timing>
+    <p:tnLst>
+      <p:par>
+        <p:cTn id="1" dur="indefinite" restart="never" nodeType="tmRoot"/>
+      </p:par>
+    </p:tnLst>
+  </p:timing>
 </p:sld>
 </file>
 
@@ -29219,6 +31217,40 @@
       </p:sp>
       <p:sp>
         <p:nvSpPr>
+          <p:cNvPr id="9" name="object 9"/>
+          <p:cNvSpPr txBox="1">
+            <a:spLocks noGrp="1"/>
+          </p:cNvSpPr>
+          <p:nvPr>
+            <p:ph type="sldNum" sz="quarter" idx="12"/>
+          </p:nvPr>
+        </p:nvSpPr>
+        <p:spPr>
+          <a:prstGeom prst="rect">
+            <a:avLst/>
+          </a:prstGeom>
+        </p:spPr>
+        <p:txBody>
+          <a:bodyPr vert="horz" wrap="square" lIns="0" tIns="0" rIns="0" bIns="0" rtlCol="0">
+            <a:spAutoFit/>
+          </a:bodyPr>
+          <a:lstStyle/>
+          <a:p>
+            <a:pPr marL="38100">
+              <a:lnSpc>
+                <a:spcPts val="1100"/>
+              </a:lnSpc>
+            </a:pPr>
+            <a:fld id="{81D60167-4931-47E6-BA6A-407CBD079E47}" type="slidenum">
+              <a:rPr dirty="0"/>
+              <a:t>45</a:t>
+            </a:fld>
+            <a:endParaRPr dirty="0"/>
+          </a:p>
+        </p:txBody>
+      </p:sp>
+      <p:sp>
+        <p:nvSpPr>
           <p:cNvPr id="6" name="object 6"/>
           <p:cNvSpPr txBox="1"/>
           <p:nvPr/>
@@ -29943,45 +31975,18 @@
           </a:p>
         </p:txBody>
       </p:sp>
-      <p:sp>
-        <p:nvSpPr>
-          <p:cNvPr id="9" name="object 9"/>
-          <p:cNvSpPr txBox="1">
-            <a:spLocks noGrp="1"/>
-          </p:cNvSpPr>
-          <p:nvPr>
-            <p:ph type="sldNum" sz="quarter" idx="7"/>
-          </p:nvPr>
-        </p:nvSpPr>
-        <p:spPr>
-          <a:prstGeom prst="rect">
-            <a:avLst/>
-          </a:prstGeom>
-        </p:spPr>
-        <p:txBody>
-          <a:bodyPr vert="horz" wrap="square" lIns="0" tIns="0" rIns="0" bIns="0" rtlCol="0">
-            <a:spAutoFit/>
-          </a:bodyPr>
-          <a:lstStyle/>
-          <a:p>
-            <a:pPr marL="38100">
-              <a:lnSpc>
-                <a:spcPts val="1100"/>
-              </a:lnSpc>
-            </a:pPr>
-            <a:fld id="{81D60167-4931-47E6-BA6A-407CBD079E47}" type="slidenum">
-              <a:rPr dirty="0"/>
-              <a:t>45</a:t>
-            </a:fld>
-            <a:endParaRPr dirty="0"/>
-          </a:p>
-        </p:txBody>
-      </p:sp>
     </p:spTree>
   </p:cSld>
   <p:clrMapOvr>
     <a:masterClrMapping/>
   </p:clrMapOvr>
+  <p:timing>
+    <p:tnLst>
+      <p:par>
+        <p:cTn id="1" dur="indefinite" restart="never" nodeType="tmRoot"/>
+      </p:par>
+    </p:tnLst>
+  </p:timing>
 </p:sld>
 </file>
 
@@ -30091,7 +32096,7 @@
             <a:spLocks noGrp="1"/>
           </p:cNvSpPr>
           <p:nvPr>
-            <p:ph type="sldNum" sz="quarter" idx="7"/>
+            <p:ph type="sldNum" sz="quarter" idx="12"/>
           </p:nvPr>
         </p:nvSpPr>
         <p:spPr>
@@ -31303,6 +33308,13 @@
   <p:clrMapOvr>
     <a:masterClrMapping/>
   </p:clrMapOvr>
+  <p:timing>
+    <p:tnLst>
+      <p:par>
+        <p:cTn id="1" dur="indefinite" restart="never" nodeType="tmRoot"/>
+      </p:par>
+    </p:tnLst>
+  </p:timing>
 </p:sld>
 </file>
 
@@ -31412,7 +33424,7 @@
             <a:spLocks noGrp="1"/>
           </p:cNvSpPr>
           <p:nvPr>
-            <p:ph type="sldNum" sz="quarter" idx="7"/>
+            <p:ph type="sldNum" sz="quarter" idx="12"/>
           </p:nvPr>
         </p:nvSpPr>
         <p:spPr>
@@ -32020,6 +34032,13 @@
   <p:clrMapOvr>
     <a:masterClrMapping/>
   </p:clrMapOvr>
+  <p:timing>
+    <p:tnLst>
+      <p:par>
+        <p:cTn id="1" dur="indefinite" restart="never" nodeType="tmRoot"/>
+      </p:par>
+    </p:tnLst>
+  </p:timing>
 </p:sld>
 </file>
 
@@ -32835,6 +34854,13 @@
   <p:clrMapOvr>
     <a:masterClrMapping/>
   </p:clrMapOvr>
+  <p:timing>
+    <p:tnLst>
+      <p:par>
+        <p:cTn id="1" dur="indefinite" restart="never" nodeType="tmRoot"/>
+      </p:par>
+    </p:tnLst>
+  </p:timing>
 </p:sld>
 </file>
 
@@ -33111,6 +35137,13 @@
   <p:clrMapOvr>
     <a:masterClrMapping/>
   </p:clrMapOvr>
+  <p:timing>
+    <p:tnLst>
+      <p:par>
+        <p:cTn id="1" dur="indefinite" restart="never" nodeType="tmRoot"/>
+      </p:par>
+    </p:tnLst>
+  </p:timing>
 </p:sld>
 </file>
 
@@ -34250,6 +36283,13 @@
   <p:clrMapOvr>
     <a:masterClrMapping/>
   </p:clrMapOvr>
+  <p:timing>
+    <p:tnLst>
+      <p:par>
+        <p:cTn id="1" dur="indefinite" restart="never" nodeType="tmRoot"/>
+      </p:par>
+    </p:tnLst>
+  </p:timing>
 </p:sld>
 </file>
 
@@ -36401,6 +38441,13 @@
   <p:clrMapOvr>
     <a:masterClrMapping/>
   </p:clrMapOvr>
+  <p:timing>
+    <p:tnLst>
+      <p:par>
+        <p:cTn id="1" dur="indefinite" restart="never" nodeType="tmRoot"/>
+      </p:par>
+    </p:tnLst>
+  </p:timing>
 </p:sld>
 </file>
 
@@ -38241,42 +40288,49 @@
   <p:clrMapOvr>
     <a:masterClrMapping/>
   </p:clrMapOvr>
+  <p:timing>
+    <p:tnLst>
+      <p:par>
+        <p:cTn id="1" dur="indefinite" restart="never" nodeType="tmRoot"/>
+      </p:par>
+    </p:tnLst>
+  </p:timing>
 </p:sld>
 </file>
 
 <file path=ppt/theme/theme1.xml><?xml version="1.0" encoding="utf-8"?>
-<a:theme xmlns:a="http://schemas.openxmlformats.org/drawingml/2006/main" name="Office Theme">
+<a:theme xmlns:a="http://schemas.openxmlformats.org/drawingml/2006/main" name="Clarity">
   <a:themeElements>
-    <a:clrScheme name="Office">
+    <a:clrScheme name="Clarity">
       <a:dk1>
-        <a:sysClr val="windowText" lastClr="000000"/>
+        <a:srgbClr val="292934"/>
       </a:dk1>
       <a:lt1>
-        <a:sysClr val="window" lastClr="FFFFFF"/>
+        <a:srgbClr val="FFFFFF"/>
       </a:lt1>
       <a:dk2>
-        <a:srgbClr val="1F497D"/>
+        <a:srgbClr val="D2533C"/>
       </a:dk2>
       <a:lt2>
-        <a:srgbClr val="EEECE1"/>
+        <a:srgbClr val="F3F2DC"/>
       </a:lt2>
       <a:accent1>
-        <a:srgbClr val="4F81BD"/>
+        <a:srgbClr val="93A299"/>
       </a:accent1>
       <a:accent2>
-        <a:srgbClr val="C0504D"/>
+        <a:srgbClr val="AD8F67"/>
       </a:accent2>
       <a:accent3>
-        <a:srgbClr val="9BBB59"/>
+        <a:srgbClr val="726056"/>
       </a:accent3>
       <a:accent4>
-        <a:srgbClr val="8064A2"/>
+        <a:srgbClr val="4C5A6A"/>
       </a:accent4>
       <a:accent5>
-        <a:srgbClr val="4BACC6"/>
+        <a:srgbClr val="808DA0"/>
       </a:accent5>
       <a:accent6>
-        <a:srgbClr val="F79646"/>
+        <a:srgbClr val="79463D"/>
       </a:accent6>
       <a:hlink>
         <a:srgbClr val="0000FF"/>
@@ -38285,49 +40339,15 @@
         <a:srgbClr val="800080"/>
       </a:folHlink>
     </a:clrScheme>
-    <a:fontScheme name="Office">
+    <a:fontScheme name="Office Classic 2">
       <a:majorFont>
-        <a:latin typeface="Calibri"/>
+        <a:latin typeface="Arial"/>
         <a:ea typeface=""/>
         <a:cs typeface=""/>
         <a:font script="Jpan" typeface="ＭＳ Ｐゴシック"/>
-        <a:font script="Hang" typeface="맑은 고딕"/>
-        <a:font script="Hans" typeface="宋体"/>
-        <a:font script="Hant" typeface="新細明體"/>
-        <a:font script="Arab" typeface="Times New Roman"/>
-        <a:font script="Hebr" typeface="Times New Roman"/>
-        <a:font script="Thai" typeface="Angsana New"/>
-        <a:font script="Ethi" typeface="Nyala"/>
-        <a:font script="Beng" typeface="Vrinda"/>
-        <a:font script="Gujr" typeface="Shruti"/>
-        <a:font script="Khmr" typeface="MoolBoran"/>
-        <a:font script="Knda" typeface="Tunga"/>
-        <a:font script="Guru" typeface="Raavi"/>
-        <a:font script="Cans" typeface="Euphemia"/>
-        <a:font script="Cher" typeface="Plantagenet Cherokee"/>
-        <a:font script="Yiii" typeface="Microsoft Yi Baiti"/>
-        <a:font script="Tibt" typeface="Microsoft Himalaya"/>
-        <a:font script="Thaa" typeface="MV Boli"/>
-        <a:font script="Deva" typeface="Mangal"/>
-        <a:font script="Telu" typeface="Gautami"/>
-        <a:font script="Taml" typeface="Latha"/>
-        <a:font script="Syrc" typeface="Estrangelo Edessa"/>
-        <a:font script="Orya" typeface="Kalinga"/>
-        <a:font script="Mlym" typeface="Kartika"/>
-        <a:font script="Laoo" typeface="DokChampa"/>
-        <a:font script="Sinh" typeface="Iskoola Pota"/>
-        <a:font script="Mong" typeface="Mongolian Baiti"/>
-        <a:font script="Viet" typeface="Times New Roman"/>
-        <a:font script="Uigh" typeface="Microsoft Uighur"/>
-      </a:majorFont>
-      <a:minorFont>
-        <a:latin typeface="Calibri"/>
-        <a:ea typeface=""/>
-        <a:cs typeface=""/>
-        <a:font script="Jpan" typeface="ＭＳ Ｐゴシック"/>
-        <a:font script="Hang" typeface="맑은 고딕"/>
-        <a:font script="Hans" typeface="宋体"/>
-        <a:font script="Hant" typeface="新細明體"/>
+        <a:font script="Hang" typeface="돋움"/>
+        <a:font script="Hans" typeface="方正舒体"/>
+        <a:font script="Hant" typeface="微軟正黑體"/>
         <a:font script="Arab" typeface="Arial"/>
         <a:font script="Hebr" typeface="Arial"/>
         <a:font script="Thai" typeface="Cordia New"/>
@@ -38353,9 +40373,45 @@
         <a:font script="Mong" typeface="Mongolian Baiti"/>
         <a:font script="Viet" typeface="Arial"/>
         <a:font script="Uigh" typeface="Microsoft Uighur"/>
+        <a:font script="Geor" typeface="Sylfaen"/>
+      </a:majorFont>
+      <a:minorFont>
+        <a:latin typeface="Arial"/>
+        <a:ea typeface=""/>
+        <a:cs typeface=""/>
+        <a:font script="Jpan" typeface="ＭＳ Ｐゴシック"/>
+        <a:font script="Hang" typeface="돋움"/>
+        <a:font script="Hans" typeface="方正舒体"/>
+        <a:font script="Hant" typeface="微軟正黑體"/>
+        <a:font script="Arab" typeface="Arial"/>
+        <a:font script="Hebr" typeface="Arial"/>
+        <a:font script="Thai" typeface="Cordia New"/>
+        <a:font script="Ethi" typeface="Nyala"/>
+        <a:font script="Beng" typeface="Vrinda"/>
+        <a:font script="Gujr" typeface="Shruti"/>
+        <a:font script="Khmr" typeface="DaunPenh"/>
+        <a:font script="Knda" typeface="Tunga"/>
+        <a:font script="Guru" typeface="Raavi"/>
+        <a:font script="Cans" typeface="Euphemia"/>
+        <a:font script="Cher" typeface="Plantagenet Cherokee"/>
+        <a:font script="Yiii" typeface="Microsoft Yi Baiti"/>
+        <a:font script="Tibt" typeface="Microsoft Himalaya"/>
+        <a:font script="Thaa" typeface="MV Boli"/>
+        <a:font script="Deva" typeface="Mangal"/>
+        <a:font script="Telu" typeface="Gautami"/>
+        <a:font script="Taml" typeface="Latha"/>
+        <a:font script="Syrc" typeface="Estrangelo Edessa"/>
+        <a:font script="Orya" typeface="Kalinga"/>
+        <a:font script="Mlym" typeface="Kartika"/>
+        <a:font script="Laoo" typeface="DokChampa"/>
+        <a:font script="Sinh" typeface="Iskoola Pota"/>
+        <a:font script="Mong" typeface="Mongolian Baiti"/>
+        <a:font script="Viet" typeface="Arial"/>
+        <a:font script="Uigh" typeface="Microsoft Uighur"/>
+        <a:font script="Geor" typeface="Sylfaen"/>
       </a:minorFont>
     </a:fontScheme>
-    <a:fmtScheme name="Office">
+    <a:fmtScheme name="Clarity">
       <a:fillStyleLst>
         <a:solidFill>
           <a:schemeClr val="phClr"/>
@@ -38365,65 +40421,75 @@
             <a:gs pos="0">
               <a:schemeClr val="phClr">
                 <a:tint val="50000"/>
-                <a:satMod val="300000"/>
+                <a:shade val="86000"/>
+                <a:satMod val="140000"/>
               </a:schemeClr>
             </a:gs>
-            <a:gs pos="35000">
+            <a:gs pos="45000">
               <a:schemeClr val="phClr">
-                <a:tint val="37000"/>
-                <a:satMod val="300000"/>
+                <a:tint val="48000"/>
+                <a:satMod val="150000"/>
               </a:schemeClr>
             </a:gs>
             <a:gs pos="100000">
               <a:schemeClr val="phClr">
-                <a:tint val="15000"/>
-                <a:satMod val="350000"/>
+                <a:tint val="28000"/>
+                <a:satMod val="160000"/>
               </a:schemeClr>
             </a:gs>
           </a:gsLst>
-          <a:lin ang="16200000" scaled="1"/>
+          <a:path path="circle">
+            <a:fillToRect l="100000" t="100000" r="100000" b="100000"/>
+          </a:path>
         </a:gradFill>
         <a:gradFill rotWithShape="1">
           <a:gsLst>
             <a:gs pos="0">
               <a:schemeClr val="phClr">
-                <a:shade val="51000"/>
-                <a:satMod val="130000"/>
+                <a:shade val="70000"/>
+                <a:satMod val="150000"/>
               </a:schemeClr>
             </a:gs>
-            <a:gs pos="80000">
+            <a:gs pos="34000">
               <a:schemeClr val="phClr">
-                <a:shade val="93000"/>
-                <a:satMod val="130000"/>
+                <a:shade val="70000"/>
+                <a:satMod val="140000"/>
+              </a:schemeClr>
+            </a:gs>
+            <a:gs pos="70000">
+              <a:schemeClr val="phClr">
+                <a:tint val="100000"/>
+                <a:shade val="90000"/>
+                <a:satMod val="140000"/>
               </a:schemeClr>
             </a:gs>
             <a:gs pos="100000">
               <a:schemeClr val="phClr">
-                <a:shade val="94000"/>
-                <a:satMod val="135000"/>
+                <a:tint val="100000"/>
+                <a:shade val="100000"/>
+                <a:satMod val="100000"/>
               </a:schemeClr>
             </a:gs>
           </a:gsLst>
-          <a:lin ang="16200000" scaled="0"/>
+          <a:path path="circle">
+            <a:fillToRect l="100000" t="100000" r="100000" b="100000"/>
+          </a:path>
         </a:gradFill>
       </a:fillStyleLst>
       <a:lnStyleLst>
         <a:ln w="9525" cap="flat" cmpd="sng" algn="ctr">
           <a:solidFill>
-            <a:schemeClr val="phClr">
-              <a:shade val="95000"/>
-              <a:satMod val="105000"/>
-            </a:schemeClr>
+            <a:schemeClr val="phClr"/>
           </a:solidFill>
           <a:prstDash val="solid"/>
         </a:ln>
-        <a:ln w="25400" cap="flat" cmpd="sng" algn="ctr">
+        <a:ln w="26425" cap="flat" cmpd="sng" algn="ctr">
           <a:solidFill>
             <a:schemeClr val="phClr"/>
           </a:solidFill>
           <a:prstDash val="solid"/>
         </a:ln>
-        <a:ln w="38100" cap="flat" cmpd="sng" algn="ctr">
+        <a:ln w="44450" cap="flat" cmpd="sng" algn="ctr">
           <a:solidFill>
             <a:schemeClr val="phClr"/>
           </a:solidFill>
@@ -38432,28 +40498,22 @@
       </a:lnStyleLst>
       <a:effectStyleLst>
         <a:effectStyle>
+          <a:effectLst/>
+        </a:effectStyle>
+        <a:effectStyle>
           <a:effectLst>
-            <a:outerShdw blurRad="40000" dist="20000" dir="5400000" rotWithShape="0">
+            <a:outerShdw blurRad="38100" dist="25400" dir="2700000" algn="br" rotWithShape="0">
               <a:srgbClr val="000000">
-                <a:alpha val="38000"/>
+                <a:alpha val="60000"/>
               </a:srgbClr>
             </a:outerShdw>
           </a:effectLst>
         </a:effectStyle>
         <a:effectStyle>
           <a:effectLst>
-            <a:outerShdw blurRad="40000" dist="23000" dir="5400000" rotWithShape="0">
+            <a:outerShdw blurRad="38100" dist="25400" dir="2700000" algn="br" rotWithShape="0">
               <a:srgbClr val="000000">
-                <a:alpha val="35000"/>
-              </a:srgbClr>
-            </a:outerShdw>
-          </a:effectLst>
-        </a:effectStyle>
-        <a:effectStyle>
-          <a:effectLst>
-            <a:outerShdw blurRad="40000" dist="23000" dir="5400000" rotWithShape="0">
-              <a:srgbClr val="000000">
-                <a:alpha val="35000"/>
+                <a:alpha val="60000"/>
               </a:srgbClr>
             </a:outerShdw>
           </a:effectLst>
@@ -38461,12 +40521,18 @@
             <a:camera prst="orthographicFront">
               <a:rot lat="0" lon="0" rev="0"/>
             </a:camera>
-            <a:lightRig rig="threePt" dir="t">
-              <a:rot lat="0" lon="0" rev="1200000"/>
+            <a:lightRig rig="balanced" dir="t">
+              <a:rot lat="0" lon="0" rev="5100000"/>
             </a:lightRig>
           </a:scene3d>
-          <a:sp3d>
-            <a:bevelT w="63500" h="25400"/>
+          <a:sp3d contourW="6350">
+            <a:bevelT w="29210" h="12700"/>
+            <a:contourClr>
+              <a:schemeClr val="phClr">
+                <a:shade val="30000"/>
+                <a:satMod val="130000"/>
+              </a:schemeClr>
+            </a:contourClr>
           </a:sp3d>
         </a:effectStyle>
       </a:effectStyleLst>
@@ -38478,47 +40544,40 @@
           <a:gsLst>
             <a:gs pos="0">
               <a:schemeClr val="phClr">
-                <a:tint val="40000"/>
-                <a:satMod val="350000"/>
+                <a:tint val="85000"/>
+                <a:satMod val="180000"/>
               </a:schemeClr>
             </a:gs>
             <a:gs pos="40000">
               <a:schemeClr val="phClr">
-                <a:tint val="45000"/>
-                <a:shade val="99000"/>
-                <a:satMod val="350000"/>
+                <a:tint val="95000"/>
+                <a:shade val="85000"/>
+                <a:satMod val="150000"/>
               </a:schemeClr>
             </a:gs>
             <a:gs pos="100000">
               <a:schemeClr val="phClr">
-                <a:shade val="20000"/>
-                <a:satMod val="255000"/>
-              </a:schemeClr>
-            </a:gs>
-          </a:gsLst>
-          <a:path path="circle">
-            <a:fillToRect l="50000" t="-80000" r="50000" b="180000"/>
-          </a:path>
-        </a:gradFill>
-        <a:gradFill rotWithShape="1">
-          <a:gsLst>
-            <a:gs pos="0">
-              <a:schemeClr val="phClr">
-                <a:tint val="80000"/>
-                <a:satMod val="300000"/>
-              </a:schemeClr>
-            </a:gs>
-            <a:gs pos="100000">
-              <a:schemeClr val="phClr">
-                <a:shade val="30000"/>
+                <a:shade val="45000"/>
                 <a:satMod val="200000"/>
               </a:schemeClr>
             </a:gs>
           </a:gsLst>
-          <a:path path="circle">
-            <a:fillToRect l="50000" t="50000" r="50000" b="50000"/>
-          </a:path>
+          <a:lin ang="5400000" scaled="0"/>
         </a:gradFill>
+        <a:blipFill rotWithShape="1">
+          <a:blip xmlns:r="http://schemas.openxmlformats.org/officeDocument/2006/relationships" r:embed="rId1">
+            <a:duotone>
+              <a:schemeClr val="phClr">
+                <a:shade val="55000"/>
+              </a:schemeClr>
+              <a:schemeClr val="phClr">
+                <a:tint val="97000"/>
+                <a:satMod val="95000"/>
+              </a:schemeClr>
+            </a:duotone>
+          </a:blip>
+          <a:tile tx="0" ty="0" sx="70000" sy="70000" flip="none" algn="tl"/>
+        </a:blipFill>
       </a:bgFillStyleLst>
     </a:fmtScheme>
   </a:themeElements>

--- a/COURSE 10 - Applied Data Science Capstone/Week 5 Present Your Data-Driven Insights/Data Science Journey.pptx
+++ b/COURSE 10 - Applied Data Science Capstone/Week 5 Present Your Data-Driven Insights/Data Science Journey.pptx
@@ -152,7 +152,7 @@
   </p:defaultTextStyle>
   <p:extLst>
     <p:ext uri="{EFAFB233-063F-42B5-8137-9DF3F51BA10A}">
-      <p15:sldGuideLst xmlns:p15="http://schemas.microsoft.com/office/powerpoint/2012/main" xmlns="">
+      <p15:sldGuideLst xmlns="" xmlns:p15="http://schemas.microsoft.com/office/powerpoint/2012/main">
         <p15:guide id="1" orient="horz" pos="2880">
           <p15:clr>
             <a:srgbClr val="A4A3A4"/>
@@ -4043,7 +4043,7 @@
         <p:spPr>
           <a:xfrm>
             <a:off x="467361" y="2091819"/>
-            <a:ext cx="11734799" cy="4082656"/>
+            <a:ext cx="11734799" cy="5107552"/>
           </a:xfrm>
           <a:prstGeom prst="rect">
             <a:avLst/>
@@ -4871,9 +4871,8 @@
                 </a:uFill>
                 <a:latin typeface="Carlito"/>
                 <a:cs typeface="Carlito"/>
-                <a:hlinkClick r:id="rId2"/>
-              </a:rPr>
-              <a:t>https://github.com/navassherif98/IBM_Data_Science_Professional_Certification/blob/master/10.Applied_Data_Science_Capstone/Week%201%20Introduction/Data%20wrangling%20.ipynb</a:t>
+              </a:rPr>
+              <a:t>https://github.com/aimlresearcher/IBM-Data-Science-Professional-Certificate/blob/main/COURSE%2010%20-%20Applied%20Data%20Science%20Capstone/Week%201%20Introduction/Data%20wrangling%20.ipynb</a:t>
             </a:r>
             <a:endParaRPr sz="2000" dirty="0">
               <a:latin typeface="Carlito"/>
@@ -5089,7 +5088,7 @@
         <p:spPr>
           <a:xfrm>
             <a:off x="1176019" y="1824608"/>
-            <a:ext cx="9963150" cy="3583940"/>
+            <a:ext cx="9963150" cy="4787849"/>
           </a:xfrm>
           <a:prstGeom prst="rect">
             <a:avLst/>
@@ -5943,9 +5942,8 @@
                 </a:uFill>
                 <a:latin typeface="Carlito"/>
                 <a:cs typeface="Carlito"/>
-                <a:hlinkClick r:id="rId2"/>
-              </a:rPr>
-              <a:t>https://github.com/navassherif98/IBM_Data_Science_Professional_Certification/blob/master/10.Applied_Data_Science_Capstone/Week%202%20EDA/EDA%20with%20Visualization.ipynb</a:t>
+              </a:rPr>
+              <a:t>https://github.com/aimlresearcher/IBM-Data-Science-Professional-Certificate/blob/main/COURSE%2010%20-%20Applied%20Data%20Science%20Capstone/Week%202%20EDA/EDA%20with%20Visualization.ipynb</a:t>
             </a:r>
             <a:endParaRPr sz="2000" dirty="0">
               <a:latin typeface="Carlito"/>
@@ -6123,7 +6121,7 @@
         <p:spPr>
           <a:xfrm>
             <a:off x="1176019" y="1622485"/>
-            <a:ext cx="9687560" cy="3925570"/>
+            <a:ext cx="9687560" cy="4401718"/>
           </a:xfrm>
           <a:prstGeom prst="rect">
             <a:avLst/>
@@ -6652,9 +6650,8 @@
                 </a:uFill>
                 <a:latin typeface="Carlito"/>
                 <a:cs typeface="Carlito"/>
-                <a:hlinkClick r:id="rId2"/>
-              </a:rPr>
-              <a:t>https://github.com/navassherif98/IBM_Data_Science_Professional_Certification/blob/master/10.Applied_Data_Science_Capstone/Week%202%20EDA/EDA%20with%20SQL.ipynb</a:t>
+              </a:rPr>
+              <a:t>https://github.com/aimlresearcher/IBM-Data-Science-Professional-Certificate/blob/main/COURSE%2010%20-%20Applied%20Data%20Science%20Capstone/Week%202%20EDA/EDA%20with%20SQL.ipynb</a:t>
             </a:r>
             <a:endParaRPr sz="2000" dirty="0">
               <a:latin typeface="Carlito"/>
@@ -6844,7 +6841,7 @@
         <p:spPr>
           <a:xfrm>
             <a:off x="1176019" y="1824608"/>
-            <a:ext cx="9765665" cy="3162789"/>
+            <a:ext cx="9765665" cy="4133824"/>
           </a:xfrm>
           <a:prstGeom prst="rect">
             <a:avLst/>
@@ -7293,9 +7290,8 @@
                 </a:uFill>
                 <a:latin typeface="Carlito"/>
                 <a:cs typeface="Carlito"/>
-                <a:hlinkClick r:id="rId2"/>
-              </a:rPr>
-              <a:t>https://github.com/navassherif98/IBM_Data_Science_Professional_Certification/blob/master/10.Applied_Data_Science_Capstone/Week%203%20Interactive%20Visual%20Analytics%20and%20Dashboard/Interactive%20Visual%20Analytics%20with%20Folium.ipynb</a:t>
+              </a:rPr>
+              <a:t>https://github.com/aimlresearcher/IBM-Data-Science-Professional-Certificate/blob/main/COURSE%2010%20-%20Applied%20Data%20Science%20Capstone/Week%203%20Interactive%20Visual%20Analytics%20and%20Dashboard/Interactive%20Visual%20Analytics%20with%20Folium.ipynb</a:t>
             </a:r>
             <a:endParaRPr sz="2000" dirty="0">
               <a:latin typeface="Carlito"/>
@@ -7485,7 +7481,7 @@
         <p:spPr>
           <a:xfrm>
             <a:off x="609600" y="1676247"/>
-            <a:ext cx="11430000" cy="4658711"/>
+            <a:ext cx="11430000" cy="5450210"/>
           </a:xfrm>
           <a:prstGeom prst="rect">
             <a:avLst/>
@@ -8357,9 +8353,8 @@
                 </a:uFill>
                 <a:latin typeface="Carlito"/>
                 <a:cs typeface="Carlito"/>
-                <a:hlinkClick r:id="rId2"/>
-              </a:rPr>
-              <a:t>https://github.com/navassherif98/IBM_Data_Science_Professional_Certification/blob/master/10.Applied_Data_Science_Capstone/Week%203%20Interactive%20Visual%20Analytics%20and%20Dashboard/spacex_dash_app.py</a:t>
+              </a:rPr>
+              <a:t>https://github.com/aimlresearcher/IBM-Data-Science-Professional-Certificate/blob/main/COURSE%2010%20-%20Applied%20Data%20Science%20Capstone/Week%203%20Interactive%20Visual%20Analytics%20and%20Dashboard/spacex_dash_app.py</a:t>
             </a:r>
             <a:endParaRPr sz="2000" dirty="0">
               <a:latin typeface="Carlito"/>
@@ -8537,7 +8532,7 @@
         <p:spPr>
           <a:xfrm>
             <a:off x="533401" y="2472309"/>
-            <a:ext cx="3061208" cy="2796278"/>
+            <a:ext cx="3061208" cy="4040209"/>
           </a:xfrm>
           <a:prstGeom prst="rect">
             <a:avLst/>
@@ -8630,8 +8625,30 @@
                 <a:cs typeface="Carlito"/>
                 <a:hlinkClick r:id="rId2"/>
               </a:rPr>
-              <a:t>https://github.com/navassherif98/IBM_Data_Science_Professional_Certification/blob/master/10.Applied_Data_Science_Capstone/Week%204%20Predictive%20Analysis%20(Classification)/Machine%20Learning%20Prediction.ipynb</a:t>
-            </a:r>
+              <a:t>https://github.com/aimlresearcher/IBM-Data-Science-Professional-Certificate/blob/main/COURSE%2010%20-%20Applied%20Data%20Science%20Capstone/Week%204%20Predictive%20Analysis%20(Classification)/</a:t>
+            </a:r>
+            <a:r>
+              <a:rPr lang="en-IN" sz="2000" dirty="0" smtClean="0">
+                <a:latin typeface="Carlito"/>
+                <a:cs typeface="Carlito"/>
+                <a:hlinkClick r:id="rId2"/>
+              </a:rPr>
+              <a:t>Machine%20Learning%20Prediction.ipynb</a:t>
+            </a:r>
+            <a:endParaRPr lang="en-IN" sz="2000" dirty="0" smtClean="0">
+              <a:latin typeface="Carlito"/>
+              <a:cs typeface="Carlito"/>
+            </a:endParaRPr>
+          </a:p>
+          <a:p>
+            <a:pPr marL="12700">
+              <a:lnSpc>
+                <a:spcPct val="100000"/>
+              </a:lnSpc>
+              <a:spcBef>
+                <a:spcPts val="105"/>
+              </a:spcBef>
+            </a:pPr>
             <a:endParaRPr sz="2000" dirty="0">
               <a:latin typeface="Carlito"/>
               <a:cs typeface="Carlito"/>
@@ -12433,7 +12450,7 @@
           <p:cNvPr id="7" name="Picture 6">
             <a:extLst>
               <a:ext uri="{FF2B5EF4-FFF2-40B4-BE49-F238E27FC236}">
-                <a16:creationId xmlns:a16="http://schemas.microsoft.com/office/drawing/2014/main" xmlns="" id="{ED8F4877-D962-4130-8512-2C5408972FEC}"/>
+                <a16:creationId xmlns="" xmlns:a16="http://schemas.microsoft.com/office/drawing/2014/main" id="{ED8F4877-D962-4130-8512-2C5408972FEC}"/>
               </a:ext>
             </a:extLst>
           </p:cNvPr>
@@ -29986,7 +30003,7 @@
         <p:spPr>
           <a:xfrm>
             <a:off x="609600" y="1600200"/>
-            <a:ext cx="10972800" cy="2588852"/>
+            <a:ext cx="10972800" cy="1344922"/>
           </a:xfrm>
           <a:prstGeom prst="rect">
             <a:avLst/>
@@ -30007,36 +30024,14 @@
               </a:spcBef>
             </a:pPr>
             <a:r>
-              <a:rPr spc="-385" dirty="0"/>
-              <a:t>Predictive</a:t>
-            </a:r>
-            <a:r>
-              <a:rPr spc="-750" dirty="0"/>
-              <a:t> </a:t>
-            </a:r>
-            <a:r>
-              <a:rPr spc="-570" dirty="0" smtClean="0"/>
+              <a:rPr dirty="0"/>
+              <a:t>Predictive </a:t>
+            </a:r>
+            <a:r>
+              <a:rPr dirty="0"/>
               <a:t>Analysis</a:t>
             </a:r>
-            <a:endParaRPr lang="en-US" spc="-570" dirty="0" smtClean="0"/>
-          </a:p>
-          <a:p>
-            <a:pPr marL="16510" marR="5080">
-              <a:lnSpc>
-                <a:spcPts val="8200"/>
-              </a:lnSpc>
-              <a:spcBef>
-                <a:spcPts val="1540"/>
-              </a:spcBef>
-            </a:pPr>
-            <a:r>
-              <a:rPr spc="-570" dirty="0" smtClean="0"/>
-              <a:t>  </a:t>
-            </a:r>
-            <a:r>
-              <a:rPr spc="-425" dirty="0"/>
-              <a:t>(Classification)</a:t>
-            </a:r>
+            <a:endParaRPr lang="en-US" dirty="0"/>
           </a:p>
         </p:txBody>
       </p:sp>
@@ -33460,7 +33455,7 @@
         <p:spPr>
           <a:xfrm>
             <a:off x="1176019" y="1496901"/>
-            <a:ext cx="8401050" cy="3782446"/>
+            <a:ext cx="8401050" cy="5167440"/>
           </a:xfrm>
           <a:prstGeom prst="rect">
             <a:avLst/>
@@ -33568,20 +33563,44 @@
                 <a:cs typeface="Carlito"/>
                 <a:hlinkClick r:id="rId2"/>
               </a:rPr>
-              <a:t>https://github.com/navassherif98/IBM_Data_Science_Professional_Certification</a:t>
-            </a:r>
-            <a:endParaRPr sz="2000" dirty="0">
+              <a:t>https://github.com/aimlresearcher/IBM-Data-Science-Professional-Certificatehttps://</a:t>
+            </a:r>
+            <a:r>
+              <a:rPr lang="en-IN" sz="2000" u="heavy" spc="-10" dirty="0" smtClean="0">
+                <a:solidFill>
+                  <a:srgbClr val="800080"/>
+                </a:solidFill>
+                <a:uFill>
+                  <a:solidFill>
+                    <a:srgbClr val="800080"/>
+                  </a:solidFill>
+                </a:uFill>
+                <a:latin typeface="Carlito"/>
+                <a:cs typeface="Carlito"/>
+                <a:hlinkClick r:id="rId2"/>
+              </a:rPr>
+              <a:t>github.com/aimlresearcher/IBM-Data-Science-Professional-Certificate</a:t>
+            </a:r>
+            <a:endParaRPr lang="en-IN" sz="2000" u="heavy" spc="-10" dirty="0" smtClean="0">
+              <a:solidFill>
+                <a:srgbClr val="800080"/>
+              </a:solidFill>
+              <a:uFill>
+                <a:solidFill>
+                  <a:srgbClr val="800080"/>
+                </a:solidFill>
+              </a:uFill>
               <a:latin typeface="Carlito"/>
               <a:cs typeface="Carlito"/>
             </a:endParaRPr>
           </a:p>
           <a:p>
-            <a:pPr>
+            <a:pPr marL="12700">
               <a:lnSpc>
                 <a:spcPct val="100000"/>
               </a:lnSpc>
               <a:spcBef>
-                <a:spcPts val="40"/>
+                <a:spcPts val="1200"/>
               </a:spcBef>
             </a:pPr>
             <a:endParaRPr sz="1750" dirty="0">
@@ -38390,7 +38409,7 @@
         <p:spPr>
           <a:xfrm>
             <a:off x="535635" y="5215508"/>
-            <a:ext cx="2988945" cy="1271117"/>
+            <a:ext cx="2988945" cy="1946687"/>
           </a:xfrm>
           <a:prstGeom prst="rect">
             <a:avLst/>
@@ -38404,32 +38423,35 @@
           <a:p>
             <a:pPr marL="12700" marR="5080">
               <a:lnSpc>
-                <a:spcPct val="88900"/>
+                <a:spcPct val="90000"/>
               </a:lnSpc>
               <a:spcBef>
-                <a:spcPts val="300"/>
+                <a:spcPts val="280"/>
               </a:spcBef>
             </a:pPr>
             <a:r>
-              <a:rPr lang="en-IN" sz="1500" u="sng" spc="-10" dirty="0">
-                <a:solidFill>
-                  <a:schemeClr val="bg1"/>
-                </a:solidFill>
-                <a:uFill>
-                  <a:solidFill>
-                    <a:srgbClr val="2996E1"/>
-                  </a:solidFill>
-                </a:uFill>
+              <a:rPr lang="en-IN" sz="1500" dirty="0">
                 <a:latin typeface="Carlito"/>
                 <a:cs typeface="Carlito"/>
                 <a:hlinkClick r:id="rId23"/>
               </a:rPr>
-              <a:t>https://github.com/navassherif98/IBM_Data_Science_Professional_Certification/blob/master/10.Applied_Data_Science_Capstone/Week%201%20Introduction/Data%20Collection%20Api%20.ipynb</a:t>
-            </a:r>
-            <a:endParaRPr sz="1500" dirty="0">
-              <a:solidFill>
-                <a:schemeClr val="bg1"/>
-              </a:solidFill>
+              <a:t>https://github.com/aimlresearcher/IBM-Data-Science-Professional-Certificate/blob/main/COURSE%2010%20-%20Applied%20Data%20Science%20Capstone/Week%201%20Introduction/Data%20Collection%20Api%20.ipynb</a:t>
+            </a:r>
+            <a:endParaRPr lang="en-IN" sz="1500" dirty="0">
+              <a:latin typeface="Carlito"/>
+              <a:cs typeface="Carlito"/>
+            </a:endParaRPr>
+          </a:p>
+          <a:p>
+            <a:pPr marL="12700" marR="5080">
+              <a:lnSpc>
+                <a:spcPct val="90000"/>
+              </a:lnSpc>
+              <a:spcBef>
+                <a:spcPts val="280"/>
+              </a:spcBef>
+            </a:pPr>
+            <a:endParaRPr lang="en-IN" sz="1500" dirty="0">
               <a:latin typeface="Carlito"/>
               <a:cs typeface="Carlito"/>
             </a:endParaRPr>
@@ -40240,7 +40262,7 @@
         <p:spPr>
           <a:xfrm>
             <a:off x="535635" y="4830826"/>
-            <a:ext cx="2988945" cy="1282402"/>
+            <a:ext cx="2988945" cy="1944122"/>
           </a:xfrm>
           <a:prstGeom prst="rect">
             <a:avLst/>
@@ -40261,22 +40283,36 @@
               </a:spcBef>
             </a:pPr>
             <a:r>
-              <a:rPr lang="en-IN" sz="1500" u="sng" spc="-10" dirty="0">
-                <a:solidFill>
-                  <a:srgbClr val="2996E1"/>
-                </a:solidFill>
-                <a:uFill>
-                  <a:solidFill>
-                    <a:srgbClr val="2996E1"/>
-                  </a:solidFill>
-                </a:uFill>
+              <a:rPr lang="en-IN" sz="1500" dirty="0">
                 <a:latin typeface="Carlito"/>
                 <a:cs typeface="Carlito"/>
                 <a:hlinkClick r:id="rId17"/>
               </a:rPr>
-              <a:t>https://github.com/navassherif98/IBM_Data_Science_Professional_Certification/blob/master/10.Applied_Data_Science_Capstone/Week%201%20Introduction/Data%20Collection%20with%20Web%20Scraping.ipynb</a:t>
+              <a:t>https://github.com/aimlresearcher/IBM-Data-Science-Professional-Certificate/blob/main/COURSE%2010%20-%</a:t>
+            </a:r>
+            <a:r>
+              <a:rPr lang="en-IN" sz="1500" dirty="0" smtClean="0">
+                <a:latin typeface="Carlito"/>
+                <a:cs typeface="Carlito"/>
+                <a:hlinkClick r:id="rId17"/>
+              </a:rPr>
+              <a:t>20Applied%20Data%20Science%20Capstone/Week%201%20Introduction/Data%20Collection%20Api%20.ipynb</a:t>
             </a:r>
             <a:endParaRPr lang="en-IN" sz="1500" dirty="0">
+              <a:latin typeface="Carlito"/>
+              <a:cs typeface="Carlito"/>
+            </a:endParaRPr>
+          </a:p>
+          <a:p>
+            <a:pPr marL="12700" marR="5080">
+              <a:lnSpc>
+                <a:spcPct val="90000"/>
+              </a:lnSpc>
+              <a:spcBef>
+                <a:spcPts val="280"/>
+              </a:spcBef>
+            </a:pPr>
+            <a:endParaRPr lang="en-IN" sz="1500" dirty="0" smtClean="0">
               <a:latin typeface="Carlito"/>
               <a:cs typeface="Carlito"/>
             </a:endParaRPr>
